--- a/presentations/Updates 7-6-20.pptx
+++ b/presentations/Updates 7-6-20.pptx
@@ -5,7 +5,7 @@
     <p:sldMasterId id="2147483648" r:id="rId1"/>
   </p:sldMasterIdLst>
   <p:notesMasterIdLst>
-    <p:notesMasterId r:id="rId10"/>
+    <p:notesMasterId r:id="rId11"/>
   </p:notesMasterIdLst>
   <p:sldIdLst>
     <p:sldId id="256" r:id="rId2"/>
@@ -16,6 +16,7 @@
     <p:sldId id="262" r:id="rId7"/>
     <p:sldId id="263" r:id="rId8"/>
     <p:sldId id="258" r:id="rId9"/>
+    <p:sldId id="264" r:id="rId10"/>
   </p:sldIdLst>
   <p:sldSz cx="12192000" cy="6858000"/>
   <p:notesSz cx="6858000" cy="9144000"/>
@@ -114,15 +115,297 @@
       </a:defRPr>
     </a:lvl9pPr>
   </p:defaultTextStyle>
+  <p:extLst>
+    <p:ext uri="{EFAFB233-063F-42B5-8137-9DF3F51BA10A}">
+      <p15:sldGuideLst xmlns:p15="http://schemas.microsoft.com/office/powerpoint/2012/main"/>
+    </p:ext>
+  </p:extLst>
 </p:presentation>
 </file>
 
 <file path=ppt/revisionInfo.xml><?xml version="1.0" encoding="utf-8"?>
 <p1510:revInfo xmlns:a="http://schemas.openxmlformats.org/drawingml/2006/main" xmlns:r="http://schemas.openxmlformats.org/officeDocument/2006/relationships" xmlns:p1510="http://schemas.microsoft.com/office/powerpoint/2015/10/main">
   <p1510:revLst>
-    <p1510:client id="{E797F88B-A9F5-254F-8DD2-59C20A36120C}" v="8" dt="2020-07-06T12:38:17.625"/>
+    <p1510:client id="{E797F88B-A9F5-254F-8DD2-59C20A36120C}" v="15" dt="2020-07-06T13:28:17.888"/>
   </p1510:revLst>
 </p1510:revInfo>
+</file>
+
+<file path=ppt/changesInfos/changesInfo1.xml><?xml version="1.0" encoding="utf-8"?>
+<pc:chgInfo xmlns:a="http://schemas.openxmlformats.org/drawingml/2006/main" xmlns:r="http://schemas.openxmlformats.org/officeDocument/2006/relationships" xmlns:ac="http://schemas.microsoft.com/office/drawing/2013/main/command" xmlns:pc="http://schemas.microsoft.com/office/powerpoint/2013/main/command">
+  <pc:docChgLst>
+    <pc:chgData name="Akash Levy" userId="0f662538-7453-45f3-952a-fc9f1a7c515e" providerId="ADAL" clId="{E797F88B-A9F5-254F-8DD2-59C20A36120C}"/>
+    <pc:docChg chg="undo custSel mod addSld modSld">
+      <pc:chgData name="Akash Levy" userId="0f662538-7453-45f3-952a-fc9f1a7c515e" providerId="ADAL" clId="{E797F88B-A9F5-254F-8DD2-59C20A36120C}" dt="2020-07-06T13:31:16.467" v="131" actId="26606"/>
+      <pc:docMkLst>
+        <pc:docMk/>
+      </pc:docMkLst>
+      <pc:sldChg chg="addSp delSp modSp add mod setBg">
+        <pc:chgData name="Akash Levy" userId="0f662538-7453-45f3-952a-fc9f1a7c515e" providerId="ADAL" clId="{E797F88B-A9F5-254F-8DD2-59C20A36120C}" dt="2020-07-06T13:31:16.467" v="131" actId="26606"/>
+        <pc:sldMkLst>
+          <pc:docMk/>
+          <pc:sldMk cId="1239001556" sldId="264"/>
+        </pc:sldMkLst>
+        <pc:spChg chg="mod">
+          <ac:chgData name="Akash Levy" userId="0f662538-7453-45f3-952a-fc9f1a7c515e" providerId="ADAL" clId="{E797F88B-A9F5-254F-8DD2-59C20A36120C}" dt="2020-07-06T13:31:16.416" v="130" actId="26606"/>
+          <ac:spMkLst>
+            <pc:docMk/>
+            <pc:sldMk cId="1239001556" sldId="264"/>
+            <ac:spMk id="2" creationId="{7371CA6F-7FE7-044F-A074-CAE83482E73B}"/>
+          </ac:spMkLst>
+        </pc:spChg>
+        <pc:spChg chg="del">
+          <ac:chgData name="Akash Levy" userId="0f662538-7453-45f3-952a-fc9f1a7c515e" providerId="ADAL" clId="{E797F88B-A9F5-254F-8DD2-59C20A36120C}" dt="2020-07-06T13:28:06.355" v="21" actId="3680"/>
+          <ac:spMkLst>
+            <pc:docMk/>
+            <pc:sldMk cId="1239001556" sldId="264"/>
+            <ac:spMk id="3" creationId="{6A2120D8-5773-3F4E-BF96-50A745FB0227}"/>
+          </ac:spMkLst>
+        </pc:spChg>
+        <pc:spChg chg="add del">
+          <ac:chgData name="Akash Levy" userId="0f662538-7453-45f3-952a-fc9f1a7c515e" providerId="ADAL" clId="{E797F88B-A9F5-254F-8DD2-59C20A36120C}" dt="2020-07-06T13:28:52.691" v="99" actId="478"/>
+          <ac:spMkLst>
+            <pc:docMk/>
+            <pc:sldMk cId="1239001556" sldId="264"/>
+            <ac:spMk id="9" creationId="{A6154F8D-43B5-410C-8C6D-E1B6EA2E5E81}"/>
+          </ac:spMkLst>
+        </pc:spChg>
+        <pc:spChg chg="add del">
+          <ac:chgData name="Akash Levy" userId="0f662538-7453-45f3-952a-fc9f1a7c515e" providerId="ADAL" clId="{E797F88B-A9F5-254F-8DD2-59C20A36120C}" dt="2020-07-06T13:28:59.720" v="106" actId="26606"/>
+          <ac:spMkLst>
+            <pc:docMk/>
+            <pc:sldMk cId="1239001556" sldId="264"/>
+            <ac:spMk id="12" creationId="{42A5316D-ED2F-4F89-B4B4-8D9240B1A348}"/>
+          </ac:spMkLst>
+        </pc:spChg>
+        <pc:spChg chg="add del">
+          <ac:chgData name="Akash Levy" userId="0f662538-7453-45f3-952a-fc9f1a7c515e" providerId="ADAL" clId="{E797F88B-A9F5-254F-8DD2-59C20A36120C}" dt="2020-07-06T13:28:55.073" v="101" actId="26606"/>
+          <ac:spMkLst>
+            <pc:docMk/>
+            <pc:sldMk cId="1239001556" sldId="264"/>
+            <ac:spMk id="17" creationId="{823AC064-BC96-4F32-8AE1-B2FD38754823}"/>
+          </ac:spMkLst>
+        </pc:spChg>
+        <pc:spChg chg="add del">
+          <ac:chgData name="Akash Levy" userId="0f662538-7453-45f3-952a-fc9f1a7c515e" providerId="ADAL" clId="{E797F88B-A9F5-254F-8DD2-59C20A36120C}" dt="2020-07-06T13:28:56.341" v="103" actId="26606"/>
+          <ac:spMkLst>
+            <pc:docMk/>
+            <pc:sldMk cId="1239001556" sldId="264"/>
+            <ac:spMk id="21" creationId="{823AC064-BC96-4F32-8AE1-B2FD38754823}"/>
+          </ac:spMkLst>
+        </pc:spChg>
+        <pc:spChg chg="add del">
+          <ac:chgData name="Akash Levy" userId="0f662538-7453-45f3-952a-fc9f1a7c515e" providerId="ADAL" clId="{E797F88B-A9F5-254F-8DD2-59C20A36120C}" dt="2020-07-06T13:28:59.687" v="105" actId="26606"/>
+          <ac:spMkLst>
+            <pc:docMk/>
+            <pc:sldMk cId="1239001556" sldId="264"/>
+            <ac:spMk id="25" creationId="{7F57BEA8-497D-4AA8-8A18-BDCD696B25FE}"/>
+          </ac:spMkLst>
+        </pc:spChg>
+        <pc:spChg chg="add del">
+          <ac:chgData name="Akash Levy" userId="0f662538-7453-45f3-952a-fc9f1a7c515e" providerId="ADAL" clId="{E797F88B-A9F5-254F-8DD2-59C20A36120C}" dt="2020-07-06T13:29:14.342" v="107" actId="26606"/>
+          <ac:spMkLst>
+            <pc:docMk/>
+            <pc:sldMk cId="1239001556" sldId="264"/>
+            <ac:spMk id="28" creationId="{6753252F-4873-4F63-801D-CC719279A7D5}"/>
+          </ac:spMkLst>
+        </pc:spChg>
+        <pc:spChg chg="add del">
+          <ac:chgData name="Akash Levy" userId="0f662538-7453-45f3-952a-fc9f1a7c515e" providerId="ADAL" clId="{E797F88B-A9F5-254F-8DD2-59C20A36120C}" dt="2020-07-06T13:29:14.342" v="107" actId="26606"/>
+          <ac:spMkLst>
+            <pc:docMk/>
+            <pc:sldMk cId="1239001556" sldId="264"/>
+            <ac:spMk id="29" creationId="{047C8CCB-F95D-4249-92DD-651249D3535A}"/>
+          </ac:spMkLst>
+        </pc:spChg>
+        <pc:spChg chg="add del">
+          <ac:chgData name="Akash Levy" userId="0f662538-7453-45f3-952a-fc9f1a7c515e" providerId="ADAL" clId="{E797F88B-A9F5-254F-8DD2-59C20A36120C}" dt="2020-07-06T13:29:51.177" v="115" actId="26606"/>
+          <ac:spMkLst>
+            <pc:docMk/>
+            <pc:sldMk cId="1239001556" sldId="264"/>
+            <ac:spMk id="34" creationId="{1707FC24-6981-43D9-B525-C7832BA22463}"/>
+          </ac:spMkLst>
+        </pc:spChg>
+        <pc:spChg chg="add del">
+          <ac:chgData name="Akash Levy" userId="0f662538-7453-45f3-952a-fc9f1a7c515e" providerId="ADAL" clId="{E797F88B-A9F5-254F-8DD2-59C20A36120C}" dt="2020-07-06T13:30:23.359" v="124" actId="26606"/>
+          <ac:spMkLst>
+            <pc:docMk/>
+            <pc:sldMk cId="1239001556" sldId="264"/>
+            <ac:spMk id="41" creationId="{7F57BEA8-497D-4AA8-8A18-BDCD696B25FE}"/>
+          </ac:spMkLst>
+        </pc:spChg>
+        <pc:spChg chg="add del">
+          <ac:chgData name="Akash Levy" userId="0f662538-7453-45f3-952a-fc9f1a7c515e" providerId="ADAL" clId="{E797F88B-A9F5-254F-8DD2-59C20A36120C}" dt="2020-07-06T13:30:23.325" v="123" actId="26606"/>
+          <ac:spMkLst>
+            <pc:docMk/>
+            <pc:sldMk cId="1239001556" sldId="264"/>
+            <ac:spMk id="50" creationId="{A4AC5506-6312-4701-8D3C-40187889A947}"/>
+          </ac:spMkLst>
+        </pc:spChg>
+        <pc:spChg chg="add del">
+          <ac:chgData name="Akash Levy" userId="0f662538-7453-45f3-952a-fc9f1a7c515e" providerId="ADAL" clId="{E797F88B-A9F5-254F-8DD2-59C20A36120C}" dt="2020-07-06T13:30:39.221" v="125" actId="26606"/>
+          <ac:spMkLst>
+            <pc:docMk/>
+            <pc:sldMk cId="1239001556" sldId="264"/>
+            <ac:spMk id="53" creationId="{823AC064-BC96-4F32-8AE1-B2FD38754823}"/>
+          </ac:spMkLst>
+        </pc:spChg>
+        <pc:spChg chg="add del">
+          <ac:chgData name="Akash Levy" userId="0f662538-7453-45f3-952a-fc9f1a7c515e" providerId="ADAL" clId="{E797F88B-A9F5-254F-8DD2-59C20A36120C}" dt="2020-07-06T13:30:52.396" v="128" actId="26606"/>
+          <ac:spMkLst>
+            <pc:docMk/>
+            <pc:sldMk cId="1239001556" sldId="264"/>
+            <ac:spMk id="60" creationId="{7F57BEA8-497D-4AA8-8A18-BDCD696B25FE}"/>
+          </ac:spMkLst>
+        </pc:spChg>
+        <pc:spChg chg="add del">
+          <ac:chgData name="Akash Levy" userId="0f662538-7453-45f3-952a-fc9f1a7c515e" providerId="ADAL" clId="{E797F88B-A9F5-254F-8DD2-59C20A36120C}" dt="2020-07-06T13:30:52.259" v="127" actId="26606"/>
+          <ac:spMkLst>
+            <pc:docMk/>
+            <pc:sldMk cId="1239001556" sldId="264"/>
+            <ac:spMk id="69" creationId="{A4AC5506-6312-4701-8D3C-40187889A947}"/>
+          </ac:spMkLst>
+        </pc:spChg>
+        <pc:spChg chg="add del">
+          <ac:chgData name="Akash Levy" userId="0f662538-7453-45f3-952a-fc9f1a7c515e" providerId="ADAL" clId="{E797F88B-A9F5-254F-8DD2-59C20A36120C}" dt="2020-07-06T13:31:16.467" v="131" actId="26606"/>
+          <ac:spMkLst>
+            <pc:docMk/>
+            <pc:sldMk cId="1239001556" sldId="264"/>
+            <ac:spMk id="71" creationId="{A4AC5506-6312-4701-8D3C-40187889A947}"/>
+          </ac:spMkLst>
+        </pc:spChg>
+        <pc:spChg chg="add del">
+          <ac:chgData name="Akash Levy" userId="0f662538-7453-45f3-952a-fc9f1a7c515e" providerId="ADAL" clId="{E797F88B-A9F5-254F-8DD2-59C20A36120C}" dt="2020-07-06T13:31:16.416" v="130" actId="26606"/>
+          <ac:spMkLst>
+            <pc:docMk/>
+            <pc:sldMk cId="1239001556" sldId="264"/>
+            <ac:spMk id="76" creationId="{A4AC5506-6312-4701-8D3C-40187889A947}"/>
+          </ac:spMkLst>
+        </pc:spChg>
+        <pc:spChg chg="add">
+          <ac:chgData name="Akash Levy" userId="0f662538-7453-45f3-952a-fc9f1a7c515e" providerId="ADAL" clId="{E797F88B-A9F5-254F-8DD2-59C20A36120C}" dt="2020-07-06T13:31:16.467" v="131" actId="26606"/>
+          <ac:spMkLst>
+            <pc:docMk/>
+            <pc:sldMk cId="1239001556" sldId="264"/>
+            <ac:spMk id="78" creationId="{A4AC5506-6312-4701-8D3C-40187889A947}"/>
+          </ac:spMkLst>
+        </pc:spChg>
+        <pc:graphicFrameChg chg="add del mod modGraphic">
+          <ac:chgData name="Akash Levy" userId="0f662538-7453-45f3-952a-fc9f1a7c515e" providerId="ADAL" clId="{E797F88B-A9F5-254F-8DD2-59C20A36120C}" dt="2020-07-06T13:28:49.345" v="98" actId="26606"/>
+          <ac:graphicFrameMkLst>
+            <pc:docMk/>
+            <pc:sldMk cId="1239001556" sldId="264"/>
+            <ac:graphicFrameMk id="4" creationId="{AB68DD5E-9FD8-AA48-BB20-1966E232AE6A}"/>
+          </ac:graphicFrameMkLst>
+        </pc:graphicFrameChg>
+        <pc:graphicFrameChg chg="add mod modGraphic">
+          <ac:chgData name="Akash Levy" userId="0f662538-7453-45f3-952a-fc9f1a7c515e" providerId="ADAL" clId="{E797F88B-A9F5-254F-8DD2-59C20A36120C}" dt="2020-07-06T13:31:16.467" v="131" actId="26606"/>
+          <ac:graphicFrameMkLst>
+            <pc:docMk/>
+            <pc:sldMk cId="1239001556" sldId="264"/>
+            <ac:graphicFrameMk id="7" creationId="{AB68DD5E-9FD8-AA48-BB20-1966E232AE6A}"/>
+          </ac:graphicFrameMkLst>
+        </pc:graphicFrameChg>
+        <pc:cxnChg chg="add del">
+          <ac:chgData name="Akash Levy" userId="0f662538-7453-45f3-952a-fc9f1a7c515e" providerId="ADAL" clId="{E797F88B-A9F5-254F-8DD2-59C20A36120C}" dt="2020-07-06T13:28:55.073" v="101" actId="26606"/>
+          <ac:cxnSpMkLst>
+            <pc:docMk/>
+            <pc:sldMk cId="1239001556" sldId="264"/>
+            <ac:cxnSpMk id="19" creationId="{7E7C77BC-7138-40B1-A15B-20F57A494629}"/>
+          </ac:cxnSpMkLst>
+        </pc:cxnChg>
+        <pc:cxnChg chg="add del">
+          <ac:chgData name="Akash Levy" userId="0f662538-7453-45f3-952a-fc9f1a7c515e" providerId="ADAL" clId="{E797F88B-A9F5-254F-8DD2-59C20A36120C}" dt="2020-07-06T13:28:56.341" v="103" actId="26606"/>
+          <ac:cxnSpMkLst>
+            <pc:docMk/>
+            <pc:sldMk cId="1239001556" sldId="264"/>
+            <ac:cxnSpMk id="22" creationId="{7E7C77BC-7138-40B1-A15B-20F57A494629}"/>
+          </ac:cxnSpMkLst>
+        </pc:cxnChg>
+        <pc:cxnChg chg="add del">
+          <ac:chgData name="Akash Levy" userId="0f662538-7453-45f3-952a-fc9f1a7c515e" providerId="ADAL" clId="{E797F88B-A9F5-254F-8DD2-59C20A36120C}" dt="2020-07-06T13:28:59.687" v="105" actId="26606"/>
+          <ac:cxnSpMkLst>
+            <pc:docMk/>
+            <pc:sldMk cId="1239001556" sldId="264"/>
+            <ac:cxnSpMk id="23" creationId="{AD7193FB-6AE6-4B3B-8F89-56B55DD63B4D}"/>
+          </ac:cxnSpMkLst>
+        </pc:cxnChg>
+        <pc:cxnChg chg="add del">
+          <ac:chgData name="Akash Levy" userId="0f662538-7453-45f3-952a-fc9f1a7c515e" providerId="ADAL" clId="{E797F88B-A9F5-254F-8DD2-59C20A36120C}" dt="2020-07-06T13:28:59.687" v="105" actId="26606"/>
+          <ac:cxnSpMkLst>
+            <pc:docMk/>
+            <pc:sldMk cId="1239001556" sldId="264"/>
+            <ac:cxnSpMk id="24" creationId="{D2E961F1-4A28-4A5F-BBD4-6E400E5E6C75}"/>
+          </ac:cxnSpMkLst>
+        </pc:cxnChg>
+        <pc:cxnChg chg="add del">
+          <ac:chgData name="Akash Levy" userId="0f662538-7453-45f3-952a-fc9f1a7c515e" providerId="ADAL" clId="{E797F88B-A9F5-254F-8DD2-59C20A36120C}" dt="2020-07-06T13:28:59.687" v="105" actId="26606"/>
+          <ac:cxnSpMkLst>
+            <pc:docMk/>
+            <pc:sldMk cId="1239001556" sldId="264"/>
+            <ac:cxnSpMk id="26" creationId="{A82415D3-DDE5-4D63-8CB3-23A5EC581B27}"/>
+          </ac:cxnSpMkLst>
+        </pc:cxnChg>
+        <pc:cxnChg chg="add del">
+          <ac:chgData name="Akash Levy" userId="0f662538-7453-45f3-952a-fc9f1a7c515e" providerId="ADAL" clId="{E797F88B-A9F5-254F-8DD2-59C20A36120C}" dt="2020-07-06T13:30:23.359" v="124" actId="26606"/>
+          <ac:cxnSpMkLst>
+            <pc:docMk/>
+            <pc:sldMk cId="1239001556" sldId="264"/>
+            <ac:cxnSpMk id="39" creationId="{D2E961F1-4A28-4A5F-BBD4-6E400E5E6C75}"/>
+          </ac:cxnSpMkLst>
+        </pc:cxnChg>
+        <pc:cxnChg chg="add del">
+          <ac:chgData name="Akash Levy" userId="0f662538-7453-45f3-952a-fc9f1a7c515e" providerId="ADAL" clId="{E797F88B-A9F5-254F-8DD2-59C20A36120C}" dt="2020-07-06T13:30:23.359" v="124" actId="26606"/>
+          <ac:cxnSpMkLst>
+            <pc:docMk/>
+            <pc:sldMk cId="1239001556" sldId="264"/>
+            <ac:cxnSpMk id="43" creationId="{A82415D3-DDE5-4D63-8CB3-23A5EC581B27}"/>
+          </ac:cxnSpMkLst>
+        </pc:cxnChg>
+        <pc:cxnChg chg="add del">
+          <ac:chgData name="Akash Levy" userId="0f662538-7453-45f3-952a-fc9f1a7c515e" providerId="ADAL" clId="{E797F88B-A9F5-254F-8DD2-59C20A36120C}" dt="2020-07-06T13:30:23.359" v="124" actId="26606"/>
+          <ac:cxnSpMkLst>
+            <pc:docMk/>
+            <pc:sldMk cId="1239001556" sldId="264"/>
+            <ac:cxnSpMk id="45" creationId="{AD7193FB-6AE6-4B3B-8F89-56B55DD63B4D}"/>
+          </ac:cxnSpMkLst>
+        </pc:cxnChg>
+        <pc:cxnChg chg="add del">
+          <ac:chgData name="Akash Levy" userId="0f662538-7453-45f3-952a-fc9f1a7c515e" providerId="ADAL" clId="{E797F88B-A9F5-254F-8DD2-59C20A36120C}" dt="2020-07-06T13:30:39.221" v="125" actId="26606"/>
+          <ac:cxnSpMkLst>
+            <pc:docMk/>
+            <pc:sldMk cId="1239001556" sldId="264"/>
+            <ac:cxnSpMk id="52" creationId="{7E7C77BC-7138-40B1-A15B-20F57A494629}"/>
+          </ac:cxnSpMkLst>
+        </pc:cxnChg>
+        <pc:cxnChg chg="add del">
+          <ac:chgData name="Akash Levy" userId="0f662538-7453-45f3-952a-fc9f1a7c515e" providerId="ADAL" clId="{E797F88B-A9F5-254F-8DD2-59C20A36120C}" dt="2020-07-06T13:30:52.396" v="128" actId="26606"/>
+          <ac:cxnSpMkLst>
+            <pc:docMk/>
+            <pc:sldMk cId="1239001556" sldId="264"/>
+            <ac:cxnSpMk id="58" creationId="{D2E961F1-4A28-4A5F-BBD4-6E400E5E6C75}"/>
+          </ac:cxnSpMkLst>
+        </pc:cxnChg>
+        <pc:cxnChg chg="add del">
+          <ac:chgData name="Akash Levy" userId="0f662538-7453-45f3-952a-fc9f1a7c515e" providerId="ADAL" clId="{E797F88B-A9F5-254F-8DD2-59C20A36120C}" dt="2020-07-06T13:30:52.396" v="128" actId="26606"/>
+          <ac:cxnSpMkLst>
+            <pc:docMk/>
+            <pc:sldMk cId="1239001556" sldId="264"/>
+            <ac:cxnSpMk id="62" creationId="{A82415D3-DDE5-4D63-8CB3-23A5EC581B27}"/>
+          </ac:cxnSpMkLst>
+        </pc:cxnChg>
+        <pc:cxnChg chg="add del">
+          <ac:chgData name="Akash Levy" userId="0f662538-7453-45f3-952a-fc9f1a7c515e" providerId="ADAL" clId="{E797F88B-A9F5-254F-8DD2-59C20A36120C}" dt="2020-07-06T13:30:52.396" v="128" actId="26606"/>
+          <ac:cxnSpMkLst>
+            <pc:docMk/>
+            <pc:sldMk cId="1239001556" sldId="264"/>
+            <ac:cxnSpMk id="64" creationId="{AD7193FB-6AE6-4B3B-8F89-56B55DD63B4D}"/>
+          </ac:cxnSpMkLst>
+        </pc:cxnChg>
+      </pc:sldChg>
+    </pc:docChg>
+  </pc:docChgLst>
+</pc:chgInfo>
 </file>
 
 <file path=ppt/diagrams/colors1.xml><?xml version="1.0" encoding="utf-8"?>
@@ -3408,6 +3691,90 @@
     <p:extLst>
       <p:ext uri="{BB962C8B-B14F-4D97-AF65-F5344CB8AC3E}">
         <p14:creationId xmlns:p14="http://schemas.microsoft.com/office/powerpoint/2010/main" val="2292964588"/>
+      </p:ext>
+    </p:extLst>
+  </p:cSld>
+  <p:clrMapOvr>
+    <a:masterClrMapping/>
+  </p:clrMapOvr>
+</p:notes>
+</file>
+
+<file path=ppt/notesSlides/notesSlide3.xml><?xml version="1.0" encoding="utf-8"?>
+<p:notes xmlns:a="http://schemas.openxmlformats.org/drawingml/2006/main" xmlns:r="http://schemas.openxmlformats.org/officeDocument/2006/relationships" xmlns:p="http://schemas.openxmlformats.org/presentationml/2006/main">
+  <p:cSld>
+    <p:spTree>
+      <p:nvGrpSpPr>
+        <p:cNvPr id="1" name=""/>
+        <p:cNvGrpSpPr/>
+        <p:nvPr/>
+      </p:nvGrpSpPr>
+      <p:grpSpPr>
+        <a:xfrm>
+          <a:off x="0" y="0"/>
+          <a:ext cx="0" cy="0"/>
+          <a:chOff x="0" y="0"/>
+          <a:chExt cx="0" cy="0"/>
+        </a:xfrm>
+      </p:grpSpPr>
+      <p:sp>
+        <p:nvSpPr>
+          <p:cNvPr id="2" name="Slide Image Placeholder 1"/>
+          <p:cNvSpPr>
+            <a:spLocks noGrp="1" noRot="1" noChangeAspect="1"/>
+          </p:cNvSpPr>
+          <p:nvPr>
+            <p:ph type="sldImg"/>
+          </p:nvPr>
+        </p:nvSpPr>
+        <p:spPr/>
+      </p:sp>
+      <p:sp>
+        <p:nvSpPr>
+          <p:cNvPr id="3" name="Notes Placeholder 2"/>
+          <p:cNvSpPr>
+            <a:spLocks noGrp="1"/>
+          </p:cNvSpPr>
+          <p:nvPr>
+            <p:ph type="body" idx="1"/>
+          </p:nvPr>
+        </p:nvSpPr>
+        <p:spPr/>
+        <p:txBody>
+          <a:bodyPr/>
+          <a:lstStyle/>
+          <a:p>
+            <a:endParaRPr lang="en-US" dirty="0"/>
+          </a:p>
+        </p:txBody>
+      </p:sp>
+      <p:sp>
+        <p:nvSpPr>
+          <p:cNvPr id="4" name="Slide Number Placeholder 3"/>
+          <p:cNvSpPr>
+            <a:spLocks noGrp="1"/>
+          </p:cNvSpPr>
+          <p:nvPr>
+            <p:ph type="sldNum" sz="quarter" idx="5"/>
+          </p:nvPr>
+        </p:nvSpPr>
+        <p:spPr/>
+        <p:txBody>
+          <a:bodyPr/>
+          <a:lstStyle/>
+          <a:p>
+            <a:fld id="{09A6E6B1-B3F9-644F-AD5C-8419975A7429}" type="slidenum">
+              <a:rPr lang="en-US" smtClean="0"/>
+              <a:t>9</a:t>
+            </a:fld>
+            <a:endParaRPr lang="en-US"/>
+          </a:p>
+        </p:txBody>
+      </p:sp>
+    </p:spTree>
+    <p:extLst>
+      <p:ext uri="{BB962C8B-B14F-4D97-AF65-F5344CB8AC3E}">
+        <p14:creationId xmlns:p14="http://schemas.microsoft.com/office/powerpoint/2010/main" val="424777786"/>
       </p:ext>
     </p:extLst>
   </p:cSld>
@@ -12461,6 +12828,2685 @@
 </p:sld>
 </file>
 
+<file path=ppt/slides/slide9.xml><?xml version="1.0" encoding="utf-8"?>
+<p:sld xmlns:a="http://schemas.openxmlformats.org/drawingml/2006/main" xmlns:r="http://schemas.openxmlformats.org/officeDocument/2006/relationships" xmlns:p="http://schemas.openxmlformats.org/presentationml/2006/main">
+  <p:cSld>
+    <p:bg>
+      <p:bgPr>
+        <a:solidFill>
+          <a:schemeClr val="bg1"/>
+        </a:solidFill>
+        <a:effectLst/>
+      </p:bgPr>
+    </p:bg>
+    <p:spTree>
+      <p:nvGrpSpPr>
+        <p:cNvPr id="1" name=""/>
+        <p:cNvGrpSpPr/>
+        <p:nvPr/>
+      </p:nvGrpSpPr>
+      <p:grpSpPr>
+        <a:xfrm>
+          <a:off x="0" y="0"/>
+          <a:ext cx="0" cy="0"/>
+          <a:chOff x="0" y="0"/>
+          <a:chExt cx="0" cy="0"/>
+        </a:xfrm>
+      </p:grpSpPr>
+      <p:sp>
+        <p:nvSpPr>
+          <p:cNvPr id="78" name="Rectangle 75">
+            <a:extLst>
+              <a:ext uri="{FF2B5EF4-FFF2-40B4-BE49-F238E27FC236}">
+                <a16:creationId xmlns:a16="http://schemas.microsoft.com/office/drawing/2014/main" id="{A4AC5506-6312-4701-8D3C-40187889A947}"/>
+              </a:ext>
+              <a:ext uri="{C183D7F6-B498-43B3-948B-1728B52AA6E4}">
+                <adec:decorative xmlns:adec="http://schemas.microsoft.com/office/drawing/2017/decorative" val="1"/>
+              </a:ext>
+            </a:extLst>
+          </p:cNvPr>
+          <p:cNvSpPr>
+            <a:spLocks noGrp="1" noRot="1" noChangeAspect="1" noMove="1" noResize="1" noEditPoints="1" noAdjustHandles="1" noChangeArrowheads="1" noChangeShapeType="1" noTextEdit="1"/>
+          </p:cNvSpPr>
+          <p:nvPr>
+            <p:extLst>
+              <p:ext uri="{386F3935-93C4-4BCD-93E2-E3B085C9AB24}">
+                <p16:designElem xmlns:p16="http://schemas.microsoft.com/office/powerpoint/2015/main" val="1"/>
+              </p:ext>
+            </p:extLst>
+          </p:nvPr>
+        </p:nvSpPr>
+        <p:spPr>
+          <a:xfrm>
+            <a:off x="0" y="651752"/>
+            <a:ext cx="12192000" cy="736551"/>
+          </a:xfrm>
+          <a:prstGeom prst="rect">
+            <a:avLst/>
+          </a:prstGeom>
+          <a:solidFill>
+            <a:schemeClr val="tx1"/>
+          </a:solidFill>
+          <a:ln>
+            <a:noFill/>
+          </a:ln>
+        </p:spPr>
+        <p:style>
+          <a:lnRef idx="2">
+            <a:schemeClr val="accent1">
+              <a:shade val="50000"/>
+            </a:schemeClr>
+          </a:lnRef>
+          <a:fillRef idx="1">
+            <a:schemeClr val="accent1"/>
+          </a:fillRef>
+          <a:effectRef idx="0">
+            <a:schemeClr val="accent1"/>
+          </a:effectRef>
+          <a:fontRef idx="minor">
+            <a:schemeClr val="lt1"/>
+          </a:fontRef>
+        </p:style>
+        <p:txBody>
+          <a:bodyPr rtlCol="0" anchor="ctr"/>
+          <a:lstStyle/>
+          <a:p>
+            <a:pPr algn="ctr"/>
+            <a:endParaRPr lang="en-US"/>
+          </a:p>
+        </p:txBody>
+      </p:sp>
+      <p:sp>
+        <p:nvSpPr>
+          <p:cNvPr id="2" name="Title 1">
+            <a:extLst>
+              <a:ext uri="{FF2B5EF4-FFF2-40B4-BE49-F238E27FC236}">
+                <a16:creationId xmlns:a16="http://schemas.microsoft.com/office/drawing/2014/main" id="{7371CA6F-7FE7-044F-A074-CAE83482E73B}"/>
+              </a:ext>
+            </a:extLst>
+          </p:cNvPr>
+          <p:cNvSpPr>
+            <a:spLocks noGrp="1"/>
+          </p:cNvSpPr>
+          <p:nvPr>
+            <p:ph type="title"/>
+          </p:nvPr>
+        </p:nvSpPr>
+        <p:spPr>
+          <a:xfrm>
+            <a:off x="556532" y="643467"/>
+            <a:ext cx="11210925" cy="744836"/>
+          </a:xfrm>
+          <a:prstGeom prst="ellipse">
+            <a:avLst/>
+          </a:prstGeom>
+        </p:spPr>
+        <p:txBody>
+          <a:bodyPr vert="horz" lIns="91440" tIns="45720" rIns="91440" bIns="45720" rtlCol="0" anchor="ctr">
+            <a:normAutofit/>
+          </a:bodyPr>
+          <a:lstStyle/>
+          <a:p>
+            <a:pPr algn="ctr"/>
+            <a:r>
+              <a:rPr lang="en-US" sz="3000" kern="1200">
+                <a:solidFill>
+                  <a:schemeClr val="bg1"/>
+                </a:solidFill>
+                <a:latin typeface="+mj-lt"/>
+                <a:ea typeface="+mj-ea"/>
+                <a:cs typeface="+mj-cs"/>
+              </a:rPr>
+              <a:t>Appendix: Ranges</a:t>
+            </a:r>
+          </a:p>
+        </p:txBody>
+      </p:sp>
+      <p:graphicFrame>
+        <p:nvGraphicFramePr>
+          <p:cNvPr id="7" name="Content Placeholder 3">
+            <a:extLst>
+              <a:ext uri="{FF2B5EF4-FFF2-40B4-BE49-F238E27FC236}">
+                <a16:creationId xmlns:a16="http://schemas.microsoft.com/office/drawing/2014/main" id="{AB68DD5E-9FD8-AA48-BB20-1966E232AE6A}"/>
+              </a:ext>
+            </a:extLst>
+          </p:cNvPr>
+          <p:cNvGraphicFramePr>
+            <a:graphicFrameLocks/>
+          </p:cNvGraphicFramePr>
+          <p:nvPr>
+            <p:extLst>
+              <p:ext uri="{D42A27DB-BD31-4B8C-83A1-F6EECF244321}">
+                <p14:modId xmlns:p14="http://schemas.microsoft.com/office/powerpoint/2010/main" val="35976976"/>
+              </p:ext>
+            </p:extLst>
+          </p:nvPr>
+        </p:nvGraphicFramePr>
+        <p:xfrm>
+          <a:off x="643467" y="2011808"/>
+          <a:ext cx="10905068" cy="3721042"/>
+        </p:xfrm>
+        <a:graphic>
+          <a:graphicData uri="http://schemas.openxmlformats.org/drawingml/2006/table">
+            <a:tbl>
+              <a:tblPr firstRow="1" bandRow="1">
+                <a:noFill/>
+                <a:tableStyleId>{5C22544A-7EE6-4342-B048-85BDC9FD1C3A}</a:tableStyleId>
+              </a:tblPr>
+              <a:tblGrid>
+                <a:gridCol w="1550988">
+                  <a:extLst>
+                    <a:ext uri="{9D8B030D-6E8A-4147-A177-3AD203B41FA5}">
+                      <a16:colId xmlns:a16="http://schemas.microsoft.com/office/drawing/2014/main" val="2018652359"/>
+                    </a:ext>
+                  </a:extLst>
+                </a:gridCol>
+                <a:gridCol w="2184395">
+                  <a:extLst>
+                    <a:ext uri="{9D8B030D-6E8A-4147-A177-3AD203B41FA5}">
+                      <a16:colId xmlns:a16="http://schemas.microsoft.com/office/drawing/2014/main" val="3501286037"/>
+                    </a:ext>
+                  </a:extLst>
+                </a:gridCol>
+                <a:gridCol w="2238998">
+                  <a:extLst>
+                    <a:ext uri="{9D8B030D-6E8A-4147-A177-3AD203B41FA5}">
+                      <a16:colId xmlns:a16="http://schemas.microsoft.com/office/drawing/2014/main" val="665791582"/>
+                    </a:ext>
+                  </a:extLst>
+                </a:gridCol>
+                <a:gridCol w="2439165">
+                  <a:extLst>
+                    <a:ext uri="{9D8B030D-6E8A-4147-A177-3AD203B41FA5}">
+                      <a16:colId xmlns:a16="http://schemas.microsoft.com/office/drawing/2014/main" val="4026594214"/>
+                    </a:ext>
+                  </a:extLst>
+                </a:gridCol>
+                <a:gridCol w="2491522">
+                  <a:extLst>
+                    <a:ext uri="{9D8B030D-6E8A-4147-A177-3AD203B41FA5}">
+                      <a16:colId xmlns:a16="http://schemas.microsoft.com/office/drawing/2014/main" val="3603085480"/>
+                    </a:ext>
+                  </a:extLst>
+                </a:gridCol>
+              </a:tblGrid>
+              <a:tr h="515514">
+                <a:tc>
+                  <a:txBody>
+                    <a:bodyPr/>
+                    <a:lstStyle/>
+                    <a:p>
+                      <a:r>
+                        <a:rPr lang="en-US" sz="1700" b="1" cap="none" spc="0">
+                          <a:solidFill>
+                            <a:schemeClr val="bg1"/>
+                          </a:solidFill>
+                        </a:rPr>
+                        <a:t>Range #</a:t>
+                      </a:r>
+                    </a:p>
+                  </a:txBody>
+                  <a:tcPr marL="76929" marR="54949" marT="109899" marB="109899" anchor="ctr">
+                    <a:lnL w="12700" cmpd="sng">
+                      <a:noFill/>
+                      <a:prstDash val="solid"/>
+                    </a:lnL>
+                    <a:lnR w="12700" cmpd="sng">
+                      <a:noFill/>
+                      <a:prstDash val="solid"/>
+                    </a:lnR>
+                    <a:lnT w="19050" cap="flat" cmpd="sng" algn="ctr">
+                      <a:noFill/>
+                      <a:prstDash val="solid"/>
+                    </a:lnT>
+                    <a:lnB w="12700" cmpd="sng">
+                      <a:noFill/>
+                      <a:prstDash val="solid"/>
+                    </a:lnB>
+                    <a:solidFill>
+                      <a:schemeClr val="tx1"/>
+                    </a:solidFill>
+                  </a:tcPr>
+                </a:tc>
+                <a:tc>
+                  <a:txBody>
+                    <a:bodyPr/>
+                    <a:lstStyle/>
+                    <a:p>
+                      <a:pPr marL="0" marR="0">
+                        <a:spcBef>
+                          <a:spcPts val="0"/>
+                        </a:spcBef>
+                        <a:spcAft>
+                          <a:spcPts val="0"/>
+                        </a:spcAft>
+                      </a:pPr>
+                      <a:r>
+                        <a:rPr lang="en-US" sz="1700" b="1" cap="none" spc="0">
+                          <a:solidFill>
+                            <a:schemeClr val="bg1"/>
+                          </a:solidFill>
+                          <a:effectLst/>
+                          <a:latin typeface="Calibri" panose="020F0502020204030204" pitchFamily="34" charset="0"/>
+                        </a:rPr>
+                        <a:t>Rmin(n)  (</a:t>
+                      </a:r>
+                      <a:r>
+                        <a:rPr lang="el-GR" sz="1700" b="1" cap="none" spc="0">
+                          <a:solidFill>
+                            <a:schemeClr val="bg1"/>
+                          </a:solidFill>
+                          <a:effectLst/>
+                          <a:latin typeface="Calibri" panose="020F0502020204030204" pitchFamily="34" charset="0"/>
+                        </a:rPr>
+                        <a:t>Ω)</a:t>
+                      </a:r>
+                      <a:endParaRPr lang="el-GR" sz="1700" b="1" cap="none" spc="0">
+                        <a:solidFill>
+                          <a:schemeClr val="bg1"/>
+                        </a:solidFill>
+                        <a:effectLst/>
+                        <a:latin typeface="Times New Roman" panose="02020603050405020304" pitchFamily="18" charset="0"/>
+                      </a:endParaRPr>
+                    </a:p>
+                  </a:txBody>
+                  <a:tcPr marL="76929" marR="54949" marT="109899" marB="109899" anchor="ctr">
+                    <a:lnL w="12700" cmpd="sng">
+                      <a:noFill/>
+                      <a:prstDash val="solid"/>
+                    </a:lnL>
+                    <a:lnR w="12700" cmpd="sng">
+                      <a:noFill/>
+                      <a:prstDash val="solid"/>
+                    </a:lnR>
+                    <a:lnT w="19050" cap="flat" cmpd="sng" algn="ctr">
+                      <a:noFill/>
+                      <a:prstDash val="solid"/>
+                    </a:lnT>
+                    <a:lnB w="12700" cmpd="sng">
+                      <a:noFill/>
+                      <a:prstDash val="solid"/>
+                    </a:lnB>
+                    <a:solidFill>
+                      <a:schemeClr val="tx1"/>
+                    </a:solidFill>
+                  </a:tcPr>
+                </a:tc>
+                <a:tc>
+                  <a:txBody>
+                    <a:bodyPr/>
+                    <a:lstStyle/>
+                    <a:p>
+                      <a:pPr marL="0" marR="0">
+                        <a:spcBef>
+                          <a:spcPts val="0"/>
+                        </a:spcBef>
+                        <a:spcAft>
+                          <a:spcPts val="0"/>
+                        </a:spcAft>
+                      </a:pPr>
+                      <a:r>
+                        <a:rPr lang="en-US" sz="1700" b="1" cap="none" spc="0">
+                          <a:solidFill>
+                            <a:schemeClr val="bg1"/>
+                          </a:solidFill>
+                          <a:effectLst/>
+                          <a:latin typeface="Calibri" panose="020F0502020204030204" pitchFamily="34" charset="0"/>
+                        </a:rPr>
+                        <a:t>Rmax(n)  (</a:t>
+                      </a:r>
+                      <a:r>
+                        <a:rPr lang="el-GR" sz="1700" b="1" cap="none" spc="0">
+                          <a:solidFill>
+                            <a:schemeClr val="bg1"/>
+                          </a:solidFill>
+                          <a:effectLst/>
+                          <a:latin typeface="Calibri" panose="020F0502020204030204" pitchFamily="34" charset="0"/>
+                        </a:rPr>
+                        <a:t>Ω)</a:t>
+                      </a:r>
+                      <a:endParaRPr lang="el-GR" sz="1700" b="1" cap="none" spc="0">
+                        <a:solidFill>
+                          <a:schemeClr val="bg1"/>
+                        </a:solidFill>
+                        <a:effectLst/>
+                        <a:latin typeface="Times New Roman" panose="02020603050405020304" pitchFamily="18" charset="0"/>
+                      </a:endParaRPr>
+                    </a:p>
+                  </a:txBody>
+                  <a:tcPr marL="76929" marR="54949" marT="109899" marB="109899" anchor="ctr">
+                    <a:lnL w="12700" cmpd="sng">
+                      <a:noFill/>
+                      <a:prstDash val="solid"/>
+                    </a:lnL>
+                    <a:lnR w="12700" cmpd="sng">
+                      <a:noFill/>
+                      <a:prstDash val="solid"/>
+                    </a:lnR>
+                    <a:lnT w="19050" cap="flat" cmpd="sng" algn="ctr">
+                      <a:noFill/>
+                      <a:prstDash val="solid"/>
+                    </a:lnT>
+                    <a:lnB w="12700" cmpd="sng">
+                      <a:noFill/>
+                      <a:prstDash val="solid"/>
+                    </a:lnB>
+                    <a:solidFill>
+                      <a:schemeClr val="tx1"/>
+                    </a:solidFill>
+                  </a:tcPr>
+                </a:tc>
+                <a:tc>
+                  <a:txBody>
+                    <a:bodyPr/>
+                    <a:lstStyle/>
+                    <a:p>
+                      <a:pPr marL="0" marR="0">
+                        <a:spcBef>
+                          <a:spcPts val="0"/>
+                        </a:spcBef>
+                        <a:spcAft>
+                          <a:spcPts val="0"/>
+                        </a:spcAft>
+                      </a:pPr>
+                      <a:r>
+                        <a:rPr lang="en-US" sz="1700" b="1" cap="none" spc="0">
+                          <a:solidFill>
+                            <a:schemeClr val="bg1"/>
+                          </a:solidFill>
+                          <a:effectLst/>
+                          <a:latin typeface="Calibri" panose="020F0502020204030204" pitchFamily="34" charset="0"/>
+                        </a:rPr>
+                        <a:t>Rwmin(n)  (</a:t>
+                      </a:r>
+                      <a:r>
+                        <a:rPr lang="el-GR" sz="1700" b="1" cap="none" spc="0">
+                          <a:solidFill>
+                            <a:schemeClr val="bg1"/>
+                          </a:solidFill>
+                          <a:effectLst/>
+                          <a:latin typeface="Calibri" panose="020F0502020204030204" pitchFamily="34" charset="0"/>
+                        </a:rPr>
+                        <a:t>Ω)</a:t>
+                      </a:r>
+                      <a:endParaRPr lang="el-GR" sz="1700" b="1" cap="none" spc="0">
+                        <a:solidFill>
+                          <a:schemeClr val="bg1"/>
+                        </a:solidFill>
+                        <a:effectLst/>
+                        <a:latin typeface="Times New Roman" panose="02020603050405020304" pitchFamily="18" charset="0"/>
+                      </a:endParaRPr>
+                    </a:p>
+                  </a:txBody>
+                  <a:tcPr marL="76929" marR="54949" marT="109899" marB="109899" anchor="ctr">
+                    <a:lnL w="12700" cmpd="sng">
+                      <a:noFill/>
+                      <a:prstDash val="solid"/>
+                    </a:lnL>
+                    <a:lnR w="12700" cmpd="sng">
+                      <a:noFill/>
+                      <a:prstDash val="solid"/>
+                    </a:lnR>
+                    <a:lnT w="19050" cap="flat" cmpd="sng" algn="ctr">
+                      <a:noFill/>
+                      <a:prstDash val="solid"/>
+                    </a:lnT>
+                    <a:lnB w="12700" cmpd="sng">
+                      <a:noFill/>
+                      <a:prstDash val="solid"/>
+                    </a:lnB>
+                    <a:solidFill>
+                      <a:schemeClr val="tx1"/>
+                    </a:solidFill>
+                  </a:tcPr>
+                </a:tc>
+                <a:tc>
+                  <a:txBody>
+                    <a:bodyPr/>
+                    <a:lstStyle/>
+                    <a:p>
+                      <a:pPr marL="0" marR="0">
+                        <a:spcBef>
+                          <a:spcPts val="0"/>
+                        </a:spcBef>
+                        <a:spcAft>
+                          <a:spcPts val="0"/>
+                        </a:spcAft>
+                      </a:pPr>
+                      <a:r>
+                        <a:rPr lang="en-US" sz="1700" b="1" cap="none" spc="0">
+                          <a:solidFill>
+                            <a:schemeClr val="bg1"/>
+                          </a:solidFill>
+                          <a:effectLst/>
+                          <a:latin typeface="Calibri" panose="020F0502020204030204" pitchFamily="34" charset="0"/>
+                        </a:rPr>
+                        <a:t>Rwmax(n)  (</a:t>
+                      </a:r>
+                      <a:r>
+                        <a:rPr lang="el-GR" sz="1700" b="1" cap="none" spc="0">
+                          <a:solidFill>
+                            <a:schemeClr val="bg1"/>
+                          </a:solidFill>
+                          <a:effectLst/>
+                          <a:latin typeface="Calibri" panose="020F0502020204030204" pitchFamily="34" charset="0"/>
+                        </a:rPr>
+                        <a:t>Ω)</a:t>
+                      </a:r>
+                      <a:endParaRPr lang="el-GR" sz="1700" b="1" cap="none" spc="0">
+                        <a:solidFill>
+                          <a:schemeClr val="bg1"/>
+                        </a:solidFill>
+                        <a:effectLst/>
+                        <a:latin typeface="Times New Roman" panose="02020603050405020304" pitchFamily="18" charset="0"/>
+                      </a:endParaRPr>
+                    </a:p>
+                  </a:txBody>
+                  <a:tcPr marL="76929" marR="54949" marT="109899" marB="109899" anchor="ctr">
+                    <a:lnL w="12700" cmpd="sng">
+                      <a:noFill/>
+                      <a:prstDash val="solid"/>
+                    </a:lnL>
+                    <a:lnR w="12700" cmpd="sng">
+                      <a:noFill/>
+                      <a:prstDash val="solid"/>
+                    </a:lnR>
+                    <a:lnT w="19050" cap="flat" cmpd="sng" algn="ctr">
+                      <a:noFill/>
+                      <a:prstDash val="solid"/>
+                    </a:lnT>
+                    <a:lnB w="12700" cmpd="sng">
+                      <a:noFill/>
+                      <a:prstDash val="solid"/>
+                    </a:lnB>
+                    <a:solidFill>
+                      <a:schemeClr val="tx1"/>
+                    </a:solidFill>
+                  </a:tcPr>
+                </a:tc>
+                <a:extLst>
+                  <a:ext uri="{0D108BD9-81ED-4DB2-BD59-A6C34878D82A}">
+                    <a16:rowId xmlns:a16="http://schemas.microsoft.com/office/drawing/2014/main" val="4077770029"/>
+                  </a:ext>
+                </a:extLst>
+              </a:tr>
+              <a:tr h="400691">
+                <a:tc>
+                  <a:txBody>
+                    <a:bodyPr/>
+                    <a:lstStyle/>
+                    <a:p>
+                      <a:r>
+                        <a:rPr lang="en-US" sz="1400" cap="none" spc="0">
+                          <a:solidFill>
+                            <a:schemeClr val="tx1"/>
+                          </a:solidFill>
+                        </a:rPr>
+                        <a:t>Range 0</a:t>
+                      </a:r>
+                    </a:p>
+                  </a:txBody>
+                  <a:tcPr marL="76929" marR="54949" marT="40804" marB="109899">
+                    <a:lnL w="12700" cmpd="sng">
+                      <a:noFill/>
+                      <a:prstDash val="solid"/>
+                    </a:lnL>
+                    <a:lnR w="12700" cmpd="sng">
+                      <a:noFill/>
+                      <a:prstDash val="solid"/>
+                    </a:lnR>
+                    <a:lnT w="12700" cmpd="sng">
+                      <a:noFill/>
+                      <a:prstDash val="solid"/>
+                    </a:lnT>
+                    <a:lnB w="12700" cap="flat" cmpd="sng" algn="ctr">
+                      <a:solidFill>
+                        <a:schemeClr val="tx1"/>
+                      </a:solidFill>
+                      <a:prstDash val="solid"/>
+                    </a:lnB>
+                    <a:noFill/>
+                  </a:tcPr>
+                </a:tc>
+                <a:tc>
+                  <a:txBody>
+                    <a:bodyPr/>
+                    <a:lstStyle/>
+                    <a:p>
+                      <a:pPr marL="0" marR="0">
+                        <a:spcBef>
+                          <a:spcPts val="0"/>
+                        </a:spcBef>
+                        <a:spcAft>
+                          <a:spcPts val="0"/>
+                        </a:spcAft>
+                      </a:pPr>
+                      <a:r>
+                        <a:rPr lang="en-US" sz="1400" cap="none" spc="0">
+                          <a:solidFill>
+                            <a:schemeClr val="tx1"/>
+                          </a:solidFill>
+                          <a:effectLst/>
+                          <a:latin typeface="Calibri" panose="020F0502020204030204" pitchFamily="34" charset="0"/>
+                        </a:rPr>
+                        <a:t>N.A.</a:t>
+                      </a:r>
+                      <a:endParaRPr lang="en-US" sz="1400" cap="none" spc="0">
+                        <a:solidFill>
+                          <a:schemeClr val="tx1"/>
+                        </a:solidFill>
+                        <a:effectLst/>
+                        <a:latin typeface="Times New Roman" panose="02020603050405020304" pitchFamily="18" charset="0"/>
+                      </a:endParaRPr>
+                    </a:p>
+                  </a:txBody>
+                  <a:tcPr marL="76929" marR="54949" marT="0" marB="109899">
+                    <a:lnL w="12700" cmpd="sng">
+                      <a:noFill/>
+                      <a:prstDash val="solid"/>
+                    </a:lnL>
+                    <a:lnR w="12700" cmpd="sng">
+                      <a:noFill/>
+                      <a:prstDash val="solid"/>
+                    </a:lnR>
+                    <a:lnT w="12700" cmpd="sng">
+                      <a:noFill/>
+                      <a:prstDash val="solid"/>
+                    </a:lnT>
+                    <a:lnB w="12700" cap="flat" cmpd="sng" algn="ctr">
+                      <a:solidFill>
+                        <a:schemeClr val="tx1"/>
+                      </a:solidFill>
+                      <a:prstDash val="solid"/>
+                    </a:lnB>
+                    <a:noFill/>
+                  </a:tcPr>
+                </a:tc>
+                <a:tc>
+                  <a:txBody>
+                    <a:bodyPr/>
+                    <a:lstStyle/>
+                    <a:p>
+                      <a:pPr marL="0" marR="0">
+                        <a:spcBef>
+                          <a:spcPts val="0"/>
+                        </a:spcBef>
+                        <a:spcAft>
+                          <a:spcPts val="0"/>
+                        </a:spcAft>
+                      </a:pPr>
+                      <a:r>
+                        <a:rPr lang="en-US" sz="1400" b="1" cap="none" spc="0">
+                          <a:solidFill>
+                            <a:schemeClr val="tx1"/>
+                          </a:solidFill>
+                          <a:effectLst/>
+                          <a:latin typeface="Calibri" panose="020F0502020204030204" pitchFamily="34" charset="0"/>
+                        </a:rPr>
+                        <a:t>4300</a:t>
+                      </a:r>
+                      <a:endParaRPr lang="en-US" sz="1400" cap="none" spc="0">
+                        <a:solidFill>
+                          <a:schemeClr val="tx1"/>
+                        </a:solidFill>
+                        <a:effectLst/>
+                        <a:latin typeface="Times New Roman" panose="02020603050405020304" pitchFamily="18" charset="0"/>
+                      </a:endParaRPr>
+                    </a:p>
+                  </a:txBody>
+                  <a:tcPr marL="76929" marR="54949" marT="0" marB="109899">
+                    <a:lnL w="12700" cmpd="sng">
+                      <a:noFill/>
+                      <a:prstDash val="solid"/>
+                    </a:lnL>
+                    <a:lnR w="12700" cmpd="sng">
+                      <a:noFill/>
+                      <a:prstDash val="solid"/>
+                    </a:lnR>
+                    <a:lnT w="12700" cmpd="sng">
+                      <a:noFill/>
+                      <a:prstDash val="solid"/>
+                    </a:lnT>
+                    <a:lnB w="12700" cap="flat" cmpd="sng" algn="ctr">
+                      <a:solidFill>
+                        <a:schemeClr val="tx1"/>
+                      </a:solidFill>
+                      <a:prstDash val="solid"/>
+                    </a:lnB>
+                    <a:noFill/>
+                  </a:tcPr>
+                </a:tc>
+                <a:tc>
+                  <a:txBody>
+                    <a:bodyPr/>
+                    <a:lstStyle/>
+                    <a:p>
+                      <a:pPr marL="0" marR="0">
+                        <a:spcBef>
+                          <a:spcPts val="0"/>
+                        </a:spcBef>
+                        <a:spcAft>
+                          <a:spcPts val="0"/>
+                        </a:spcAft>
+                      </a:pPr>
+                      <a:r>
+                        <a:rPr lang="en-US" sz="1400" cap="none" spc="0">
+                          <a:solidFill>
+                            <a:schemeClr val="tx1"/>
+                          </a:solidFill>
+                          <a:effectLst/>
+                          <a:latin typeface="Calibri" panose="020F0502020204030204" pitchFamily="34" charset="0"/>
+                        </a:rPr>
+                        <a:t>N.A.</a:t>
+                      </a:r>
+                      <a:endParaRPr lang="en-US" sz="1400" cap="none" spc="0">
+                        <a:solidFill>
+                          <a:schemeClr val="tx1"/>
+                        </a:solidFill>
+                        <a:effectLst/>
+                        <a:latin typeface="Times New Roman" panose="02020603050405020304" pitchFamily="18" charset="0"/>
+                      </a:endParaRPr>
+                    </a:p>
+                  </a:txBody>
+                  <a:tcPr marL="76929" marR="54949" marT="0" marB="109899">
+                    <a:lnL w="12700" cmpd="sng">
+                      <a:noFill/>
+                      <a:prstDash val="solid"/>
+                    </a:lnL>
+                    <a:lnR w="12700" cmpd="sng">
+                      <a:noFill/>
+                      <a:prstDash val="solid"/>
+                    </a:lnR>
+                    <a:lnT w="12700" cmpd="sng">
+                      <a:noFill/>
+                      <a:prstDash val="solid"/>
+                    </a:lnT>
+                    <a:lnB w="12700" cap="flat" cmpd="sng" algn="ctr">
+                      <a:solidFill>
+                        <a:schemeClr val="tx1"/>
+                      </a:solidFill>
+                      <a:prstDash val="solid"/>
+                    </a:lnB>
+                    <a:noFill/>
+                  </a:tcPr>
+                </a:tc>
+                <a:tc>
+                  <a:txBody>
+                    <a:bodyPr/>
+                    <a:lstStyle/>
+                    <a:p>
+                      <a:pPr marL="0" marR="0">
+                        <a:spcBef>
+                          <a:spcPts val="0"/>
+                        </a:spcBef>
+                        <a:spcAft>
+                          <a:spcPts val="0"/>
+                        </a:spcAft>
+                      </a:pPr>
+                      <a:r>
+                        <a:rPr lang="en-US" sz="1400" b="1" cap="none" spc="0">
+                          <a:solidFill>
+                            <a:schemeClr val="tx1"/>
+                          </a:solidFill>
+                          <a:effectLst/>
+                          <a:latin typeface="Calibri" panose="020F0502020204030204" pitchFamily="34" charset="0"/>
+                        </a:rPr>
+                        <a:t>4200</a:t>
+                      </a:r>
+                      <a:endParaRPr lang="en-US" sz="1400" cap="none" spc="0">
+                        <a:solidFill>
+                          <a:schemeClr val="tx1"/>
+                        </a:solidFill>
+                        <a:effectLst/>
+                        <a:latin typeface="Times New Roman" panose="02020603050405020304" pitchFamily="18" charset="0"/>
+                      </a:endParaRPr>
+                    </a:p>
+                  </a:txBody>
+                  <a:tcPr marL="76929" marR="54949" marT="0" marB="109899">
+                    <a:lnL w="12700" cmpd="sng">
+                      <a:noFill/>
+                      <a:prstDash val="solid"/>
+                    </a:lnL>
+                    <a:lnR w="12700" cmpd="sng">
+                      <a:noFill/>
+                      <a:prstDash val="solid"/>
+                    </a:lnR>
+                    <a:lnT w="12700" cmpd="sng">
+                      <a:noFill/>
+                      <a:prstDash val="solid"/>
+                    </a:lnT>
+                    <a:lnB w="12700" cap="flat" cmpd="sng" algn="ctr">
+                      <a:solidFill>
+                        <a:schemeClr val="tx1"/>
+                      </a:solidFill>
+                      <a:prstDash val="solid"/>
+                    </a:lnB>
+                    <a:noFill/>
+                  </a:tcPr>
+                </a:tc>
+                <a:extLst>
+                  <a:ext uri="{0D108BD9-81ED-4DB2-BD59-A6C34878D82A}">
+                    <a16:rowId xmlns:a16="http://schemas.microsoft.com/office/drawing/2014/main" val="3487446094"/>
+                  </a:ext>
+                </a:extLst>
+              </a:tr>
+              <a:tr h="400691">
+                <a:tc>
+                  <a:txBody>
+                    <a:bodyPr/>
+                    <a:lstStyle/>
+                    <a:p>
+                      <a:r>
+                        <a:rPr lang="en-US" sz="1400" cap="none" spc="0">
+                          <a:solidFill>
+                            <a:schemeClr val="tx1"/>
+                          </a:solidFill>
+                        </a:rPr>
+                        <a:t>Range 1</a:t>
+                      </a:r>
+                    </a:p>
+                  </a:txBody>
+                  <a:tcPr marL="76929" marR="54949" marT="40804" marB="109899">
+                    <a:lnL w="12700" cmpd="sng">
+                      <a:noFill/>
+                      <a:prstDash val="solid"/>
+                    </a:lnL>
+                    <a:lnR w="12700" cmpd="sng">
+                      <a:noFill/>
+                      <a:prstDash val="solid"/>
+                    </a:lnR>
+                    <a:lnT w="12700" cap="flat" cmpd="sng" algn="ctr">
+                      <a:solidFill>
+                        <a:schemeClr val="tx1"/>
+                      </a:solidFill>
+                      <a:prstDash val="solid"/>
+                    </a:lnT>
+                    <a:lnB w="12700" cmpd="sng">
+                      <a:noFill/>
+                      <a:prstDash val="solid"/>
+                    </a:lnB>
+                    <a:solidFill>
+                      <a:schemeClr val="bg1">
+                        <a:lumMod val="95000"/>
+                      </a:schemeClr>
+                    </a:solidFill>
+                  </a:tcPr>
+                </a:tc>
+                <a:tc>
+                  <a:txBody>
+                    <a:bodyPr/>
+                    <a:lstStyle/>
+                    <a:p>
+                      <a:pPr marL="0" marR="0">
+                        <a:spcBef>
+                          <a:spcPts val="0"/>
+                        </a:spcBef>
+                        <a:spcAft>
+                          <a:spcPts val="0"/>
+                        </a:spcAft>
+                      </a:pPr>
+                      <a:r>
+                        <a:rPr lang="en-US" sz="1400" cap="none" spc="0">
+                          <a:solidFill>
+                            <a:schemeClr val="tx1"/>
+                          </a:solidFill>
+                          <a:effectLst/>
+                          <a:latin typeface="Calibri" panose="020F0502020204030204" pitchFamily="34" charset="0"/>
+                        </a:rPr>
+                        <a:t>4375</a:t>
+                      </a:r>
+                      <a:endParaRPr lang="en-US" sz="1400" cap="none" spc="0">
+                        <a:solidFill>
+                          <a:schemeClr val="tx1"/>
+                        </a:solidFill>
+                        <a:effectLst/>
+                        <a:latin typeface="Times New Roman" panose="02020603050405020304" pitchFamily="18" charset="0"/>
+                      </a:endParaRPr>
+                    </a:p>
+                  </a:txBody>
+                  <a:tcPr marL="76929" marR="54949" marT="0" marB="109899">
+                    <a:lnL w="12700" cmpd="sng">
+                      <a:noFill/>
+                      <a:prstDash val="solid"/>
+                    </a:lnL>
+                    <a:lnR w="12700" cmpd="sng">
+                      <a:noFill/>
+                      <a:prstDash val="solid"/>
+                    </a:lnR>
+                    <a:lnT w="12700" cap="flat" cmpd="sng" algn="ctr">
+                      <a:solidFill>
+                        <a:schemeClr val="tx1"/>
+                      </a:solidFill>
+                      <a:prstDash val="solid"/>
+                    </a:lnT>
+                    <a:lnB w="12700" cmpd="sng">
+                      <a:noFill/>
+                      <a:prstDash val="solid"/>
+                    </a:lnB>
+                    <a:solidFill>
+                      <a:schemeClr val="bg1">
+                        <a:lumMod val="95000"/>
+                      </a:schemeClr>
+                    </a:solidFill>
+                  </a:tcPr>
+                </a:tc>
+                <a:tc>
+                  <a:txBody>
+                    <a:bodyPr/>
+                    <a:lstStyle/>
+                    <a:p>
+                      <a:pPr marL="0" marR="0">
+                        <a:spcBef>
+                          <a:spcPts val="0"/>
+                        </a:spcBef>
+                        <a:spcAft>
+                          <a:spcPts val="0"/>
+                        </a:spcAft>
+                      </a:pPr>
+                      <a:r>
+                        <a:rPr lang="en-US" sz="1400" cap="none" spc="0">
+                          <a:solidFill>
+                            <a:schemeClr val="tx1"/>
+                          </a:solidFill>
+                          <a:effectLst/>
+                          <a:latin typeface="Calibri" panose="020F0502020204030204" pitchFamily="34" charset="0"/>
+                        </a:rPr>
+                        <a:t>4752</a:t>
+                      </a:r>
+                      <a:endParaRPr lang="en-US" sz="1400" cap="none" spc="0">
+                        <a:solidFill>
+                          <a:schemeClr val="tx1"/>
+                        </a:solidFill>
+                        <a:effectLst/>
+                        <a:latin typeface="Times New Roman" panose="02020603050405020304" pitchFamily="18" charset="0"/>
+                      </a:endParaRPr>
+                    </a:p>
+                  </a:txBody>
+                  <a:tcPr marL="76929" marR="54949" marT="0" marB="109899">
+                    <a:lnL w="12700" cmpd="sng">
+                      <a:noFill/>
+                      <a:prstDash val="solid"/>
+                    </a:lnL>
+                    <a:lnR w="12700" cmpd="sng">
+                      <a:noFill/>
+                      <a:prstDash val="solid"/>
+                    </a:lnR>
+                    <a:lnT w="12700" cap="flat" cmpd="sng" algn="ctr">
+                      <a:solidFill>
+                        <a:schemeClr val="tx1"/>
+                      </a:solidFill>
+                      <a:prstDash val="solid"/>
+                    </a:lnT>
+                    <a:lnB w="12700" cmpd="sng">
+                      <a:noFill/>
+                      <a:prstDash val="solid"/>
+                    </a:lnB>
+                    <a:solidFill>
+                      <a:schemeClr val="bg1">
+                        <a:lumMod val="95000"/>
+                      </a:schemeClr>
+                    </a:solidFill>
+                  </a:tcPr>
+                </a:tc>
+                <a:tc>
+                  <a:txBody>
+                    <a:bodyPr/>
+                    <a:lstStyle/>
+                    <a:p>
+                      <a:pPr marL="0" marR="0">
+                        <a:spcBef>
+                          <a:spcPts val="0"/>
+                        </a:spcBef>
+                        <a:spcAft>
+                          <a:spcPts val="0"/>
+                        </a:spcAft>
+                      </a:pPr>
+                      <a:r>
+                        <a:rPr lang="en-US" sz="1400" cap="none" spc="0">
+                          <a:solidFill>
+                            <a:schemeClr val="tx1"/>
+                          </a:solidFill>
+                          <a:effectLst/>
+                          <a:latin typeface="Calibri" panose="020F0502020204030204" pitchFamily="34" charset="0"/>
+                        </a:rPr>
+                        <a:t>4540</a:t>
+                      </a:r>
+                      <a:endParaRPr lang="en-US" sz="1400" cap="none" spc="0">
+                        <a:solidFill>
+                          <a:schemeClr val="tx1"/>
+                        </a:solidFill>
+                        <a:effectLst/>
+                        <a:latin typeface="Times New Roman" panose="02020603050405020304" pitchFamily="18" charset="0"/>
+                      </a:endParaRPr>
+                    </a:p>
+                  </a:txBody>
+                  <a:tcPr marL="76929" marR="54949" marT="0" marB="109899">
+                    <a:lnL w="12700" cmpd="sng">
+                      <a:noFill/>
+                      <a:prstDash val="solid"/>
+                    </a:lnL>
+                    <a:lnR w="12700" cmpd="sng">
+                      <a:noFill/>
+                      <a:prstDash val="solid"/>
+                    </a:lnR>
+                    <a:lnT w="12700" cap="flat" cmpd="sng" algn="ctr">
+                      <a:solidFill>
+                        <a:schemeClr val="tx1"/>
+                      </a:solidFill>
+                      <a:prstDash val="solid"/>
+                    </a:lnT>
+                    <a:lnB w="12700" cmpd="sng">
+                      <a:noFill/>
+                      <a:prstDash val="solid"/>
+                    </a:lnB>
+                    <a:solidFill>
+                      <a:schemeClr val="bg1">
+                        <a:lumMod val="95000"/>
+                      </a:schemeClr>
+                    </a:solidFill>
+                  </a:tcPr>
+                </a:tc>
+                <a:tc>
+                  <a:txBody>
+                    <a:bodyPr/>
+                    <a:lstStyle/>
+                    <a:p>
+                      <a:pPr marL="0" marR="0">
+                        <a:spcBef>
+                          <a:spcPts val="0"/>
+                        </a:spcBef>
+                        <a:spcAft>
+                          <a:spcPts val="0"/>
+                        </a:spcAft>
+                      </a:pPr>
+                      <a:r>
+                        <a:rPr lang="en-US" sz="1400" cap="none" spc="0">
+                          <a:solidFill>
+                            <a:schemeClr val="tx1"/>
+                          </a:solidFill>
+                          <a:effectLst/>
+                          <a:latin typeface="Calibri" panose="020F0502020204030204" pitchFamily="34" charset="0"/>
+                        </a:rPr>
+                        <a:t>4580</a:t>
+                      </a:r>
+                      <a:endParaRPr lang="en-US" sz="1400" cap="none" spc="0">
+                        <a:solidFill>
+                          <a:schemeClr val="tx1"/>
+                        </a:solidFill>
+                        <a:effectLst/>
+                        <a:latin typeface="Times New Roman" panose="02020603050405020304" pitchFamily="18" charset="0"/>
+                      </a:endParaRPr>
+                    </a:p>
+                  </a:txBody>
+                  <a:tcPr marL="76929" marR="54949" marT="0" marB="109899">
+                    <a:lnL w="12700" cmpd="sng">
+                      <a:noFill/>
+                      <a:prstDash val="solid"/>
+                    </a:lnL>
+                    <a:lnR w="12700" cmpd="sng">
+                      <a:noFill/>
+                      <a:prstDash val="solid"/>
+                    </a:lnR>
+                    <a:lnT w="12700" cap="flat" cmpd="sng" algn="ctr">
+                      <a:solidFill>
+                        <a:schemeClr val="tx1"/>
+                      </a:solidFill>
+                      <a:prstDash val="solid"/>
+                    </a:lnT>
+                    <a:lnB w="12700" cmpd="sng">
+                      <a:noFill/>
+                      <a:prstDash val="solid"/>
+                    </a:lnB>
+                    <a:solidFill>
+                      <a:schemeClr val="bg1">
+                        <a:lumMod val="95000"/>
+                      </a:schemeClr>
+                    </a:solidFill>
+                  </a:tcPr>
+                </a:tc>
+                <a:extLst>
+                  <a:ext uri="{0D108BD9-81ED-4DB2-BD59-A6C34878D82A}">
+                    <a16:rowId xmlns:a16="http://schemas.microsoft.com/office/drawing/2014/main" val="3225079013"/>
+                  </a:ext>
+                </a:extLst>
+              </a:tr>
+              <a:tr h="400691">
+                <a:tc>
+                  <a:txBody>
+                    <a:bodyPr/>
+                    <a:lstStyle/>
+                    <a:p>
+                      <a:r>
+                        <a:rPr lang="en-US" sz="1400" cap="none" spc="0">
+                          <a:solidFill>
+                            <a:schemeClr val="tx1"/>
+                          </a:solidFill>
+                        </a:rPr>
+                        <a:t>Range 2</a:t>
+                      </a:r>
+                    </a:p>
+                  </a:txBody>
+                  <a:tcPr marL="76929" marR="54949" marT="40804" marB="109899">
+                    <a:lnL w="12700" cmpd="sng">
+                      <a:noFill/>
+                      <a:prstDash val="solid"/>
+                    </a:lnL>
+                    <a:lnR w="12700" cmpd="sng">
+                      <a:noFill/>
+                      <a:prstDash val="solid"/>
+                    </a:lnR>
+                    <a:lnT w="12700" cmpd="sng">
+                      <a:noFill/>
+                      <a:prstDash val="solid"/>
+                    </a:lnT>
+                    <a:lnB w="12700" cap="flat" cmpd="sng" algn="ctr">
+                      <a:solidFill>
+                        <a:schemeClr val="tx1"/>
+                      </a:solidFill>
+                      <a:prstDash val="solid"/>
+                    </a:lnB>
+                    <a:noFill/>
+                  </a:tcPr>
+                </a:tc>
+                <a:tc>
+                  <a:txBody>
+                    <a:bodyPr/>
+                    <a:lstStyle/>
+                    <a:p>
+                      <a:pPr marL="0" marR="0">
+                        <a:spcBef>
+                          <a:spcPts val="0"/>
+                        </a:spcBef>
+                        <a:spcAft>
+                          <a:spcPts val="0"/>
+                        </a:spcAft>
+                      </a:pPr>
+                      <a:r>
+                        <a:rPr lang="en-US" sz="1400" cap="none" spc="0">
+                          <a:solidFill>
+                            <a:schemeClr val="tx1"/>
+                          </a:solidFill>
+                          <a:effectLst/>
+                          <a:latin typeface="Calibri" panose="020F0502020204030204" pitchFamily="34" charset="0"/>
+                        </a:rPr>
+                        <a:t>4844</a:t>
+                      </a:r>
+                      <a:endParaRPr lang="en-US" sz="1400" cap="none" spc="0">
+                        <a:solidFill>
+                          <a:schemeClr val="tx1"/>
+                        </a:solidFill>
+                        <a:effectLst/>
+                        <a:latin typeface="Times New Roman" panose="02020603050405020304" pitchFamily="18" charset="0"/>
+                      </a:endParaRPr>
+                    </a:p>
+                  </a:txBody>
+                  <a:tcPr marL="76929" marR="54949" marT="0" marB="109899">
+                    <a:lnL w="12700" cmpd="sng">
+                      <a:noFill/>
+                      <a:prstDash val="solid"/>
+                    </a:lnL>
+                    <a:lnR w="12700" cmpd="sng">
+                      <a:noFill/>
+                      <a:prstDash val="solid"/>
+                    </a:lnR>
+                    <a:lnT w="12700" cmpd="sng">
+                      <a:noFill/>
+                      <a:prstDash val="solid"/>
+                    </a:lnT>
+                    <a:lnB w="12700" cap="flat" cmpd="sng" algn="ctr">
+                      <a:solidFill>
+                        <a:schemeClr val="tx1"/>
+                      </a:solidFill>
+                      <a:prstDash val="solid"/>
+                    </a:lnB>
+                    <a:noFill/>
+                  </a:tcPr>
+                </a:tc>
+                <a:tc>
+                  <a:txBody>
+                    <a:bodyPr/>
+                    <a:lstStyle/>
+                    <a:p>
+                      <a:pPr marL="0" marR="0">
+                        <a:spcBef>
+                          <a:spcPts val="0"/>
+                        </a:spcBef>
+                        <a:spcAft>
+                          <a:spcPts val="0"/>
+                        </a:spcAft>
+                      </a:pPr>
+                      <a:r>
+                        <a:rPr lang="en-US" sz="1400" cap="none" spc="0">
+                          <a:solidFill>
+                            <a:schemeClr val="tx1"/>
+                          </a:solidFill>
+                          <a:effectLst/>
+                          <a:latin typeface="Calibri" panose="020F0502020204030204" pitchFamily="34" charset="0"/>
+                        </a:rPr>
+                        <a:t>5304</a:t>
+                      </a:r>
+                      <a:endParaRPr lang="en-US" sz="1400" cap="none" spc="0">
+                        <a:solidFill>
+                          <a:schemeClr val="tx1"/>
+                        </a:solidFill>
+                        <a:effectLst/>
+                        <a:latin typeface="Times New Roman" panose="02020603050405020304" pitchFamily="18" charset="0"/>
+                      </a:endParaRPr>
+                    </a:p>
+                  </a:txBody>
+                  <a:tcPr marL="76929" marR="54949" marT="0" marB="109899">
+                    <a:lnL w="12700" cmpd="sng">
+                      <a:noFill/>
+                      <a:prstDash val="solid"/>
+                    </a:lnL>
+                    <a:lnR w="12700" cmpd="sng">
+                      <a:noFill/>
+                      <a:prstDash val="solid"/>
+                    </a:lnR>
+                    <a:lnT w="12700" cmpd="sng">
+                      <a:noFill/>
+                      <a:prstDash val="solid"/>
+                    </a:lnT>
+                    <a:lnB w="12700" cap="flat" cmpd="sng" algn="ctr">
+                      <a:solidFill>
+                        <a:schemeClr val="tx1"/>
+                      </a:solidFill>
+                      <a:prstDash val="solid"/>
+                    </a:lnB>
+                    <a:noFill/>
+                  </a:tcPr>
+                </a:tc>
+                <a:tc>
+                  <a:txBody>
+                    <a:bodyPr/>
+                    <a:lstStyle/>
+                    <a:p>
+                      <a:pPr marL="0" marR="0">
+                        <a:spcBef>
+                          <a:spcPts val="0"/>
+                        </a:spcBef>
+                        <a:spcAft>
+                          <a:spcPts val="0"/>
+                        </a:spcAft>
+                      </a:pPr>
+                      <a:r>
+                        <a:rPr lang="en-US" sz="1400" cap="none" spc="0">
+                          <a:solidFill>
+                            <a:schemeClr val="tx1"/>
+                          </a:solidFill>
+                          <a:effectLst/>
+                          <a:latin typeface="Calibri" panose="020F0502020204030204" pitchFamily="34" charset="0"/>
+                        </a:rPr>
+                        <a:t>5040</a:t>
+                      </a:r>
+                      <a:endParaRPr lang="en-US" sz="1400" cap="none" spc="0">
+                        <a:solidFill>
+                          <a:schemeClr val="tx1"/>
+                        </a:solidFill>
+                        <a:effectLst/>
+                        <a:latin typeface="Times New Roman" panose="02020603050405020304" pitchFamily="18" charset="0"/>
+                      </a:endParaRPr>
+                    </a:p>
+                  </a:txBody>
+                  <a:tcPr marL="76929" marR="54949" marT="0" marB="109899">
+                    <a:lnL w="12700" cmpd="sng">
+                      <a:noFill/>
+                      <a:prstDash val="solid"/>
+                    </a:lnL>
+                    <a:lnR w="12700" cmpd="sng">
+                      <a:noFill/>
+                      <a:prstDash val="solid"/>
+                    </a:lnR>
+                    <a:lnT w="12700" cmpd="sng">
+                      <a:noFill/>
+                      <a:prstDash val="solid"/>
+                    </a:lnT>
+                    <a:lnB w="12700" cap="flat" cmpd="sng" algn="ctr">
+                      <a:solidFill>
+                        <a:schemeClr val="tx1"/>
+                      </a:solidFill>
+                      <a:prstDash val="solid"/>
+                    </a:lnB>
+                    <a:noFill/>
+                  </a:tcPr>
+                </a:tc>
+                <a:tc>
+                  <a:txBody>
+                    <a:bodyPr/>
+                    <a:lstStyle/>
+                    <a:p>
+                      <a:pPr marL="0" marR="0">
+                        <a:spcBef>
+                          <a:spcPts val="0"/>
+                        </a:spcBef>
+                        <a:spcAft>
+                          <a:spcPts val="0"/>
+                        </a:spcAft>
+                      </a:pPr>
+                      <a:r>
+                        <a:rPr lang="en-US" sz="1400" cap="none" spc="0">
+                          <a:solidFill>
+                            <a:schemeClr val="tx1"/>
+                          </a:solidFill>
+                          <a:effectLst/>
+                          <a:latin typeface="Calibri" panose="020F0502020204030204" pitchFamily="34" charset="0"/>
+                        </a:rPr>
+                        <a:t>5090</a:t>
+                      </a:r>
+                      <a:endParaRPr lang="en-US" sz="1400" cap="none" spc="0">
+                        <a:solidFill>
+                          <a:schemeClr val="tx1"/>
+                        </a:solidFill>
+                        <a:effectLst/>
+                        <a:latin typeface="Times New Roman" panose="02020603050405020304" pitchFamily="18" charset="0"/>
+                      </a:endParaRPr>
+                    </a:p>
+                  </a:txBody>
+                  <a:tcPr marL="76929" marR="54949" marT="0" marB="109899">
+                    <a:lnL w="12700" cmpd="sng">
+                      <a:noFill/>
+                      <a:prstDash val="solid"/>
+                    </a:lnL>
+                    <a:lnR w="12700" cmpd="sng">
+                      <a:noFill/>
+                      <a:prstDash val="solid"/>
+                    </a:lnR>
+                    <a:lnT w="12700" cmpd="sng">
+                      <a:noFill/>
+                      <a:prstDash val="solid"/>
+                    </a:lnT>
+                    <a:lnB w="12700" cap="flat" cmpd="sng" algn="ctr">
+                      <a:solidFill>
+                        <a:schemeClr val="tx1"/>
+                      </a:solidFill>
+                      <a:prstDash val="solid"/>
+                    </a:lnB>
+                    <a:noFill/>
+                  </a:tcPr>
+                </a:tc>
+                <a:extLst>
+                  <a:ext uri="{0D108BD9-81ED-4DB2-BD59-A6C34878D82A}">
+                    <a16:rowId xmlns:a16="http://schemas.microsoft.com/office/drawing/2014/main" val="569265022"/>
+                  </a:ext>
+                </a:extLst>
+              </a:tr>
+              <a:tr h="400691">
+                <a:tc>
+                  <a:txBody>
+                    <a:bodyPr/>
+                    <a:lstStyle/>
+                    <a:p>
+                      <a:r>
+                        <a:rPr lang="en-US" sz="1400" cap="none" spc="0">
+                          <a:solidFill>
+                            <a:schemeClr val="tx1"/>
+                          </a:solidFill>
+                        </a:rPr>
+                        <a:t>Range 3</a:t>
+                      </a:r>
+                    </a:p>
+                  </a:txBody>
+                  <a:tcPr marL="76929" marR="54949" marT="40804" marB="109899">
+                    <a:lnL w="12700" cmpd="sng">
+                      <a:noFill/>
+                      <a:prstDash val="solid"/>
+                    </a:lnL>
+                    <a:lnR w="12700" cmpd="sng">
+                      <a:noFill/>
+                      <a:prstDash val="solid"/>
+                    </a:lnR>
+                    <a:lnT w="12700" cap="flat" cmpd="sng" algn="ctr">
+                      <a:solidFill>
+                        <a:schemeClr val="tx1"/>
+                      </a:solidFill>
+                      <a:prstDash val="solid"/>
+                    </a:lnT>
+                    <a:lnB w="12700" cmpd="sng">
+                      <a:noFill/>
+                      <a:prstDash val="solid"/>
+                    </a:lnB>
+                    <a:solidFill>
+                      <a:schemeClr val="bg1">
+                        <a:lumMod val="95000"/>
+                      </a:schemeClr>
+                    </a:solidFill>
+                  </a:tcPr>
+                </a:tc>
+                <a:tc>
+                  <a:txBody>
+                    <a:bodyPr/>
+                    <a:lstStyle/>
+                    <a:p>
+                      <a:pPr marL="0" marR="0">
+                        <a:spcBef>
+                          <a:spcPts val="0"/>
+                        </a:spcBef>
+                        <a:spcAft>
+                          <a:spcPts val="0"/>
+                        </a:spcAft>
+                      </a:pPr>
+                      <a:r>
+                        <a:rPr lang="en-US" sz="1400" cap="none" spc="0">
+                          <a:solidFill>
+                            <a:schemeClr val="tx1"/>
+                          </a:solidFill>
+                          <a:effectLst/>
+                          <a:latin typeface="Calibri" panose="020F0502020204030204" pitchFamily="34" charset="0"/>
+                        </a:rPr>
+                        <a:t>5419</a:t>
+                      </a:r>
+                      <a:endParaRPr lang="en-US" sz="1400" cap="none" spc="0">
+                        <a:solidFill>
+                          <a:schemeClr val="tx1"/>
+                        </a:solidFill>
+                        <a:effectLst/>
+                        <a:latin typeface="Times New Roman" panose="02020603050405020304" pitchFamily="18" charset="0"/>
+                      </a:endParaRPr>
+                    </a:p>
+                  </a:txBody>
+                  <a:tcPr marL="76929" marR="54949" marT="0" marB="109899">
+                    <a:lnL w="12700" cmpd="sng">
+                      <a:noFill/>
+                      <a:prstDash val="solid"/>
+                    </a:lnL>
+                    <a:lnR w="12700" cmpd="sng">
+                      <a:noFill/>
+                      <a:prstDash val="solid"/>
+                    </a:lnR>
+                    <a:lnT w="12700" cap="flat" cmpd="sng" algn="ctr">
+                      <a:solidFill>
+                        <a:schemeClr val="tx1"/>
+                      </a:solidFill>
+                      <a:prstDash val="solid"/>
+                    </a:lnT>
+                    <a:lnB w="12700" cmpd="sng">
+                      <a:noFill/>
+                      <a:prstDash val="solid"/>
+                    </a:lnB>
+                    <a:solidFill>
+                      <a:schemeClr val="bg1">
+                        <a:lumMod val="95000"/>
+                      </a:schemeClr>
+                    </a:solidFill>
+                  </a:tcPr>
+                </a:tc>
+                <a:tc>
+                  <a:txBody>
+                    <a:bodyPr/>
+                    <a:lstStyle/>
+                    <a:p>
+                      <a:pPr marL="0" marR="0">
+                        <a:spcBef>
+                          <a:spcPts val="0"/>
+                        </a:spcBef>
+                        <a:spcAft>
+                          <a:spcPts val="0"/>
+                        </a:spcAft>
+                      </a:pPr>
+                      <a:r>
+                        <a:rPr lang="en-US" sz="1400" cap="none" spc="0">
+                          <a:solidFill>
+                            <a:schemeClr val="tx1"/>
+                          </a:solidFill>
+                          <a:effectLst/>
+                          <a:latin typeface="Calibri" panose="020F0502020204030204" pitchFamily="34" charset="0"/>
+                        </a:rPr>
+                        <a:t>6012</a:t>
+                      </a:r>
+                      <a:endParaRPr lang="en-US" sz="1400" cap="none" spc="0">
+                        <a:solidFill>
+                          <a:schemeClr val="tx1"/>
+                        </a:solidFill>
+                        <a:effectLst/>
+                        <a:latin typeface="Times New Roman" panose="02020603050405020304" pitchFamily="18" charset="0"/>
+                      </a:endParaRPr>
+                    </a:p>
+                  </a:txBody>
+                  <a:tcPr marL="76929" marR="54949" marT="0" marB="109899">
+                    <a:lnL w="12700" cmpd="sng">
+                      <a:noFill/>
+                      <a:prstDash val="solid"/>
+                    </a:lnL>
+                    <a:lnR w="12700" cmpd="sng">
+                      <a:noFill/>
+                      <a:prstDash val="solid"/>
+                    </a:lnR>
+                    <a:lnT w="12700" cap="flat" cmpd="sng" algn="ctr">
+                      <a:solidFill>
+                        <a:schemeClr val="tx1"/>
+                      </a:solidFill>
+                      <a:prstDash val="solid"/>
+                    </a:lnT>
+                    <a:lnB w="12700" cmpd="sng">
+                      <a:noFill/>
+                      <a:prstDash val="solid"/>
+                    </a:lnB>
+                    <a:solidFill>
+                      <a:schemeClr val="bg1">
+                        <a:lumMod val="95000"/>
+                      </a:schemeClr>
+                    </a:solidFill>
+                  </a:tcPr>
+                </a:tc>
+                <a:tc>
+                  <a:txBody>
+                    <a:bodyPr/>
+                    <a:lstStyle/>
+                    <a:p>
+                      <a:pPr marL="0" marR="0">
+                        <a:spcBef>
+                          <a:spcPts val="0"/>
+                        </a:spcBef>
+                        <a:spcAft>
+                          <a:spcPts val="0"/>
+                        </a:spcAft>
+                      </a:pPr>
+                      <a:r>
+                        <a:rPr lang="en-US" sz="1400" cap="none" spc="0">
+                          <a:solidFill>
+                            <a:schemeClr val="tx1"/>
+                          </a:solidFill>
+                          <a:effectLst/>
+                          <a:latin typeface="Calibri" panose="020F0502020204030204" pitchFamily="34" charset="0"/>
+                        </a:rPr>
+                        <a:t>5670</a:t>
+                      </a:r>
+                      <a:endParaRPr lang="en-US" sz="1400" cap="none" spc="0">
+                        <a:solidFill>
+                          <a:schemeClr val="tx1"/>
+                        </a:solidFill>
+                        <a:effectLst/>
+                        <a:latin typeface="Times New Roman" panose="02020603050405020304" pitchFamily="18" charset="0"/>
+                      </a:endParaRPr>
+                    </a:p>
+                  </a:txBody>
+                  <a:tcPr marL="76929" marR="54949" marT="0" marB="109899">
+                    <a:lnL w="12700" cmpd="sng">
+                      <a:noFill/>
+                      <a:prstDash val="solid"/>
+                    </a:lnL>
+                    <a:lnR w="12700" cmpd="sng">
+                      <a:noFill/>
+                      <a:prstDash val="solid"/>
+                    </a:lnR>
+                    <a:lnT w="12700" cap="flat" cmpd="sng" algn="ctr">
+                      <a:solidFill>
+                        <a:schemeClr val="tx1"/>
+                      </a:solidFill>
+                      <a:prstDash val="solid"/>
+                    </a:lnT>
+                    <a:lnB w="12700" cmpd="sng">
+                      <a:noFill/>
+                      <a:prstDash val="solid"/>
+                    </a:lnB>
+                    <a:solidFill>
+                      <a:schemeClr val="bg1">
+                        <a:lumMod val="95000"/>
+                      </a:schemeClr>
+                    </a:solidFill>
+                  </a:tcPr>
+                </a:tc>
+                <a:tc>
+                  <a:txBody>
+                    <a:bodyPr/>
+                    <a:lstStyle/>
+                    <a:p>
+                      <a:pPr marL="0" marR="0">
+                        <a:spcBef>
+                          <a:spcPts val="0"/>
+                        </a:spcBef>
+                        <a:spcAft>
+                          <a:spcPts val="0"/>
+                        </a:spcAft>
+                      </a:pPr>
+                      <a:r>
+                        <a:rPr lang="en-US" sz="1400" cap="none" spc="0">
+                          <a:solidFill>
+                            <a:schemeClr val="tx1"/>
+                          </a:solidFill>
+                          <a:effectLst/>
+                          <a:latin typeface="Calibri" panose="020F0502020204030204" pitchFamily="34" charset="0"/>
+                        </a:rPr>
+                        <a:t>5730</a:t>
+                      </a:r>
+                      <a:endParaRPr lang="en-US" sz="1400" cap="none" spc="0">
+                        <a:solidFill>
+                          <a:schemeClr val="tx1"/>
+                        </a:solidFill>
+                        <a:effectLst/>
+                        <a:latin typeface="Times New Roman" panose="02020603050405020304" pitchFamily="18" charset="0"/>
+                      </a:endParaRPr>
+                    </a:p>
+                  </a:txBody>
+                  <a:tcPr marL="76929" marR="54949" marT="0" marB="109899">
+                    <a:lnL w="12700" cmpd="sng">
+                      <a:noFill/>
+                      <a:prstDash val="solid"/>
+                    </a:lnL>
+                    <a:lnR w="12700" cmpd="sng">
+                      <a:noFill/>
+                      <a:prstDash val="solid"/>
+                    </a:lnR>
+                    <a:lnT w="12700" cap="flat" cmpd="sng" algn="ctr">
+                      <a:solidFill>
+                        <a:schemeClr val="tx1"/>
+                      </a:solidFill>
+                      <a:prstDash val="solid"/>
+                    </a:lnT>
+                    <a:lnB w="12700" cmpd="sng">
+                      <a:noFill/>
+                      <a:prstDash val="solid"/>
+                    </a:lnB>
+                    <a:solidFill>
+                      <a:schemeClr val="bg1">
+                        <a:lumMod val="95000"/>
+                      </a:schemeClr>
+                    </a:solidFill>
+                  </a:tcPr>
+                </a:tc>
+                <a:extLst>
+                  <a:ext uri="{0D108BD9-81ED-4DB2-BD59-A6C34878D82A}">
+                    <a16:rowId xmlns:a16="http://schemas.microsoft.com/office/drawing/2014/main" val="1772742290"/>
+                  </a:ext>
+                </a:extLst>
+              </a:tr>
+              <a:tr h="400691">
+                <a:tc>
+                  <a:txBody>
+                    <a:bodyPr/>
+                    <a:lstStyle/>
+                    <a:p>
+                      <a:r>
+                        <a:rPr lang="en-US" sz="1400" cap="none" spc="0">
+                          <a:solidFill>
+                            <a:schemeClr val="tx1"/>
+                          </a:solidFill>
+                        </a:rPr>
+                        <a:t>Range 4</a:t>
+                      </a:r>
+                    </a:p>
+                  </a:txBody>
+                  <a:tcPr marL="76929" marR="54949" marT="40804" marB="109899">
+                    <a:lnL w="12700" cmpd="sng">
+                      <a:noFill/>
+                      <a:prstDash val="solid"/>
+                    </a:lnL>
+                    <a:lnR w="12700" cmpd="sng">
+                      <a:noFill/>
+                      <a:prstDash val="solid"/>
+                    </a:lnR>
+                    <a:lnT w="12700" cmpd="sng">
+                      <a:noFill/>
+                      <a:prstDash val="solid"/>
+                    </a:lnT>
+                    <a:lnB w="12700" cap="flat" cmpd="sng" algn="ctr">
+                      <a:solidFill>
+                        <a:schemeClr val="tx1"/>
+                      </a:solidFill>
+                      <a:prstDash val="solid"/>
+                    </a:lnB>
+                    <a:noFill/>
+                  </a:tcPr>
+                </a:tc>
+                <a:tc>
+                  <a:txBody>
+                    <a:bodyPr/>
+                    <a:lstStyle/>
+                    <a:p>
+                      <a:pPr marL="0" marR="0">
+                        <a:spcBef>
+                          <a:spcPts val="0"/>
+                        </a:spcBef>
+                        <a:spcAft>
+                          <a:spcPts val="0"/>
+                        </a:spcAft>
+                      </a:pPr>
+                      <a:r>
+                        <a:rPr lang="en-US" sz="1400" cap="none" spc="0">
+                          <a:solidFill>
+                            <a:schemeClr val="tx1"/>
+                          </a:solidFill>
+                          <a:effectLst/>
+                          <a:latin typeface="Calibri" panose="020F0502020204030204" pitchFamily="34" charset="0"/>
+                        </a:rPr>
+                        <a:t>6160</a:t>
+                      </a:r>
+                      <a:endParaRPr lang="en-US" sz="1400" cap="none" spc="0">
+                        <a:solidFill>
+                          <a:schemeClr val="tx1"/>
+                        </a:solidFill>
+                        <a:effectLst/>
+                        <a:latin typeface="Times New Roman" panose="02020603050405020304" pitchFamily="18" charset="0"/>
+                      </a:endParaRPr>
+                    </a:p>
+                  </a:txBody>
+                  <a:tcPr marL="76929" marR="54949" marT="0" marB="109899">
+                    <a:lnL w="12700" cmpd="sng">
+                      <a:noFill/>
+                      <a:prstDash val="solid"/>
+                    </a:lnL>
+                    <a:lnR w="12700" cmpd="sng">
+                      <a:noFill/>
+                      <a:prstDash val="solid"/>
+                    </a:lnR>
+                    <a:lnT w="12700" cmpd="sng">
+                      <a:noFill/>
+                      <a:prstDash val="solid"/>
+                    </a:lnT>
+                    <a:lnB w="12700" cap="flat" cmpd="sng" algn="ctr">
+                      <a:solidFill>
+                        <a:schemeClr val="tx1"/>
+                      </a:solidFill>
+                      <a:prstDash val="solid"/>
+                    </a:lnB>
+                    <a:noFill/>
+                  </a:tcPr>
+                </a:tc>
+                <a:tc>
+                  <a:txBody>
+                    <a:bodyPr/>
+                    <a:lstStyle/>
+                    <a:p>
+                      <a:pPr marL="0" marR="0">
+                        <a:spcBef>
+                          <a:spcPts val="0"/>
+                        </a:spcBef>
+                        <a:spcAft>
+                          <a:spcPts val="0"/>
+                        </a:spcAft>
+                      </a:pPr>
+                      <a:r>
+                        <a:rPr lang="en-US" sz="1400" cap="none" spc="0">
+                          <a:solidFill>
+                            <a:schemeClr val="tx1"/>
+                          </a:solidFill>
+                          <a:effectLst/>
+                          <a:latin typeface="Calibri" panose="020F0502020204030204" pitchFamily="34" charset="0"/>
+                        </a:rPr>
+                        <a:t>6988</a:t>
+                      </a:r>
+                      <a:endParaRPr lang="en-US" sz="1400" cap="none" spc="0">
+                        <a:solidFill>
+                          <a:schemeClr val="tx1"/>
+                        </a:solidFill>
+                        <a:effectLst/>
+                        <a:latin typeface="Times New Roman" panose="02020603050405020304" pitchFamily="18" charset="0"/>
+                      </a:endParaRPr>
+                    </a:p>
+                  </a:txBody>
+                  <a:tcPr marL="76929" marR="54949" marT="0" marB="109899">
+                    <a:lnL w="12700" cmpd="sng">
+                      <a:noFill/>
+                      <a:prstDash val="solid"/>
+                    </a:lnL>
+                    <a:lnR w="12700" cmpd="sng">
+                      <a:noFill/>
+                      <a:prstDash val="solid"/>
+                    </a:lnR>
+                    <a:lnT w="12700" cmpd="sng">
+                      <a:noFill/>
+                      <a:prstDash val="solid"/>
+                    </a:lnT>
+                    <a:lnB w="12700" cap="flat" cmpd="sng" algn="ctr">
+                      <a:solidFill>
+                        <a:schemeClr val="tx1"/>
+                      </a:solidFill>
+                      <a:prstDash val="solid"/>
+                    </a:lnB>
+                    <a:noFill/>
+                  </a:tcPr>
+                </a:tc>
+                <a:tc>
+                  <a:txBody>
+                    <a:bodyPr/>
+                    <a:lstStyle/>
+                    <a:p>
+                      <a:pPr marL="0" marR="0">
+                        <a:spcBef>
+                          <a:spcPts val="0"/>
+                        </a:spcBef>
+                        <a:spcAft>
+                          <a:spcPts val="0"/>
+                        </a:spcAft>
+                      </a:pPr>
+                      <a:r>
+                        <a:rPr lang="en-US" sz="1400" cap="none" spc="0">
+                          <a:solidFill>
+                            <a:schemeClr val="tx1"/>
+                          </a:solidFill>
+                          <a:effectLst/>
+                          <a:latin typeface="Calibri" panose="020F0502020204030204" pitchFamily="34" charset="0"/>
+                        </a:rPr>
+                        <a:t>6510</a:t>
+                      </a:r>
+                      <a:endParaRPr lang="en-US" sz="1400" cap="none" spc="0">
+                        <a:solidFill>
+                          <a:schemeClr val="tx1"/>
+                        </a:solidFill>
+                        <a:effectLst/>
+                        <a:latin typeface="Times New Roman" panose="02020603050405020304" pitchFamily="18" charset="0"/>
+                      </a:endParaRPr>
+                    </a:p>
+                  </a:txBody>
+                  <a:tcPr marL="76929" marR="54949" marT="0" marB="109899">
+                    <a:lnL w="12700" cmpd="sng">
+                      <a:noFill/>
+                      <a:prstDash val="solid"/>
+                    </a:lnL>
+                    <a:lnR w="12700" cmpd="sng">
+                      <a:noFill/>
+                      <a:prstDash val="solid"/>
+                    </a:lnR>
+                    <a:lnT w="12700" cmpd="sng">
+                      <a:noFill/>
+                      <a:prstDash val="solid"/>
+                    </a:lnT>
+                    <a:lnB w="12700" cap="flat" cmpd="sng" algn="ctr">
+                      <a:solidFill>
+                        <a:schemeClr val="tx1"/>
+                      </a:solidFill>
+                      <a:prstDash val="solid"/>
+                    </a:lnB>
+                    <a:noFill/>
+                  </a:tcPr>
+                </a:tc>
+                <a:tc>
+                  <a:txBody>
+                    <a:bodyPr/>
+                    <a:lstStyle/>
+                    <a:p>
+                      <a:pPr marL="0" marR="0">
+                        <a:spcBef>
+                          <a:spcPts val="0"/>
+                        </a:spcBef>
+                        <a:spcAft>
+                          <a:spcPts val="0"/>
+                        </a:spcAft>
+                      </a:pPr>
+                      <a:r>
+                        <a:rPr lang="en-US" sz="1400" cap="none" spc="0">
+                          <a:solidFill>
+                            <a:schemeClr val="tx1"/>
+                          </a:solidFill>
+                          <a:effectLst/>
+                          <a:latin typeface="Calibri" panose="020F0502020204030204" pitchFamily="34" charset="0"/>
+                        </a:rPr>
+                        <a:t>6600</a:t>
+                      </a:r>
+                      <a:endParaRPr lang="en-US" sz="1400" cap="none" spc="0">
+                        <a:solidFill>
+                          <a:schemeClr val="tx1"/>
+                        </a:solidFill>
+                        <a:effectLst/>
+                        <a:latin typeface="Times New Roman" panose="02020603050405020304" pitchFamily="18" charset="0"/>
+                      </a:endParaRPr>
+                    </a:p>
+                  </a:txBody>
+                  <a:tcPr marL="76929" marR="54949" marT="0" marB="109899">
+                    <a:lnL w="12700" cmpd="sng">
+                      <a:noFill/>
+                      <a:prstDash val="solid"/>
+                    </a:lnL>
+                    <a:lnR w="12700" cmpd="sng">
+                      <a:noFill/>
+                      <a:prstDash val="solid"/>
+                    </a:lnR>
+                    <a:lnT w="12700" cmpd="sng">
+                      <a:noFill/>
+                      <a:prstDash val="solid"/>
+                    </a:lnT>
+                    <a:lnB w="12700" cap="flat" cmpd="sng" algn="ctr">
+                      <a:solidFill>
+                        <a:schemeClr val="tx1"/>
+                      </a:solidFill>
+                      <a:prstDash val="solid"/>
+                    </a:lnB>
+                    <a:noFill/>
+                  </a:tcPr>
+                </a:tc>
+                <a:extLst>
+                  <a:ext uri="{0D108BD9-81ED-4DB2-BD59-A6C34878D82A}">
+                    <a16:rowId xmlns:a16="http://schemas.microsoft.com/office/drawing/2014/main" val="834706111"/>
+                  </a:ext>
+                </a:extLst>
+              </a:tr>
+              <a:tr h="400691">
+                <a:tc>
+                  <a:txBody>
+                    <a:bodyPr/>
+                    <a:lstStyle/>
+                    <a:p>
+                      <a:r>
+                        <a:rPr lang="en-US" sz="1400" cap="none" spc="0">
+                          <a:solidFill>
+                            <a:schemeClr val="tx1"/>
+                          </a:solidFill>
+                        </a:rPr>
+                        <a:t>Range 5</a:t>
+                      </a:r>
+                    </a:p>
+                  </a:txBody>
+                  <a:tcPr marL="76929" marR="54949" marT="40804" marB="109899">
+                    <a:lnL w="12700" cmpd="sng">
+                      <a:noFill/>
+                      <a:prstDash val="solid"/>
+                    </a:lnL>
+                    <a:lnR w="12700" cmpd="sng">
+                      <a:noFill/>
+                      <a:prstDash val="solid"/>
+                    </a:lnR>
+                    <a:lnT w="12700" cap="flat" cmpd="sng" algn="ctr">
+                      <a:solidFill>
+                        <a:schemeClr val="tx1"/>
+                      </a:solidFill>
+                      <a:prstDash val="solid"/>
+                    </a:lnT>
+                    <a:lnB w="12700" cmpd="sng">
+                      <a:noFill/>
+                      <a:prstDash val="solid"/>
+                    </a:lnB>
+                    <a:solidFill>
+                      <a:schemeClr val="bg1">
+                        <a:lumMod val="95000"/>
+                      </a:schemeClr>
+                    </a:solidFill>
+                  </a:tcPr>
+                </a:tc>
+                <a:tc>
+                  <a:txBody>
+                    <a:bodyPr/>
+                    <a:lstStyle/>
+                    <a:p>
+                      <a:pPr marL="0" marR="0">
+                        <a:spcBef>
+                          <a:spcPts val="0"/>
+                        </a:spcBef>
+                        <a:spcAft>
+                          <a:spcPts val="0"/>
+                        </a:spcAft>
+                      </a:pPr>
+                      <a:r>
+                        <a:rPr lang="en-US" sz="1400" cap="none" spc="0">
+                          <a:solidFill>
+                            <a:schemeClr val="tx1"/>
+                          </a:solidFill>
+                          <a:effectLst/>
+                          <a:latin typeface="Calibri" panose="020F0502020204030204" pitchFamily="34" charset="0"/>
+                        </a:rPr>
+                        <a:t>7189</a:t>
+                      </a:r>
+                      <a:endParaRPr lang="en-US" sz="1400" cap="none" spc="0">
+                        <a:solidFill>
+                          <a:schemeClr val="tx1"/>
+                        </a:solidFill>
+                        <a:effectLst/>
+                        <a:latin typeface="Times New Roman" panose="02020603050405020304" pitchFamily="18" charset="0"/>
+                      </a:endParaRPr>
+                    </a:p>
+                  </a:txBody>
+                  <a:tcPr marL="76929" marR="54949" marT="0" marB="109899">
+                    <a:lnL w="12700" cmpd="sng">
+                      <a:noFill/>
+                      <a:prstDash val="solid"/>
+                    </a:lnL>
+                    <a:lnR w="12700" cmpd="sng">
+                      <a:noFill/>
+                      <a:prstDash val="solid"/>
+                    </a:lnR>
+                    <a:lnT w="12700" cap="flat" cmpd="sng" algn="ctr">
+                      <a:solidFill>
+                        <a:schemeClr val="tx1"/>
+                      </a:solidFill>
+                      <a:prstDash val="solid"/>
+                    </a:lnT>
+                    <a:lnB w="12700" cmpd="sng">
+                      <a:noFill/>
+                      <a:prstDash val="solid"/>
+                    </a:lnB>
+                    <a:solidFill>
+                      <a:schemeClr val="bg1">
+                        <a:lumMod val="95000"/>
+                      </a:schemeClr>
+                    </a:solidFill>
+                  </a:tcPr>
+                </a:tc>
+                <a:tc>
+                  <a:txBody>
+                    <a:bodyPr/>
+                    <a:lstStyle/>
+                    <a:p>
+                      <a:pPr marL="0" marR="0">
+                        <a:spcBef>
+                          <a:spcPts val="0"/>
+                        </a:spcBef>
+                        <a:spcAft>
+                          <a:spcPts val="0"/>
+                        </a:spcAft>
+                      </a:pPr>
+                      <a:r>
+                        <a:rPr lang="en-US" sz="1400" cap="none" spc="0">
+                          <a:solidFill>
+                            <a:schemeClr val="tx1"/>
+                          </a:solidFill>
+                          <a:effectLst/>
+                          <a:latin typeface="Calibri" panose="020F0502020204030204" pitchFamily="34" charset="0"/>
+                        </a:rPr>
+                        <a:t>8900</a:t>
+                      </a:r>
+                      <a:endParaRPr lang="en-US" sz="1400" cap="none" spc="0">
+                        <a:solidFill>
+                          <a:schemeClr val="tx1"/>
+                        </a:solidFill>
+                        <a:effectLst/>
+                        <a:latin typeface="Times New Roman" panose="02020603050405020304" pitchFamily="18" charset="0"/>
+                      </a:endParaRPr>
+                    </a:p>
+                  </a:txBody>
+                  <a:tcPr marL="76929" marR="54949" marT="0" marB="109899">
+                    <a:lnL w="12700" cmpd="sng">
+                      <a:noFill/>
+                      <a:prstDash val="solid"/>
+                    </a:lnL>
+                    <a:lnR w="12700" cmpd="sng">
+                      <a:noFill/>
+                      <a:prstDash val="solid"/>
+                    </a:lnR>
+                    <a:lnT w="12700" cap="flat" cmpd="sng" algn="ctr">
+                      <a:solidFill>
+                        <a:schemeClr val="tx1"/>
+                      </a:solidFill>
+                      <a:prstDash val="solid"/>
+                    </a:lnT>
+                    <a:lnB w="12700" cmpd="sng">
+                      <a:noFill/>
+                      <a:prstDash val="solid"/>
+                    </a:lnB>
+                    <a:solidFill>
+                      <a:schemeClr val="bg1">
+                        <a:lumMod val="95000"/>
+                      </a:schemeClr>
+                    </a:solidFill>
+                  </a:tcPr>
+                </a:tc>
+                <a:tc>
+                  <a:txBody>
+                    <a:bodyPr/>
+                    <a:lstStyle/>
+                    <a:p>
+                      <a:pPr marL="0" marR="0">
+                        <a:spcBef>
+                          <a:spcPts val="0"/>
+                        </a:spcBef>
+                        <a:spcAft>
+                          <a:spcPts val="0"/>
+                        </a:spcAft>
+                      </a:pPr>
+                      <a:r>
+                        <a:rPr lang="en-US" sz="1400" cap="none" spc="0">
+                          <a:solidFill>
+                            <a:schemeClr val="tx1"/>
+                          </a:solidFill>
+                          <a:effectLst/>
+                          <a:latin typeface="Calibri" panose="020F0502020204030204" pitchFamily="34" charset="0"/>
+                        </a:rPr>
+                        <a:t>7710</a:t>
+                      </a:r>
+                      <a:endParaRPr lang="en-US" sz="1400" cap="none" spc="0">
+                        <a:solidFill>
+                          <a:schemeClr val="tx1"/>
+                        </a:solidFill>
+                        <a:effectLst/>
+                        <a:latin typeface="Times New Roman" panose="02020603050405020304" pitchFamily="18" charset="0"/>
+                      </a:endParaRPr>
+                    </a:p>
+                  </a:txBody>
+                  <a:tcPr marL="76929" marR="54949" marT="0" marB="109899">
+                    <a:lnL w="12700" cmpd="sng">
+                      <a:noFill/>
+                      <a:prstDash val="solid"/>
+                    </a:lnL>
+                    <a:lnR w="12700" cmpd="sng">
+                      <a:noFill/>
+                      <a:prstDash val="solid"/>
+                    </a:lnR>
+                    <a:lnT w="12700" cap="flat" cmpd="sng" algn="ctr">
+                      <a:solidFill>
+                        <a:schemeClr val="tx1"/>
+                      </a:solidFill>
+                      <a:prstDash val="solid"/>
+                    </a:lnT>
+                    <a:lnB w="12700" cmpd="sng">
+                      <a:noFill/>
+                      <a:prstDash val="solid"/>
+                    </a:lnB>
+                    <a:solidFill>
+                      <a:schemeClr val="bg1">
+                        <a:lumMod val="95000"/>
+                      </a:schemeClr>
+                    </a:solidFill>
+                  </a:tcPr>
+                </a:tc>
+                <a:tc>
+                  <a:txBody>
+                    <a:bodyPr/>
+                    <a:lstStyle/>
+                    <a:p>
+                      <a:pPr marL="0" marR="0">
+                        <a:spcBef>
+                          <a:spcPts val="0"/>
+                        </a:spcBef>
+                        <a:spcAft>
+                          <a:spcPts val="0"/>
+                        </a:spcAft>
+                      </a:pPr>
+                      <a:r>
+                        <a:rPr lang="en-US" sz="1400" cap="none" spc="0">
+                          <a:solidFill>
+                            <a:schemeClr val="tx1"/>
+                          </a:solidFill>
+                          <a:effectLst/>
+                          <a:latin typeface="Calibri" panose="020F0502020204030204" pitchFamily="34" charset="0"/>
+                        </a:rPr>
+                        <a:t>7870</a:t>
+                      </a:r>
+                      <a:endParaRPr lang="en-US" sz="1400" cap="none" spc="0">
+                        <a:solidFill>
+                          <a:schemeClr val="tx1"/>
+                        </a:solidFill>
+                        <a:effectLst/>
+                        <a:latin typeface="Times New Roman" panose="02020603050405020304" pitchFamily="18" charset="0"/>
+                      </a:endParaRPr>
+                    </a:p>
+                  </a:txBody>
+                  <a:tcPr marL="76929" marR="54949" marT="0" marB="109899">
+                    <a:lnL w="12700" cmpd="sng">
+                      <a:noFill/>
+                      <a:prstDash val="solid"/>
+                    </a:lnL>
+                    <a:lnR w="12700" cmpd="sng">
+                      <a:noFill/>
+                      <a:prstDash val="solid"/>
+                    </a:lnR>
+                    <a:lnT w="12700" cap="flat" cmpd="sng" algn="ctr">
+                      <a:solidFill>
+                        <a:schemeClr val="tx1"/>
+                      </a:solidFill>
+                      <a:prstDash val="solid"/>
+                    </a:lnT>
+                    <a:lnB w="12700" cmpd="sng">
+                      <a:noFill/>
+                      <a:prstDash val="solid"/>
+                    </a:lnB>
+                    <a:solidFill>
+                      <a:schemeClr val="bg1">
+                        <a:lumMod val="95000"/>
+                      </a:schemeClr>
+                    </a:solidFill>
+                  </a:tcPr>
+                </a:tc>
+                <a:extLst>
+                  <a:ext uri="{0D108BD9-81ED-4DB2-BD59-A6C34878D82A}">
+                    <a16:rowId xmlns:a16="http://schemas.microsoft.com/office/drawing/2014/main" val="2981180355"/>
+                  </a:ext>
+                </a:extLst>
+              </a:tr>
+              <a:tr h="400691">
+                <a:tc>
+                  <a:txBody>
+                    <a:bodyPr/>
+                    <a:lstStyle/>
+                    <a:p>
+                      <a:r>
+                        <a:rPr lang="en-US" sz="1400" cap="none" spc="0">
+                          <a:solidFill>
+                            <a:schemeClr val="tx1"/>
+                          </a:solidFill>
+                        </a:rPr>
+                        <a:t>Range 6</a:t>
+                      </a:r>
+                    </a:p>
+                  </a:txBody>
+                  <a:tcPr marL="76929" marR="54949" marT="40804" marB="109899">
+                    <a:lnL w="12700" cmpd="sng">
+                      <a:noFill/>
+                      <a:prstDash val="solid"/>
+                    </a:lnL>
+                    <a:lnR w="12700" cmpd="sng">
+                      <a:noFill/>
+                      <a:prstDash val="solid"/>
+                    </a:lnR>
+                    <a:lnT w="12700" cmpd="sng">
+                      <a:noFill/>
+                      <a:prstDash val="solid"/>
+                    </a:lnT>
+                    <a:lnB w="12700" cap="flat" cmpd="sng" algn="ctr">
+                      <a:solidFill>
+                        <a:schemeClr val="tx1"/>
+                      </a:solidFill>
+                      <a:prstDash val="solid"/>
+                    </a:lnB>
+                    <a:noFill/>
+                  </a:tcPr>
+                </a:tc>
+                <a:tc>
+                  <a:txBody>
+                    <a:bodyPr/>
+                    <a:lstStyle/>
+                    <a:p>
+                      <a:pPr marL="0" marR="0">
+                        <a:spcBef>
+                          <a:spcPts val="0"/>
+                        </a:spcBef>
+                        <a:spcAft>
+                          <a:spcPts val="0"/>
+                        </a:spcAft>
+                      </a:pPr>
+                      <a:r>
+                        <a:rPr lang="en-US" sz="1400" cap="none" spc="0">
+                          <a:solidFill>
+                            <a:schemeClr val="tx1"/>
+                          </a:solidFill>
+                          <a:effectLst/>
+                          <a:latin typeface="Calibri" panose="020F0502020204030204" pitchFamily="34" charset="0"/>
+                        </a:rPr>
+                        <a:t>9230</a:t>
+                      </a:r>
+                      <a:endParaRPr lang="en-US" sz="1400" cap="none" spc="0">
+                        <a:solidFill>
+                          <a:schemeClr val="tx1"/>
+                        </a:solidFill>
+                        <a:effectLst/>
+                        <a:latin typeface="Times New Roman" panose="02020603050405020304" pitchFamily="18" charset="0"/>
+                      </a:endParaRPr>
+                    </a:p>
+                  </a:txBody>
+                  <a:tcPr marL="76929" marR="54949" marT="0" marB="109899">
+                    <a:lnL w="12700" cmpd="sng">
+                      <a:noFill/>
+                      <a:prstDash val="solid"/>
+                    </a:lnL>
+                    <a:lnR w="12700" cmpd="sng">
+                      <a:noFill/>
+                      <a:prstDash val="solid"/>
+                    </a:lnR>
+                    <a:lnT w="12700" cmpd="sng">
+                      <a:noFill/>
+                      <a:prstDash val="solid"/>
+                    </a:lnT>
+                    <a:lnB w="12700" cap="flat" cmpd="sng" algn="ctr">
+                      <a:solidFill>
+                        <a:schemeClr val="tx1"/>
+                      </a:solidFill>
+                      <a:prstDash val="solid"/>
+                    </a:lnB>
+                    <a:noFill/>
+                  </a:tcPr>
+                </a:tc>
+                <a:tc>
+                  <a:txBody>
+                    <a:bodyPr/>
+                    <a:lstStyle/>
+                    <a:p>
+                      <a:pPr marL="0" marR="0">
+                        <a:spcBef>
+                          <a:spcPts val="0"/>
+                        </a:spcBef>
+                        <a:spcAft>
+                          <a:spcPts val="0"/>
+                        </a:spcAft>
+                      </a:pPr>
+                      <a:r>
+                        <a:rPr lang="en-US" sz="1400" cap="none" spc="0">
+                          <a:solidFill>
+                            <a:schemeClr val="tx1"/>
+                          </a:solidFill>
+                          <a:effectLst/>
+                          <a:latin typeface="Calibri" panose="020F0502020204030204" pitchFamily="34" charset="0"/>
+                        </a:rPr>
+                        <a:t>25000</a:t>
+                      </a:r>
+                      <a:endParaRPr lang="en-US" sz="1400" cap="none" spc="0">
+                        <a:solidFill>
+                          <a:schemeClr val="tx1"/>
+                        </a:solidFill>
+                        <a:effectLst/>
+                        <a:latin typeface="Times New Roman" panose="02020603050405020304" pitchFamily="18" charset="0"/>
+                      </a:endParaRPr>
+                    </a:p>
+                  </a:txBody>
+                  <a:tcPr marL="76929" marR="54949" marT="0" marB="109899">
+                    <a:lnL w="12700" cmpd="sng">
+                      <a:noFill/>
+                      <a:prstDash val="solid"/>
+                    </a:lnL>
+                    <a:lnR w="12700" cmpd="sng">
+                      <a:noFill/>
+                      <a:prstDash val="solid"/>
+                    </a:lnR>
+                    <a:lnT w="12700" cmpd="sng">
+                      <a:noFill/>
+                      <a:prstDash val="solid"/>
+                    </a:lnT>
+                    <a:lnB w="12700" cap="flat" cmpd="sng" algn="ctr">
+                      <a:solidFill>
+                        <a:schemeClr val="tx1"/>
+                      </a:solidFill>
+                      <a:prstDash val="solid"/>
+                    </a:lnB>
+                    <a:noFill/>
+                  </a:tcPr>
+                </a:tc>
+                <a:tc>
+                  <a:txBody>
+                    <a:bodyPr/>
+                    <a:lstStyle/>
+                    <a:p>
+                      <a:pPr marL="0" marR="0">
+                        <a:spcBef>
+                          <a:spcPts val="0"/>
+                        </a:spcBef>
+                        <a:spcAft>
+                          <a:spcPts val="0"/>
+                        </a:spcAft>
+                      </a:pPr>
+                      <a:r>
+                        <a:rPr lang="en-US" sz="1400" cap="none" spc="0">
+                          <a:solidFill>
+                            <a:schemeClr val="tx1"/>
+                          </a:solidFill>
+                          <a:effectLst/>
+                          <a:latin typeface="Calibri" panose="020F0502020204030204" pitchFamily="34" charset="0"/>
+                        </a:rPr>
+                        <a:t>11420</a:t>
+                      </a:r>
+                      <a:endParaRPr lang="en-US" sz="1400" cap="none" spc="0">
+                        <a:solidFill>
+                          <a:schemeClr val="tx1"/>
+                        </a:solidFill>
+                        <a:effectLst/>
+                        <a:latin typeface="Times New Roman" panose="02020603050405020304" pitchFamily="18" charset="0"/>
+                      </a:endParaRPr>
+                    </a:p>
+                  </a:txBody>
+                  <a:tcPr marL="76929" marR="54949" marT="0" marB="109899">
+                    <a:lnL w="12700" cmpd="sng">
+                      <a:noFill/>
+                      <a:prstDash val="solid"/>
+                    </a:lnL>
+                    <a:lnR w="12700" cmpd="sng">
+                      <a:noFill/>
+                      <a:prstDash val="solid"/>
+                    </a:lnR>
+                    <a:lnT w="12700" cmpd="sng">
+                      <a:noFill/>
+                      <a:prstDash val="solid"/>
+                    </a:lnT>
+                    <a:lnB w="12700" cap="flat" cmpd="sng" algn="ctr">
+                      <a:solidFill>
+                        <a:schemeClr val="tx1"/>
+                      </a:solidFill>
+                      <a:prstDash val="solid"/>
+                    </a:lnB>
+                    <a:noFill/>
+                  </a:tcPr>
+                </a:tc>
+                <a:tc>
+                  <a:txBody>
+                    <a:bodyPr/>
+                    <a:lstStyle/>
+                    <a:p>
+                      <a:pPr marL="0" marR="0">
+                        <a:spcBef>
+                          <a:spcPts val="0"/>
+                        </a:spcBef>
+                        <a:spcAft>
+                          <a:spcPts val="0"/>
+                        </a:spcAft>
+                      </a:pPr>
+                      <a:r>
+                        <a:rPr lang="en-US" sz="1400" cap="none" spc="0">
+                          <a:solidFill>
+                            <a:schemeClr val="tx1"/>
+                          </a:solidFill>
+                          <a:effectLst/>
+                          <a:latin typeface="Calibri" panose="020F0502020204030204" pitchFamily="34" charset="0"/>
+                        </a:rPr>
+                        <a:t>11930</a:t>
+                      </a:r>
+                      <a:endParaRPr lang="en-US" sz="1400" cap="none" spc="0">
+                        <a:solidFill>
+                          <a:schemeClr val="tx1"/>
+                        </a:solidFill>
+                        <a:effectLst/>
+                        <a:latin typeface="Times New Roman" panose="02020603050405020304" pitchFamily="18" charset="0"/>
+                      </a:endParaRPr>
+                    </a:p>
+                  </a:txBody>
+                  <a:tcPr marL="76929" marR="54949" marT="0" marB="109899">
+                    <a:lnL w="12700" cmpd="sng">
+                      <a:noFill/>
+                      <a:prstDash val="solid"/>
+                    </a:lnL>
+                    <a:lnR w="12700" cmpd="sng">
+                      <a:noFill/>
+                      <a:prstDash val="solid"/>
+                    </a:lnR>
+                    <a:lnT w="12700" cmpd="sng">
+                      <a:noFill/>
+                      <a:prstDash val="solid"/>
+                    </a:lnT>
+                    <a:lnB w="12700" cap="flat" cmpd="sng" algn="ctr">
+                      <a:solidFill>
+                        <a:schemeClr val="tx1"/>
+                      </a:solidFill>
+                      <a:prstDash val="solid"/>
+                    </a:lnB>
+                    <a:noFill/>
+                  </a:tcPr>
+                </a:tc>
+                <a:extLst>
+                  <a:ext uri="{0D108BD9-81ED-4DB2-BD59-A6C34878D82A}">
+                    <a16:rowId xmlns:a16="http://schemas.microsoft.com/office/drawing/2014/main" val="2753161582"/>
+                  </a:ext>
+                </a:extLst>
+              </a:tr>
+              <a:tr h="400691">
+                <a:tc>
+                  <a:txBody>
+                    <a:bodyPr/>
+                    <a:lstStyle/>
+                    <a:p>
+                      <a:r>
+                        <a:rPr lang="en-US" sz="1400" cap="none" spc="0">
+                          <a:solidFill>
+                            <a:schemeClr val="tx1"/>
+                          </a:solidFill>
+                        </a:rPr>
+                        <a:t>Range 7</a:t>
+                      </a:r>
+                    </a:p>
+                  </a:txBody>
+                  <a:tcPr marL="76929" marR="54949" marT="40804" marB="109899">
+                    <a:lnL w="12700" cmpd="sng">
+                      <a:noFill/>
+                      <a:prstDash val="solid"/>
+                    </a:lnL>
+                    <a:lnR w="12700" cmpd="sng">
+                      <a:noFill/>
+                      <a:prstDash val="solid"/>
+                    </a:lnR>
+                    <a:lnT w="12700" cap="flat" cmpd="sng" algn="ctr">
+                      <a:solidFill>
+                        <a:schemeClr val="tx1"/>
+                      </a:solidFill>
+                      <a:prstDash val="solid"/>
+                    </a:lnT>
+                    <a:lnB w="12700" cmpd="sng">
+                      <a:noFill/>
+                      <a:prstDash val="solid"/>
+                    </a:lnB>
+                    <a:solidFill>
+                      <a:schemeClr val="bg1">
+                        <a:lumMod val="95000"/>
+                      </a:schemeClr>
+                    </a:solidFill>
+                  </a:tcPr>
+                </a:tc>
+                <a:tc>
+                  <a:txBody>
+                    <a:bodyPr/>
+                    <a:lstStyle/>
+                    <a:p>
+                      <a:pPr marL="0" marR="0">
+                        <a:spcBef>
+                          <a:spcPts val="0"/>
+                        </a:spcBef>
+                        <a:spcAft>
+                          <a:spcPts val="0"/>
+                        </a:spcAft>
+                      </a:pPr>
+                      <a:r>
+                        <a:rPr lang="en-US" sz="1400" b="1" cap="none" spc="0">
+                          <a:solidFill>
+                            <a:schemeClr val="tx1"/>
+                          </a:solidFill>
+                          <a:effectLst/>
+                          <a:latin typeface="Calibri" panose="020F0502020204030204" pitchFamily="34" charset="0"/>
+                        </a:rPr>
+                        <a:t>35000</a:t>
+                      </a:r>
+                      <a:endParaRPr lang="en-US" sz="1400" cap="none" spc="0">
+                        <a:solidFill>
+                          <a:schemeClr val="tx1"/>
+                        </a:solidFill>
+                        <a:effectLst/>
+                        <a:latin typeface="Times New Roman" panose="02020603050405020304" pitchFamily="18" charset="0"/>
+                      </a:endParaRPr>
+                    </a:p>
+                  </a:txBody>
+                  <a:tcPr marL="76929" marR="54949" marT="0" marB="109899">
+                    <a:lnL w="12700" cmpd="sng">
+                      <a:noFill/>
+                      <a:prstDash val="solid"/>
+                    </a:lnL>
+                    <a:lnR w="12700" cmpd="sng">
+                      <a:noFill/>
+                      <a:prstDash val="solid"/>
+                    </a:lnR>
+                    <a:lnT w="12700" cap="flat" cmpd="sng" algn="ctr">
+                      <a:solidFill>
+                        <a:schemeClr val="tx1"/>
+                      </a:solidFill>
+                      <a:prstDash val="solid"/>
+                    </a:lnT>
+                    <a:lnB w="12700" cmpd="sng">
+                      <a:noFill/>
+                      <a:prstDash val="solid"/>
+                    </a:lnB>
+                    <a:solidFill>
+                      <a:schemeClr val="bg1">
+                        <a:lumMod val="95000"/>
+                      </a:schemeClr>
+                    </a:solidFill>
+                  </a:tcPr>
+                </a:tc>
+                <a:tc>
+                  <a:txBody>
+                    <a:bodyPr/>
+                    <a:lstStyle/>
+                    <a:p>
+                      <a:pPr marL="0" marR="0">
+                        <a:spcBef>
+                          <a:spcPts val="0"/>
+                        </a:spcBef>
+                        <a:spcAft>
+                          <a:spcPts val="0"/>
+                        </a:spcAft>
+                      </a:pPr>
+                      <a:r>
+                        <a:rPr lang="en-US" sz="1400" cap="none" spc="0">
+                          <a:solidFill>
+                            <a:schemeClr val="tx1"/>
+                          </a:solidFill>
+                          <a:effectLst/>
+                          <a:latin typeface="Calibri" panose="020F0502020204030204" pitchFamily="34" charset="0"/>
+                        </a:rPr>
+                        <a:t>N.A.</a:t>
+                      </a:r>
+                      <a:endParaRPr lang="en-US" sz="1400" cap="none" spc="0">
+                        <a:solidFill>
+                          <a:schemeClr val="tx1"/>
+                        </a:solidFill>
+                        <a:effectLst/>
+                        <a:latin typeface="Times New Roman" panose="02020603050405020304" pitchFamily="18" charset="0"/>
+                      </a:endParaRPr>
+                    </a:p>
+                  </a:txBody>
+                  <a:tcPr marL="76929" marR="54949" marT="0" marB="109899">
+                    <a:lnL w="12700" cmpd="sng">
+                      <a:noFill/>
+                      <a:prstDash val="solid"/>
+                    </a:lnL>
+                    <a:lnR w="12700" cmpd="sng">
+                      <a:noFill/>
+                      <a:prstDash val="solid"/>
+                    </a:lnR>
+                    <a:lnT w="12700" cap="flat" cmpd="sng" algn="ctr">
+                      <a:solidFill>
+                        <a:schemeClr val="tx1"/>
+                      </a:solidFill>
+                      <a:prstDash val="solid"/>
+                    </a:lnT>
+                    <a:lnB w="12700" cmpd="sng">
+                      <a:noFill/>
+                      <a:prstDash val="solid"/>
+                    </a:lnB>
+                    <a:solidFill>
+                      <a:schemeClr val="bg1">
+                        <a:lumMod val="95000"/>
+                      </a:schemeClr>
+                    </a:solidFill>
+                  </a:tcPr>
+                </a:tc>
+                <a:tc>
+                  <a:txBody>
+                    <a:bodyPr/>
+                    <a:lstStyle/>
+                    <a:p>
+                      <a:pPr marL="0" marR="0">
+                        <a:spcBef>
+                          <a:spcPts val="0"/>
+                        </a:spcBef>
+                        <a:spcAft>
+                          <a:spcPts val="0"/>
+                        </a:spcAft>
+                      </a:pPr>
+                      <a:r>
+                        <a:rPr lang="en-US" sz="1400" b="1" cap="none" spc="0">
+                          <a:solidFill>
+                            <a:schemeClr val="tx1"/>
+                          </a:solidFill>
+                          <a:effectLst/>
+                          <a:latin typeface="Calibri" panose="020F0502020204030204" pitchFamily="34" charset="0"/>
+                        </a:rPr>
+                        <a:t>80000</a:t>
+                      </a:r>
+                      <a:endParaRPr lang="en-US" sz="1400" cap="none" spc="0">
+                        <a:solidFill>
+                          <a:schemeClr val="tx1"/>
+                        </a:solidFill>
+                        <a:effectLst/>
+                        <a:latin typeface="Times New Roman" panose="02020603050405020304" pitchFamily="18" charset="0"/>
+                      </a:endParaRPr>
+                    </a:p>
+                  </a:txBody>
+                  <a:tcPr marL="76929" marR="54949" marT="0" marB="109899">
+                    <a:lnL w="12700" cmpd="sng">
+                      <a:noFill/>
+                      <a:prstDash val="solid"/>
+                    </a:lnL>
+                    <a:lnR w="12700" cmpd="sng">
+                      <a:noFill/>
+                      <a:prstDash val="solid"/>
+                    </a:lnR>
+                    <a:lnT w="12700" cap="flat" cmpd="sng" algn="ctr">
+                      <a:solidFill>
+                        <a:schemeClr val="tx1"/>
+                      </a:solidFill>
+                      <a:prstDash val="solid"/>
+                    </a:lnT>
+                    <a:lnB w="12700" cmpd="sng">
+                      <a:noFill/>
+                      <a:prstDash val="solid"/>
+                    </a:lnB>
+                    <a:solidFill>
+                      <a:schemeClr val="bg1">
+                        <a:lumMod val="95000"/>
+                      </a:schemeClr>
+                    </a:solidFill>
+                  </a:tcPr>
+                </a:tc>
+                <a:tc>
+                  <a:txBody>
+                    <a:bodyPr/>
+                    <a:lstStyle/>
+                    <a:p>
+                      <a:pPr marL="0" marR="0">
+                        <a:spcBef>
+                          <a:spcPts val="0"/>
+                        </a:spcBef>
+                        <a:spcAft>
+                          <a:spcPts val="0"/>
+                        </a:spcAft>
+                      </a:pPr>
+                      <a:r>
+                        <a:rPr lang="en-US" sz="1400" cap="none" spc="0" dirty="0">
+                          <a:solidFill>
+                            <a:schemeClr val="tx1"/>
+                          </a:solidFill>
+                          <a:effectLst/>
+                          <a:latin typeface="Calibri" panose="020F0502020204030204" pitchFamily="34" charset="0"/>
+                        </a:rPr>
+                        <a:t>N.A.</a:t>
+                      </a:r>
+                      <a:endParaRPr lang="en-US" sz="1400" cap="none" spc="0" dirty="0">
+                        <a:solidFill>
+                          <a:schemeClr val="tx1"/>
+                        </a:solidFill>
+                        <a:effectLst/>
+                        <a:latin typeface="Times New Roman" panose="02020603050405020304" pitchFamily="18" charset="0"/>
+                      </a:endParaRPr>
+                    </a:p>
+                  </a:txBody>
+                  <a:tcPr marL="76929" marR="54949" marT="0" marB="109899">
+                    <a:lnL w="12700" cmpd="sng">
+                      <a:noFill/>
+                      <a:prstDash val="solid"/>
+                    </a:lnL>
+                    <a:lnR w="12700" cmpd="sng">
+                      <a:noFill/>
+                      <a:prstDash val="solid"/>
+                    </a:lnR>
+                    <a:lnT w="12700" cap="flat" cmpd="sng" algn="ctr">
+                      <a:solidFill>
+                        <a:schemeClr val="tx1"/>
+                      </a:solidFill>
+                      <a:prstDash val="solid"/>
+                    </a:lnT>
+                    <a:lnB w="12700" cmpd="sng">
+                      <a:noFill/>
+                      <a:prstDash val="solid"/>
+                    </a:lnB>
+                    <a:solidFill>
+                      <a:schemeClr val="bg1">
+                        <a:lumMod val="95000"/>
+                      </a:schemeClr>
+                    </a:solidFill>
+                  </a:tcPr>
+                </a:tc>
+                <a:extLst>
+                  <a:ext uri="{0D108BD9-81ED-4DB2-BD59-A6C34878D82A}">
+                    <a16:rowId xmlns:a16="http://schemas.microsoft.com/office/drawing/2014/main" val="1613740538"/>
+                  </a:ext>
+                </a:extLst>
+              </a:tr>
+            </a:tbl>
+          </a:graphicData>
+        </a:graphic>
+      </p:graphicFrame>
+    </p:spTree>
+    <p:extLst>
+      <p:ext uri="{BB962C8B-B14F-4D97-AF65-F5344CB8AC3E}">
+        <p14:creationId xmlns:p14="http://schemas.microsoft.com/office/powerpoint/2010/main" val="1239001556"/>
+      </p:ext>
+    </p:extLst>
+  </p:cSld>
+  <p:clrMapOvr>
+    <a:masterClrMapping/>
+  </p:clrMapOvr>
+</p:sld>
+</file>
+
 <file path=ppt/theme/theme1.xml><?xml version="1.0" encoding="utf-8"?>
 <a:theme xmlns:a="http://schemas.openxmlformats.org/drawingml/2006/main" name="Office Theme">
   <a:themeElements>

--- a/presentations/Updates 7-6-20.pptx
+++ b/presentations/Updates 7-6-20.pptx
@@ -5,7 +5,7 @@
     <p:sldMasterId id="2147483648" r:id="rId1"/>
   </p:sldMasterIdLst>
   <p:notesMasterIdLst>
-    <p:notesMasterId r:id="rId11"/>
+    <p:notesMasterId r:id="rId12"/>
   </p:notesMasterIdLst>
   <p:sldIdLst>
     <p:sldId id="256" r:id="rId2"/>
@@ -16,7 +16,8 @@
     <p:sldId id="262" r:id="rId7"/>
     <p:sldId id="263" r:id="rId8"/>
     <p:sldId id="258" r:id="rId9"/>
-    <p:sldId id="264" r:id="rId10"/>
+    <p:sldId id="265" r:id="rId10"/>
+    <p:sldId id="264" r:id="rId11"/>
   </p:sldIdLst>
   <p:sldSz cx="12192000" cy="6858000"/>
   <p:notesSz cx="6858000" cy="9144000"/>
@@ -126,7 +127,7 @@
 <file path=ppt/revisionInfo.xml><?xml version="1.0" encoding="utf-8"?>
 <p1510:revInfo xmlns:a="http://schemas.openxmlformats.org/drawingml/2006/main" xmlns:r="http://schemas.openxmlformats.org/officeDocument/2006/relationships" xmlns:p1510="http://schemas.microsoft.com/office/powerpoint/2015/10/main">
   <p1510:revLst>
-    <p1510:client id="{E797F88B-A9F5-254F-8DD2-59C20A36120C}" v="15" dt="2020-07-06T13:28:17.888"/>
+    <p1510:client id="{E797F88B-A9F5-254F-8DD2-59C20A36120C}" v="16" dt="2020-07-07T01:51:24.918"/>
   </p1510:revLst>
 </p1510:revInfo>
 </file>
@@ -136,10 +137,25 @@
   <pc:docChgLst>
     <pc:chgData name="Akash Levy" userId="0f662538-7453-45f3-952a-fc9f1a7c515e" providerId="ADAL" clId="{E797F88B-A9F5-254F-8DD2-59C20A36120C}"/>
     <pc:docChg chg="undo custSel mod addSld modSld">
-      <pc:chgData name="Akash Levy" userId="0f662538-7453-45f3-952a-fc9f1a7c515e" providerId="ADAL" clId="{E797F88B-A9F5-254F-8DD2-59C20A36120C}" dt="2020-07-06T13:31:16.467" v="131" actId="26606"/>
+      <pc:chgData name="Akash Levy" userId="0f662538-7453-45f3-952a-fc9f1a7c515e" providerId="ADAL" clId="{E797F88B-A9F5-254F-8DD2-59C20A36120C}" dt="2020-07-07T02:05:37.810" v="1090" actId="26606"/>
       <pc:docMkLst>
         <pc:docMk/>
       </pc:docMkLst>
+      <pc:sldChg chg="modSp">
+        <pc:chgData name="Akash Levy" userId="0f662538-7453-45f3-952a-fc9f1a7c515e" providerId="ADAL" clId="{E797F88B-A9F5-254F-8DD2-59C20A36120C}" dt="2020-07-07T02:01:11.509" v="1065" actId="12"/>
+        <pc:sldMkLst>
+          <pc:docMk/>
+          <pc:sldMk cId="3927396131" sldId="258"/>
+        </pc:sldMkLst>
+        <pc:spChg chg="mod">
+          <ac:chgData name="Akash Levy" userId="0f662538-7453-45f3-952a-fc9f1a7c515e" providerId="ADAL" clId="{E797F88B-A9F5-254F-8DD2-59C20A36120C}" dt="2020-07-07T02:01:11.509" v="1065" actId="12"/>
+          <ac:spMkLst>
+            <pc:docMk/>
+            <pc:sldMk cId="3927396131" sldId="258"/>
+            <ac:spMk id="3" creationId="{CFF68ACC-E8B3-5F4D-B4CB-0A1FAAF5D418}"/>
+          </ac:spMkLst>
+        </pc:spChg>
+      </pc:sldChg>
       <pc:sldChg chg="addSp delSp modSp add mod setBg">
         <pc:chgData name="Akash Levy" userId="0f662538-7453-45f3-952a-fc9f1a7c515e" providerId="ADAL" clId="{E797F88B-A9F5-254F-8DD2-59C20A36120C}" dt="2020-07-06T13:31:16.467" v="131" actId="26606"/>
         <pc:sldMkLst>
@@ -402,6 +418,213 @@
             <ac:cxnSpMk id="64" creationId="{AD7193FB-6AE6-4B3B-8F89-56B55DD63B4D}"/>
           </ac:cxnSpMkLst>
         </pc:cxnChg>
+      </pc:sldChg>
+      <pc:sldChg chg="addSp delSp modSp add mod setBg setClrOvrMap">
+        <pc:chgData name="Akash Levy" userId="0f662538-7453-45f3-952a-fc9f1a7c515e" providerId="ADAL" clId="{E797F88B-A9F5-254F-8DD2-59C20A36120C}" dt="2020-07-07T02:05:37.810" v="1090" actId="26606"/>
+        <pc:sldMkLst>
+          <pc:docMk/>
+          <pc:sldMk cId="2293411437" sldId="265"/>
+        </pc:sldMkLst>
+        <pc:spChg chg="mod">
+          <ac:chgData name="Akash Levy" userId="0f662538-7453-45f3-952a-fc9f1a7c515e" providerId="ADAL" clId="{E797F88B-A9F5-254F-8DD2-59C20A36120C}" dt="2020-07-07T02:05:37.798" v="1089" actId="26606"/>
+          <ac:spMkLst>
+            <pc:docMk/>
+            <pc:sldMk cId="2293411437" sldId="265"/>
+            <ac:spMk id="2" creationId="{370C27F1-C35B-0641-A450-4533A639F3DF}"/>
+          </ac:spMkLst>
+        </pc:spChg>
+        <pc:spChg chg="mod">
+          <ac:chgData name="Akash Levy" userId="0f662538-7453-45f3-952a-fc9f1a7c515e" providerId="ADAL" clId="{E797F88B-A9F5-254F-8DD2-59C20A36120C}" dt="2020-07-07T02:05:37.798" v="1089" actId="26606"/>
+          <ac:spMkLst>
+            <pc:docMk/>
+            <pc:sldMk cId="2293411437" sldId="265"/>
+            <ac:spMk id="3" creationId="{D69EBF4F-AC03-8248-A8A0-FD76060A7F96}"/>
+          </ac:spMkLst>
+        </pc:spChg>
+        <pc:spChg chg="add del">
+          <ac:chgData name="Akash Levy" userId="0f662538-7453-45f3-952a-fc9f1a7c515e" providerId="ADAL" clId="{E797F88B-A9F5-254F-8DD2-59C20A36120C}" dt="2020-07-07T02:05:37.810" v="1090" actId="26606"/>
+          <ac:spMkLst>
+            <pc:docMk/>
+            <pc:sldMk cId="2293411437" sldId="265"/>
+            <ac:spMk id="8" creationId="{33CD251C-A887-4D2F-925B-FC097198538B}"/>
+          </ac:spMkLst>
+        </pc:spChg>
+        <pc:spChg chg="add del">
+          <ac:chgData name="Akash Levy" userId="0f662538-7453-45f3-952a-fc9f1a7c515e" providerId="ADAL" clId="{E797F88B-A9F5-254F-8DD2-59C20A36120C}" dt="2020-07-07T02:05:01.488" v="1072" actId="26606"/>
+          <ac:spMkLst>
+            <pc:docMk/>
+            <pc:sldMk cId="2293411437" sldId="265"/>
+            <ac:spMk id="9" creationId="{28FF88A3-8EBC-4142-8CC2-EBE257ED6C90}"/>
+          </ac:spMkLst>
+        </pc:spChg>
+        <pc:spChg chg="add del">
+          <ac:chgData name="Akash Levy" userId="0f662538-7453-45f3-952a-fc9f1a7c515e" providerId="ADAL" clId="{E797F88B-A9F5-254F-8DD2-59C20A36120C}" dt="2020-07-07T02:05:37.810" v="1090" actId="26606"/>
+          <ac:spMkLst>
+            <pc:docMk/>
+            <pc:sldMk cId="2293411437" sldId="265"/>
+            <ac:spMk id="10" creationId="{B19D093C-27FB-4032-B282-42C4563F257C}"/>
+          </ac:spMkLst>
+        </pc:spChg>
+        <pc:spChg chg="add del">
+          <ac:chgData name="Akash Levy" userId="0f662538-7453-45f3-952a-fc9f1a7c515e" providerId="ADAL" clId="{E797F88B-A9F5-254F-8DD2-59C20A36120C}" dt="2020-07-07T02:05:33.585" v="1083" actId="26606"/>
+          <ac:spMkLst>
+            <pc:docMk/>
+            <pc:sldMk cId="2293411437" sldId="265"/>
+            <ac:spMk id="20" creationId="{33CD251C-A887-4D2F-925B-FC097198538B}"/>
+          </ac:spMkLst>
+        </pc:spChg>
+        <pc:spChg chg="add del">
+          <ac:chgData name="Akash Levy" userId="0f662538-7453-45f3-952a-fc9f1a7c515e" providerId="ADAL" clId="{E797F88B-A9F5-254F-8DD2-59C20A36120C}" dt="2020-07-07T02:05:33.585" v="1083" actId="26606"/>
+          <ac:spMkLst>
+            <pc:docMk/>
+            <pc:sldMk cId="2293411437" sldId="265"/>
+            <ac:spMk id="22" creationId="{B19D093C-27FB-4032-B282-42C4563F257C}"/>
+          </ac:spMkLst>
+        </pc:spChg>
+        <pc:spChg chg="add del">
+          <ac:chgData name="Akash Levy" userId="0f662538-7453-45f3-952a-fc9f1a7c515e" providerId="ADAL" clId="{E797F88B-A9F5-254F-8DD2-59C20A36120C}" dt="2020-07-07T02:05:34.210" v="1085" actId="26606"/>
+          <ac:spMkLst>
+            <pc:docMk/>
+            <pc:sldMk cId="2293411437" sldId="265"/>
+            <ac:spMk id="28" creationId="{33CD251C-A887-4D2F-925B-FC097198538B}"/>
+          </ac:spMkLst>
+        </pc:spChg>
+        <pc:spChg chg="add del">
+          <ac:chgData name="Akash Levy" userId="0f662538-7453-45f3-952a-fc9f1a7c515e" providerId="ADAL" clId="{E797F88B-A9F5-254F-8DD2-59C20A36120C}" dt="2020-07-07T02:05:34.210" v="1085" actId="26606"/>
+          <ac:spMkLst>
+            <pc:docMk/>
+            <pc:sldMk cId="2293411437" sldId="265"/>
+            <ac:spMk id="29" creationId="{3B2069EE-A08E-44F0-B3F9-3CF8CC2DCAD5}"/>
+          </ac:spMkLst>
+        </pc:spChg>
+        <pc:spChg chg="add del">
+          <ac:chgData name="Akash Levy" userId="0f662538-7453-45f3-952a-fc9f1a7c515e" providerId="ADAL" clId="{E797F88B-A9F5-254F-8DD2-59C20A36120C}" dt="2020-07-07T02:05:36.775" v="1087" actId="26606"/>
+          <ac:spMkLst>
+            <pc:docMk/>
+            <pc:sldMk cId="2293411437" sldId="265"/>
+            <ac:spMk id="34" creationId="{33CD251C-A887-4D2F-925B-FC097198538B}"/>
+          </ac:spMkLst>
+        </pc:spChg>
+        <pc:spChg chg="add del">
+          <ac:chgData name="Akash Levy" userId="0f662538-7453-45f3-952a-fc9f1a7c515e" providerId="ADAL" clId="{E797F88B-A9F5-254F-8DD2-59C20A36120C}" dt="2020-07-07T02:05:36.775" v="1087" actId="26606"/>
+          <ac:spMkLst>
+            <pc:docMk/>
+            <pc:sldMk cId="2293411437" sldId="265"/>
+            <ac:spMk id="35" creationId="{B19D093C-27FB-4032-B282-42C4563F257C}"/>
+          </ac:spMkLst>
+        </pc:spChg>
+        <pc:spChg chg="add del">
+          <ac:chgData name="Akash Levy" userId="0f662538-7453-45f3-952a-fc9f1a7c515e" providerId="ADAL" clId="{E797F88B-A9F5-254F-8DD2-59C20A36120C}" dt="2020-07-07T02:05:37.798" v="1089" actId="26606"/>
+          <ac:spMkLst>
+            <pc:docMk/>
+            <pc:sldMk cId="2293411437" sldId="265"/>
+            <ac:spMk id="38" creationId="{C4E4288A-DFC8-40A2-90E5-70E851A933AD}"/>
+          </ac:spMkLst>
+        </pc:spChg>
+        <pc:spChg chg="add del">
+          <ac:chgData name="Akash Levy" userId="0f662538-7453-45f3-952a-fc9f1a7c515e" providerId="ADAL" clId="{E797F88B-A9F5-254F-8DD2-59C20A36120C}" dt="2020-07-07T02:05:37.798" v="1089" actId="26606"/>
+          <ac:spMkLst>
+            <pc:docMk/>
+            <pc:sldMk cId="2293411437" sldId="265"/>
+            <ac:spMk id="39" creationId="{9AD93FD3-7DF2-4DC8-BD55-8B2EB5F63F2A}"/>
+          </ac:spMkLst>
+        </pc:spChg>
+        <pc:spChg chg="add del">
+          <ac:chgData name="Akash Levy" userId="0f662538-7453-45f3-952a-fc9f1a7c515e" providerId="ADAL" clId="{E797F88B-A9F5-254F-8DD2-59C20A36120C}" dt="2020-07-07T02:05:37.798" v="1089" actId="26606"/>
+          <ac:spMkLst>
+            <pc:docMk/>
+            <pc:sldMk cId="2293411437" sldId="265"/>
+            <ac:spMk id="40" creationId="{956571CF-1434-4180-A385-D4AC63B6269D}"/>
+          </ac:spMkLst>
+        </pc:spChg>
+        <pc:spChg chg="add del">
+          <ac:chgData name="Akash Levy" userId="0f662538-7453-45f3-952a-fc9f1a7c515e" providerId="ADAL" clId="{E797F88B-A9F5-254F-8DD2-59C20A36120C}" dt="2020-07-07T02:05:37.798" v="1089" actId="26606"/>
+          <ac:spMkLst>
+            <pc:docMk/>
+            <pc:sldMk cId="2293411437" sldId="265"/>
+            <ac:spMk id="41" creationId="{19D0EF7D-8D7F-4A18-A68B-92E2D448730D}"/>
+          </ac:spMkLst>
+        </pc:spChg>
+        <pc:spChg chg="add">
+          <ac:chgData name="Akash Levy" userId="0f662538-7453-45f3-952a-fc9f1a7c515e" providerId="ADAL" clId="{E797F88B-A9F5-254F-8DD2-59C20A36120C}" dt="2020-07-07T02:05:37.810" v="1090" actId="26606"/>
+          <ac:spMkLst>
+            <pc:docMk/>
+            <pc:sldMk cId="2293411437" sldId="265"/>
+            <ac:spMk id="46" creationId="{33CD251C-A887-4D2F-925B-FC097198538B}"/>
+          </ac:spMkLst>
+        </pc:spChg>
+        <pc:spChg chg="add">
+          <ac:chgData name="Akash Levy" userId="0f662538-7453-45f3-952a-fc9f1a7c515e" providerId="ADAL" clId="{E797F88B-A9F5-254F-8DD2-59C20A36120C}" dt="2020-07-07T02:05:37.810" v="1090" actId="26606"/>
+          <ac:spMkLst>
+            <pc:docMk/>
+            <pc:sldMk cId="2293411437" sldId="265"/>
+            <ac:spMk id="47" creationId="{B19D093C-27FB-4032-B282-42C4563F257C}"/>
+          </ac:spMkLst>
+        </pc:spChg>
+        <pc:grpChg chg="add del">
+          <ac:chgData name="Akash Levy" userId="0f662538-7453-45f3-952a-fc9f1a7c515e" providerId="ADAL" clId="{E797F88B-A9F5-254F-8DD2-59C20A36120C}" dt="2020-07-07T02:05:37.810" v="1090" actId="26606"/>
+          <ac:grpSpMkLst>
+            <pc:docMk/>
+            <pc:sldMk cId="2293411437" sldId="265"/>
+            <ac:grpSpMk id="6" creationId="{35EE815E-1BD3-4777-B652-6D98825BF66B}"/>
+          </ac:grpSpMkLst>
+        </pc:grpChg>
+        <pc:grpChg chg="add del">
+          <ac:chgData name="Akash Levy" userId="0f662538-7453-45f3-952a-fc9f1a7c515e" providerId="ADAL" clId="{E797F88B-A9F5-254F-8DD2-59C20A36120C}" dt="2020-07-07T02:05:01.488" v="1072" actId="26606"/>
+          <ac:grpSpMkLst>
+            <pc:docMk/>
+            <pc:sldMk cId="2293411437" sldId="265"/>
+            <ac:grpSpMk id="11" creationId="{27D8A815-1B1F-4DB5-A03C-F4987CF0CB0F}"/>
+          </ac:grpSpMkLst>
+        </pc:grpChg>
+        <pc:grpChg chg="add del">
+          <ac:chgData name="Akash Levy" userId="0f662538-7453-45f3-952a-fc9f1a7c515e" providerId="ADAL" clId="{E797F88B-A9F5-254F-8DD2-59C20A36120C}" dt="2020-07-07T02:05:33.585" v="1083" actId="26606"/>
+          <ac:grpSpMkLst>
+            <pc:docMk/>
+            <pc:sldMk cId="2293411437" sldId="265"/>
+            <ac:grpSpMk id="24" creationId="{35EE815E-1BD3-4777-B652-6D98825BF66B}"/>
+          </ac:grpSpMkLst>
+        </pc:grpChg>
+        <pc:grpChg chg="add del">
+          <ac:chgData name="Akash Levy" userId="0f662538-7453-45f3-952a-fc9f1a7c515e" providerId="ADAL" clId="{E797F88B-A9F5-254F-8DD2-59C20A36120C}" dt="2020-07-07T02:05:34.210" v="1085" actId="26606"/>
+          <ac:grpSpMkLst>
+            <pc:docMk/>
+            <pc:sldMk cId="2293411437" sldId="265"/>
+            <ac:grpSpMk id="30" creationId="{E12BF2FB-8A96-4B53-86A0-04755C545EB8}"/>
+          </ac:grpSpMkLst>
+        </pc:grpChg>
+        <pc:grpChg chg="add del">
+          <ac:chgData name="Akash Levy" userId="0f662538-7453-45f3-952a-fc9f1a7c515e" providerId="ADAL" clId="{E797F88B-A9F5-254F-8DD2-59C20A36120C}" dt="2020-07-07T02:05:36.775" v="1087" actId="26606"/>
+          <ac:grpSpMkLst>
+            <pc:docMk/>
+            <pc:sldMk cId="2293411437" sldId="265"/>
+            <ac:grpSpMk id="36" creationId="{35EE815E-1BD3-4777-B652-6D98825BF66B}"/>
+          </ac:grpSpMkLst>
+        </pc:grpChg>
+        <pc:grpChg chg="add del">
+          <ac:chgData name="Akash Levy" userId="0f662538-7453-45f3-952a-fc9f1a7c515e" providerId="ADAL" clId="{E797F88B-A9F5-254F-8DD2-59C20A36120C}" dt="2020-07-07T02:05:37.798" v="1089" actId="26606"/>
+          <ac:grpSpMkLst>
+            <pc:docMk/>
+            <pc:sldMk cId="2293411437" sldId="265"/>
+            <ac:grpSpMk id="42" creationId="{C770F868-28FE-4B38-8FC7-E9C841B837FA}"/>
+          </ac:grpSpMkLst>
+        </pc:grpChg>
+        <pc:grpChg chg="add">
+          <ac:chgData name="Akash Levy" userId="0f662538-7453-45f3-952a-fc9f1a7c515e" providerId="ADAL" clId="{E797F88B-A9F5-254F-8DD2-59C20A36120C}" dt="2020-07-07T02:05:37.810" v="1090" actId="26606"/>
+          <ac:grpSpMkLst>
+            <pc:docMk/>
+            <pc:sldMk cId="2293411437" sldId="265"/>
+            <ac:grpSpMk id="48" creationId="{35EE815E-1BD3-4777-B652-6D98825BF66B}"/>
+          </ac:grpSpMkLst>
+        </pc:grpChg>
+        <pc:picChg chg="add del mod">
+          <ac:chgData name="Akash Levy" userId="0f662538-7453-45f3-952a-fc9f1a7c515e" providerId="ADAL" clId="{E797F88B-A9F5-254F-8DD2-59C20A36120C}" dt="2020-07-07T02:05:01.488" v="1072" actId="26606"/>
+          <ac:picMkLst>
+            <pc:docMk/>
+            <pc:sldMk cId="2293411437" sldId="265"/>
+            <ac:picMk id="5" creationId="{2FC3914E-DE92-4588-84AB-EF4294A9D574}"/>
+          </ac:picMkLst>
+        </pc:picChg>
       </pc:sldChg>
     </pc:docChg>
   </pc:docChgLst>
@@ -3765,7 +3988,7 @@
           <a:p>
             <a:fld id="{09A6E6B1-B3F9-644F-AD5C-8419975A7429}" type="slidenum">
               <a:rPr lang="en-US" smtClean="0"/>
-              <a:t>9</a:t>
+              <a:t>10</a:t>
             </a:fld>
             <a:endParaRPr lang="en-US"/>
           </a:p>
@@ -8174,6 +8397,2685 @@
 </p:sld>
 </file>
 
+<file path=ppt/slides/slide10.xml><?xml version="1.0" encoding="utf-8"?>
+<p:sld xmlns:a="http://schemas.openxmlformats.org/drawingml/2006/main" xmlns:r="http://schemas.openxmlformats.org/officeDocument/2006/relationships" xmlns:p="http://schemas.openxmlformats.org/presentationml/2006/main">
+  <p:cSld>
+    <p:bg>
+      <p:bgPr>
+        <a:solidFill>
+          <a:schemeClr val="bg1"/>
+        </a:solidFill>
+        <a:effectLst/>
+      </p:bgPr>
+    </p:bg>
+    <p:spTree>
+      <p:nvGrpSpPr>
+        <p:cNvPr id="1" name=""/>
+        <p:cNvGrpSpPr/>
+        <p:nvPr/>
+      </p:nvGrpSpPr>
+      <p:grpSpPr>
+        <a:xfrm>
+          <a:off x="0" y="0"/>
+          <a:ext cx="0" cy="0"/>
+          <a:chOff x="0" y="0"/>
+          <a:chExt cx="0" cy="0"/>
+        </a:xfrm>
+      </p:grpSpPr>
+      <p:sp>
+        <p:nvSpPr>
+          <p:cNvPr id="78" name="Rectangle 75">
+            <a:extLst>
+              <a:ext uri="{FF2B5EF4-FFF2-40B4-BE49-F238E27FC236}">
+                <a16:creationId xmlns:a16="http://schemas.microsoft.com/office/drawing/2014/main" id="{A4AC5506-6312-4701-8D3C-40187889A947}"/>
+              </a:ext>
+              <a:ext uri="{C183D7F6-B498-43B3-948B-1728B52AA6E4}">
+                <adec:decorative xmlns:adec="http://schemas.microsoft.com/office/drawing/2017/decorative" val="1"/>
+              </a:ext>
+            </a:extLst>
+          </p:cNvPr>
+          <p:cNvSpPr>
+            <a:spLocks noGrp="1" noRot="1" noChangeAspect="1" noMove="1" noResize="1" noEditPoints="1" noAdjustHandles="1" noChangeArrowheads="1" noChangeShapeType="1" noTextEdit="1"/>
+          </p:cNvSpPr>
+          <p:nvPr>
+            <p:extLst>
+              <p:ext uri="{386F3935-93C4-4BCD-93E2-E3B085C9AB24}">
+                <p16:designElem xmlns:p16="http://schemas.microsoft.com/office/powerpoint/2015/main" val="1"/>
+              </p:ext>
+            </p:extLst>
+          </p:nvPr>
+        </p:nvSpPr>
+        <p:spPr>
+          <a:xfrm>
+            <a:off x="0" y="651752"/>
+            <a:ext cx="12192000" cy="736551"/>
+          </a:xfrm>
+          <a:prstGeom prst="rect">
+            <a:avLst/>
+          </a:prstGeom>
+          <a:solidFill>
+            <a:schemeClr val="tx1"/>
+          </a:solidFill>
+          <a:ln>
+            <a:noFill/>
+          </a:ln>
+        </p:spPr>
+        <p:style>
+          <a:lnRef idx="2">
+            <a:schemeClr val="accent1">
+              <a:shade val="50000"/>
+            </a:schemeClr>
+          </a:lnRef>
+          <a:fillRef idx="1">
+            <a:schemeClr val="accent1"/>
+          </a:fillRef>
+          <a:effectRef idx="0">
+            <a:schemeClr val="accent1"/>
+          </a:effectRef>
+          <a:fontRef idx="minor">
+            <a:schemeClr val="lt1"/>
+          </a:fontRef>
+        </p:style>
+        <p:txBody>
+          <a:bodyPr rtlCol="0" anchor="ctr"/>
+          <a:lstStyle/>
+          <a:p>
+            <a:pPr algn="ctr"/>
+            <a:endParaRPr lang="en-US"/>
+          </a:p>
+        </p:txBody>
+      </p:sp>
+      <p:sp>
+        <p:nvSpPr>
+          <p:cNvPr id="2" name="Title 1">
+            <a:extLst>
+              <a:ext uri="{FF2B5EF4-FFF2-40B4-BE49-F238E27FC236}">
+                <a16:creationId xmlns:a16="http://schemas.microsoft.com/office/drawing/2014/main" id="{7371CA6F-7FE7-044F-A074-CAE83482E73B}"/>
+              </a:ext>
+            </a:extLst>
+          </p:cNvPr>
+          <p:cNvSpPr>
+            <a:spLocks noGrp="1"/>
+          </p:cNvSpPr>
+          <p:nvPr>
+            <p:ph type="title"/>
+          </p:nvPr>
+        </p:nvSpPr>
+        <p:spPr>
+          <a:xfrm>
+            <a:off x="556532" y="643467"/>
+            <a:ext cx="11210925" cy="744836"/>
+          </a:xfrm>
+          <a:prstGeom prst="ellipse">
+            <a:avLst/>
+          </a:prstGeom>
+        </p:spPr>
+        <p:txBody>
+          <a:bodyPr vert="horz" lIns="91440" tIns="45720" rIns="91440" bIns="45720" rtlCol="0" anchor="ctr">
+            <a:normAutofit/>
+          </a:bodyPr>
+          <a:lstStyle/>
+          <a:p>
+            <a:pPr algn="ctr"/>
+            <a:r>
+              <a:rPr lang="en-US" sz="3000" kern="1200">
+                <a:solidFill>
+                  <a:schemeClr val="bg1"/>
+                </a:solidFill>
+                <a:latin typeface="+mj-lt"/>
+                <a:ea typeface="+mj-ea"/>
+                <a:cs typeface="+mj-cs"/>
+              </a:rPr>
+              <a:t>Appendix: Ranges</a:t>
+            </a:r>
+          </a:p>
+        </p:txBody>
+      </p:sp>
+      <p:graphicFrame>
+        <p:nvGraphicFramePr>
+          <p:cNvPr id="7" name="Content Placeholder 3">
+            <a:extLst>
+              <a:ext uri="{FF2B5EF4-FFF2-40B4-BE49-F238E27FC236}">
+                <a16:creationId xmlns:a16="http://schemas.microsoft.com/office/drawing/2014/main" id="{AB68DD5E-9FD8-AA48-BB20-1966E232AE6A}"/>
+              </a:ext>
+            </a:extLst>
+          </p:cNvPr>
+          <p:cNvGraphicFramePr>
+            <a:graphicFrameLocks/>
+          </p:cNvGraphicFramePr>
+          <p:nvPr>
+            <p:extLst>
+              <p:ext uri="{D42A27DB-BD31-4B8C-83A1-F6EECF244321}">
+                <p14:modId xmlns:p14="http://schemas.microsoft.com/office/powerpoint/2010/main" val="35976976"/>
+              </p:ext>
+            </p:extLst>
+          </p:nvPr>
+        </p:nvGraphicFramePr>
+        <p:xfrm>
+          <a:off x="643467" y="2011808"/>
+          <a:ext cx="10905068" cy="3721042"/>
+        </p:xfrm>
+        <a:graphic>
+          <a:graphicData uri="http://schemas.openxmlformats.org/drawingml/2006/table">
+            <a:tbl>
+              <a:tblPr firstRow="1" bandRow="1">
+                <a:noFill/>
+                <a:tableStyleId>{5C22544A-7EE6-4342-B048-85BDC9FD1C3A}</a:tableStyleId>
+              </a:tblPr>
+              <a:tblGrid>
+                <a:gridCol w="1550988">
+                  <a:extLst>
+                    <a:ext uri="{9D8B030D-6E8A-4147-A177-3AD203B41FA5}">
+                      <a16:colId xmlns:a16="http://schemas.microsoft.com/office/drawing/2014/main" val="2018652359"/>
+                    </a:ext>
+                  </a:extLst>
+                </a:gridCol>
+                <a:gridCol w="2184395">
+                  <a:extLst>
+                    <a:ext uri="{9D8B030D-6E8A-4147-A177-3AD203B41FA5}">
+                      <a16:colId xmlns:a16="http://schemas.microsoft.com/office/drawing/2014/main" val="3501286037"/>
+                    </a:ext>
+                  </a:extLst>
+                </a:gridCol>
+                <a:gridCol w="2238998">
+                  <a:extLst>
+                    <a:ext uri="{9D8B030D-6E8A-4147-A177-3AD203B41FA5}">
+                      <a16:colId xmlns:a16="http://schemas.microsoft.com/office/drawing/2014/main" val="665791582"/>
+                    </a:ext>
+                  </a:extLst>
+                </a:gridCol>
+                <a:gridCol w="2439165">
+                  <a:extLst>
+                    <a:ext uri="{9D8B030D-6E8A-4147-A177-3AD203B41FA5}">
+                      <a16:colId xmlns:a16="http://schemas.microsoft.com/office/drawing/2014/main" val="4026594214"/>
+                    </a:ext>
+                  </a:extLst>
+                </a:gridCol>
+                <a:gridCol w="2491522">
+                  <a:extLst>
+                    <a:ext uri="{9D8B030D-6E8A-4147-A177-3AD203B41FA5}">
+                      <a16:colId xmlns:a16="http://schemas.microsoft.com/office/drawing/2014/main" val="3603085480"/>
+                    </a:ext>
+                  </a:extLst>
+                </a:gridCol>
+              </a:tblGrid>
+              <a:tr h="515514">
+                <a:tc>
+                  <a:txBody>
+                    <a:bodyPr/>
+                    <a:lstStyle/>
+                    <a:p>
+                      <a:r>
+                        <a:rPr lang="en-US" sz="1700" b="1" cap="none" spc="0">
+                          <a:solidFill>
+                            <a:schemeClr val="bg1"/>
+                          </a:solidFill>
+                        </a:rPr>
+                        <a:t>Range #</a:t>
+                      </a:r>
+                    </a:p>
+                  </a:txBody>
+                  <a:tcPr marL="76929" marR="54949" marT="109899" marB="109899" anchor="ctr">
+                    <a:lnL w="12700" cmpd="sng">
+                      <a:noFill/>
+                      <a:prstDash val="solid"/>
+                    </a:lnL>
+                    <a:lnR w="12700" cmpd="sng">
+                      <a:noFill/>
+                      <a:prstDash val="solid"/>
+                    </a:lnR>
+                    <a:lnT w="19050" cap="flat" cmpd="sng" algn="ctr">
+                      <a:noFill/>
+                      <a:prstDash val="solid"/>
+                    </a:lnT>
+                    <a:lnB w="12700" cmpd="sng">
+                      <a:noFill/>
+                      <a:prstDash val="solid"/>
+                    </a:lnB>
+                    <a:solidFill>
+                      <a:schemeClr val="tx1"/>
+                    </a:solidFill>
+                  </a:tcPr>
+                </a:tc>
+                <a:tc>
+                  <a:txBody>
+                    <a:bodyPr/>
+                    <a:lstStyle/>
+                    <a:p>
+                      <a:pPr marL="0" marR="0">
+                        <a:spcBef>
+                          <a:spcPts val="0"/>
+                        </a:spcBef>
+                        <a:spcAft>
+                          <a:spcPts val="0"/>
+                        </a:spcAft>
+                      </a:pPr>
+                      <a:r>
+                        <a:rPr lang="en-US" sz="1700" b="1" cap="none" spc="0">
+                          <a:solidFill>
+                            <a:schemeClr val="bg1"/>
+                          </a:solidFill>
+                          <a:effectLst/>
+                          <a:latin typeface="Calibri" panose="020F0502020204030204" pitchFamily="34" charset="0"/>
+                        </a:rPr>
+                        <a:t>Rmin(n)  (</a:t>
+                      </a:r>
+                      <a:r>
+                        <a:rPr lang="el-GR" sz="1700" b="1" cap="none" spc="0">
+                          <a:solidFill>
+                            <a:schemeClr val="bg1"/>
+                          </a:solidFill>
+                          <a:effectLst/>
+                          <a:latin typeface="Calibri" panose="020F0502020204030204" pitchFamily="34" charset="0"/>
+                        </a:rPr>
+                        <a:t>Ω)</a:t>
+                      </a:r>
+                      <a:endParaRPr lang="el-GR" sz="1700" b="1" cap="none" spc="0">
+                        <a:solidFill>
+                          <a:schemeClr val="bg1"/>
+                        </a:solidFill>
+                        <a:effectLst/>
+                        <a:latin typeface="Times New Roman" panose="02020603050405020304" pitchFamily="18" charset="0"/>
+                      </a:endParaRPr>
+                    </a:p>
+                  </a:txBody>
+                  <a:tcPr marL="76929" marR="54949" marT="109899" marB="109899" anchor="ctr">
+                    <a:lnL w="12700" cmpd="sng">
+                      <a:noFill/>
+                      <a:prstDash val="solid"/>
+                    </a:lnL>
+                    <a:lnR w="12700" cmpd="sng">
+                      <a:noFill/>
+                      <a:prstDash val="solid"/>
+                    </a:lnR>
+                    <a:lnT w="19050" cap="flat" cmpd="sng" algn="ctr">
+                      <a:noFill/>
+                      <a:prstDash val="solid"/>
+                    </a:lnT>
+                    <a:lnB w="12700" cmpd="sng">
+                      <a:noFill/>
+                      <a:prstDash val="solid"/>
+                    </a:lnB>
+                    <a:solidFill>
+                      <a:schemeClr val="tx1"/>
+                    </a:solidFill>
+                  </a:tcPr>
+                </a:tc>
+                <a:tc>
+                  <a:txBody>
+                    <a:bodyPr/>
+                    <a:lstStyle/>
+                    <a:p>
+                      <a:pPr marL="0" marR="0">
+                        <a:spcBef>
+                          <a:spcPts val="0"/>
+                        </a:spcBef>
+                        <a:spcAft>
+                          <a:spcPts val="0"/>
+                        </a:spcAft>
+                      </a:pPr>
+                      <a:r>
+                        <a:rPr lang="en-US" sz="1700" b="1" cap="none" spc="0">
+                          <a:solidFill>
+                            <a:schemeClr val="bg1"/>
+                          </a:solidFill>
+                          <a:effectLst/>
+                          <a:latin typeface="Calibri" panose="020F0502020204030204" pitchFamily="34" charset="0"/>
+                        </a:rPr>
+                        <a:t>Rmax(n)  (</a:t>
+                      </a:r>
+                      <a:r>
+                        <a:rPr lang="el-GR" sz="1700" b="1" cap="none" spc="0">
+                          <a:solidFill>
+                            <a:schemeClr val="bg1"/>
+                          </a:solidFill>
+                          <a:effectLst/>
+                          <a:latin typeface="Calibri" panose="020F0502020204030204" pitchFamily="34" charset="0"/>
+                        </a:rPr>
+                        <a:t>Ω)</a:t>
+                      </a:r>
+                      <a:endParaRPr lang="el-GR" sz="1700" b="1" cap="none" spc="0">
+                        <a:solidFill>
+                          <a:schemeClr val="bg1"/>
+                        </a:solidFill>
+                        <a:effectLst/>
+                        <a:latin typeface="Times New Roman" panose="02020603050405020304" pitchFamily="18" charset="0"/>
+                      </a:endParaRPr>
+                    </a:p>
+                  </a:txBody>
+                  <a:tcPr marL="76929" marR="54949" marT="109899" marB="109899" anchor="ctr">
+                    <a:lnL w="12700" cmpd="sng">
+                      <a:noFill/>
+                      <a:prstDash val="solid"/>
+                    </a:lnL>
+                    <a:lnR w="12700" cmpd="sng">
+                      <a:noFill/>
+                      <a:prstDash val="solid"/>
+                    </a:lnR>
+                    <a:lnT w="19050" cap="flat" cmpd="sng" algn="ctr">
+                      <a:noFill/>
+                      <a:prstDash val="solid"/>
+                    </a:lnT>
+                    <a:lnB w="12700" cmpd="sng">
+                      <a:noFill/>
+                      <a:prstDash val="solid"/>
+                    </a:lnB>
+                    <a:solidFill>
+                      <a:schemeClr val="tx1"/>
+                    </a:solidFill>
+                  </a:tcPr>
+                </a:tc>
+                <a:tc>
+                  <a:txBody>
+                    <a:bodyPr/>
+                    <a:lstStyle/>
+                    <a:p>
+                      <a:pPr marL="0" marR="0">
+                        <a:spcBef>
+                          <a:spcPts val="0"/>
+                        </a:spcBef>
+                        <a:spcAft>
+                          <a:spcPts val="0"/>
+                        </a:spcAft>
+                      </a:pPr>
+                      <a:r>
+                        <a:rPr lang="en-US" sz="1700" b="1" cap="none" spc="0">
+                          <a:solidFill>
+                            <a:schemeClr val="bg1"/>
+                          </a:solidFill>
+                          <a:effectLst/>
+                          <a:latin typeface="Calibri" panose="020F0502020204030204" pitchFamily="34" charset="0"/>
+                        </a:rPr>
+                        <a:t>Rwmin(n)  (</a:t>
+                      </a:r>
+                      <a:r>
+                        <a:rPr lang="el-GR" sz="1700" b="1" cap="none" spc="0">
+                          <a:solidFill>
+                            <a:schemeClr val="bg1"/>
+                          </a:solidFill>
+                          <a:effectLst/>
+                          <a:latin typeface="Calibri" panose="020F0502020204030204" pitchFamily="34" charset="0"/>
+                        </a:rPr>
+                        <a:t>Ω)</a:t>
+                      </a:r>
+                      <a:endParaRPr lang="el-GR" sz="1700" b="1" cap="none" spc="0">
+                        <a:solidFill>
+                          <a:schemeClr val="bg1"/>
+                        </a:solidFill>
+                        <a:effectLst/>
+                        <a:latin typeface="Times New Roman" panose="02020603050405020304" pitchFamily="18" charset="0"/>
+                      </a:endParaRPr>
+                    </a:p>
+                  </a:txBody>
+                  <a:tcPr marL="76929" marR="54949" marT="109899" marB="109899" anchor="ctr">
+                    <a:lnL w="12700" cmpd="sng">
+                      <a:noFill/>
+                      <a:prstDash val="solid"/>
+                    </a:lnL>
+                    <a:lnR w="12700" cmpd="sng">
+                      <a:noFill/>
+                      <a:prstDash val="solid"/>
+                    </a:lnR>
+                    <a:lnT w="19050" cap="flat" cmpd="sng" algn="ctr">
+                      <a:noFill/>
+                      <a:prstDash val="solid"/>
+                    </a:lnT>
+                    <a:lnB w="12700" cmpd="sng">
+                      <a:noFill/>
+                      <a:prstDash val="solid"/>
+                    </a:lnB>
+                    <a:solidFill>
+                      <a:schemeClr val="tx1"/>
+                    </a:solidFill>
+                  </a:tcPr>
+                </a:tc>
+                <a:tc>
+                  <a:txBody>
+                    <a:bodyPr/>
+                    <a:lstStyle/>
+                    <a:p>
+                      <a:pPr marL="0" marR="0">
+                        <a:spcBef>
+                          <a:spcPts val="0"/>
+                        </a:spcBef>
+                        <a:spcAft>
+                          <a:spcPts val="0"/>
+                        </a:spcAft>
+                      </a:pPr>
+                      <a:r>
+                        <a:rPr lang="en-US" sz="1700" b="1" cap="none" spc="0">
+                          <a:solidFill>
+                            <a:schemeClr val="bg1"/>
+                          </a:solidFill>
+                          <a:effectLst/>
+                          <a:latin typeface="Calibri" panose="020F0502020204030204" pitchFamily="34" charset="0"/>
+                        </a:rPr>
+                        <a:t>Rwmax(n)  (</a:t>
+                      </a:r>
+                      <a:r>
+                        <a:rPr lang="el-GR" sz="1700" b="1" cap="none" spc="0">
+                          <a:solidFill>
+                            <a:schemeClr val="bg1"/>
+                          </a:solidFill>
+                          <a:effectLst/>
+                          <a:latin typeface="Calibri" panose="020F0502020204030204" pitchFamily="34" charset="0"/>
+                        </a:rPr>
+                        <a:t>Ω)</a:t>
+                      </a:r>
+                      <a:endParaRPr lang="el-GR" sz="1700" b="1" cap="none" spc="0">
+                        <a:solidFill>
+                          <a:schemeClr val="bg1"/>
+                        </a:solidFill>
+                        <a:effectLst/>
+                        <a:latin typeface="Times New Roman" panose="02020603050405020304" pitchFamily="18" charset="0"/>
+                      </a:endParaRPr>
+                    </a:p>
+                  </a:txBody>
+                  <a:tcPr marL="76929" marR="54949" marT="109899" marB="109899" anchor="ctr">
+                    <a:lnL w="12700" cmpd="sng">
+                      <a:noFill/>
+                      <a:prstDash val="solid"/>
+                    </a:lnL>
+                    <a:lnR w="12700" cmpd="sng">
+                      <a:noFill/>
+                      <a:prstDash val="solid"/>
+                    </a:lnR>
+                    <a:lnT w="19050" cap="flat" cmpd="sng" algn="ctr">
+                      <a:noFill/>
+                      <a:prstDash val="solid"/>
+                    </a:lnT>
+                    <a:lnB w="12700" cmpd="sng">
+                      <a:noFill/>
+                      <a:prstDash val="solid"/>
+                    </a:lnB>
+                    <a:solidFill>
+                      <a:schemeClr val="tx1"/>
+                    </a:solidFill>
+                  </a:tcPr>
+                </a:tc>
+                <a:extLst>
+                  <a:ext uri="{0D108BD9-81ED-4DB2-BD59-A6C34878D82A}">
+                    <a16:rowId xmlns:a16="http://schemas.microsoft.com/office/drawing/2014/main" val="4077770029"/>
+                  </a:ext>
+                </a:extLst>
+              </a:tr>
+              <a:tr h="400691">
+                <a:tc>
+                  <a:txBody>
+                    <a:bodyPr/>
+                    <a:lstStyle/>
+                    <a:p>
+                      <a:r>
+                        <a:rPr lang="en-US" sz="1400" cap="none" spc="0">
+                          <a:solidFill>
+                            <a:schemeClr val="tx1"/>
+                          </a:solidFill>
+                        </a:rPr>
+                        <a:t>Range 0</a:t>
+                      </a:r>
+                    </a:p>
+                  </a:txBody>
+                  <a:tcPr marL="76929" marR="54949" marT="40804" marB="109899">
+                    <a:lnL w="12700" cmpd="sng">
+                      <a:noFill/>
+                      <a:prstDash val="solid"/>
+                    </a:lnL>
+                    <a:lnR w="12700" cmpd="sng">
+                      <a:noFill/>
+                      <a:prstDash val="solid"/>
+                    </a:lnR>
+                    <a:lnT w="12700" cmpd="sng">
+                      <a:noFill/>
+                      <a:prstDash val="solid"/>
+                    </a:lnT>
+                    <a:lnB w="12700" cap="flat" cmpd="sng" algn="ctr">
+                      <a:solidFill>
+                        <a:schemeClr val="tx1"/>
+                      </a:solidFill>
+                      <a:prstDash val="solid"/>
+                    </a:lnB>
+                    <a:noFill/>
+                  </a:tcPr>
+                </a:tc>
+                <a:tc>
+                  <a:txBody>
+                    <a:bodyPr/>
+                    <a:lstStyle/>
+                    <a:p>
+                      <a:pPr marL="0" marR="0">
+                        <a:spcBef>
+                          <a:spcPts val="0"/>
+                        </a:spcBef>
+                        <a:spcAft>
+                          <a:spcPts val="0"/>
+                        </a:spcAft>
+                      </a:pPr>
+                      <a:r>
+                        <a:rPr lang="en-US" sz="1400" cap="none" spc="0">
+                          <a:solidFill>
+                            <a:schemeClr val="tx1"/>
+                          </a:solidFill>
+                          <a:effectLst/>
+                          <a:latin typeface="Calibri" panose="020F0502020204030204" pitchFamily="34" charset="0"/>
+                        </a:rPr>
+                        <a:t>N.A.</a:t>
+                      </a:r>
+                      <a:endParaRPr lang="en-US" sz="1400" cap="none" spc="0">
+                        <a:solidFill>
+                          <a:schemeClr val="tx1"/>
+                        </a:solidFill>
+                        <a:effectLst/>
+                        <a:latin typeface="Times New Roman" panose="02020603050405020304" pitchFamily="18" charset="0"/>
+                      </a:endParaRPr>
+                    </a:p>
+                  </a:txBody>
+                  <a:tcPr marL="76929" marR="54949" marT="0" marB="109899">
+                    <a:lnL w="12700" cmpd="sng">
+                      <a:noFill/>
+                      <a:prstDash val="solid"/>
+                    </a:lnL>
+                    <a:lnR w="12700" cmpd="sng">
+                      <a:noFill/>
+                      <a:prstDash val="solid"/>
+                    </a:lnR>
+                    <a:lnT w="12700" cmpd="sng">
+                      <a:noFill/>
+                      <a:prstDash val="solid"/>
+                    </a:lnT>
+                    <a:lnB w="12700" cap="flat" cmpd="sng" algn="ctr">
+                      <a:solidFill>
+                        <a:schemeClr val="tx1"/>
+                      </a:solidFill>
+                      <a:prstDash val="solid"/>
+                    </a:lnB>
+                    <a:noFill/>
+                  </a:tcPr>
+                </a:tc>
+                <a:tc>
+                  <a:txBody>
+                    <a:bodyPr/>
+                    <a:lstStyle/>
+                    <a:p>
+                      <a:pPr marL="0" marR="0">
+                        <a:spcBef>
+                          <a:spcPts val="0"/>
+                        </a:spcBef>
+                        <a:spcAft>
+                          <a:spcPts val="0"/>
+                        </a:spcAft>
+                      </a:pPr>
+                      <a:r>
+                        <a:rPr lang="en-US" sz="1400" b="1" cap="none" spc="0">
+                          <a:solidFill>
+                            <a:schemeClr val="tx1"/>
+                          </a:solidFill>
+                          <a:effectLst/>
+                          <a:latin typeface="Calibri" panose="020F0502020204030204" pitchFamily="34" charset="0"/>
+                        </a:rPr>
+                        <a:t>4300</a:t>
+                      </a:r>
+                      <a:endParaRPr lang="en-US" sz="1400" cap="none" spc="0">
+                        <a:solidFill>
+                          <a:schemeClr val="tx1"/>
+                        </a:solidFill>
+                        <a:effectLst/>
+                        <a:latin typeface="Times New Roman" panose="02020603050405020304" pitchFamily="18" charset="0"/>
+                      </a:endParaRPr>
+                    </a:p>
+                  </a:txBody>
+                  <a:tcPr marL="76929" marR="54949" marT="0" marB="109899">
+                    <a:lnL w="12700" cmpd="sng">
+                      <a:noFill/>
+                      <a:prstDash val="solid"/>
+                    </a:lnL>
+                    <a:lnR w="12700" cmpd="sng">
+                      <a:noFill/>
+                      <a:prstDash val="solid"/>
+                    </a:lnR>
+                    <a:lnT w="12700" cmpd="sng">
+                      <a:noFill/>
+                      <a:prstDash val="solid"/>
+                    </a:lnT>
+                    <a:lnB w="12700" cap="flat" cmpd="sng" algn="ctr">
+                      <a:solidFill>
+                        <a:schemeClr val="tx1"/>
+                      </a:solidFill>
+                      <a:prstDash val="solid"/>
+                    </a:lnB>
+                    <a:noFill/>
+                  </a:tcPr>
+                </a:tc>
+                <a:tc>
+                  <a:txBody>
+                    <a:bodyPr/>
+                    <a:lstStyle/>
+                    <a:p>
+                      <a:pPr marL="0" marR="0">
+                        <a:spcBef>
+                          <a:spcPts val="0"/>
+                        </a:spcBef>
+                        <a:spcAft>
+                          <a:spcPts val="0"/>
+                        </a:spcAft>
+                      </a:pPr>
+                      <a:r>
+                        <a:rPr lang="en-US" sz="1400" cap="none" spc="0">
+                          <a:solidFill>
+                            <a:schemeClr val="tx1"/>
+                          </a:solidFill>
+                          <a:effectLst/>
+                          <a:latin typeface="Calibri" panose="020F0502020204030204" pitchFamily="34" charset="0"/>
+                        </a:rPr>
+                        <a:t>N.A.</a:t>
+                      </a:r>
+                      <a:endParaRPr lang="en-US" sz="1400" cap="none" spc="0">
+                        <a:solidFill>
+                          <a:schemeClr val="tx1"/>
+                        </a:solidFill>
+                        <a:effectLst/>
+                        <a:latin typeface="Times New Roman" panose="02020603050405020304" pitchFamily="18" charset="0"/>
+                      </a:endParaRPr>
+                    </a:p>
+                  </a:txBody>
+                  <a:tcPr marL="76929" marR="54949" marT="0" marB="109899">
+                    <a:lnL w="12700" cmpd="sng">
+                      <a:noFill/>
+                      <a:prstDash val="solid"/>
+                    </a:lnL>
+                    <a:lnR w="12700" cmpd="sng">
+                      <a:noFill/>
+                      <a:prstDash val="solid"/>
+                    </a:lnR>
+                    <a:lnT w="12700" cmpd="sng">
+                      <a:noFill/>
+                      <a:prstDash val="solid"/>
+                    </a:lnT>
+                    <a:lnB w="12700" cap="flat" cmpd="sng" algn="ctr">
+                      <a:solidFill>
+                        <a:schemeClr val="tx1"/>
+                      </a:solidFill>
+                      <a:prstDash val="solid"/>
+                    </a:lnB>
+                    <a:noFill/>
+                  </a:tcPr>
+                </a:tc>
+                <a:tc>
+                  <a:txBody>
+                    <a:bodyPr/>
+                    <a:lstStyle/>
+                    <a:p>
+                      <a:pPr marL="0" marR="0">
+                        <a:spcBef>
+                          <a:spcPts val="0"/>
+                        </a:spcBef>
+                        <a:spcAft>
+                          <a:spcPts val="0"/>
+                        </a:spcAft>
+                      </a:pPr>
+                      <a:r>
+                        <a:rPr lang="en-US" sz="1400" b="1" cap="none" spc="0">
+                          <a:solidFill>
+                            <a:schemeClr val="tx1"/>
+                          </a:solidFill>
+                          <a:effectLst/>
+                          <a:latin typeface="Calibri" panose="020F0502020204030204" pitchFamily="34" charset="0"/>
+                        </a:rPr>
+                        <a:t>4200</a:t>
+                      </a:r>
+                      <a:endParaRPr lang="en-US" sz="1400" cap="none" spc="0">
+                        <a:solidFill>
+                          <a:schemeClr val="tx1"/>
+                        </a:solidFill>
+                        <a:effectLst/>
+                        <a:latin typeface="Times New Roman" panose="02020603050405020304" pitchFamily="18" charset="0"/>
+                      </a:endParaRPr>
+                    </a:p>
+                  </a:txBody>
+                  <a:tcPr marL="76929" marR="54949" marT="0" marB="109899">
+                    <a:lnL w="12700" cmpd="sng">
+                      <a:noFill/>
+                      <a:prstDash val="solid"/>
+                    </a:lnL>
+                    <a:lnR w="12700" cmpd="sng">
+                      <a:noFill/>
+                      <a:prstDash val="solid"/>
+                    </a:lnR>
+                    <a:lnT w="12700" cmpd="sng">
+                      <a:noFill/>
+                      <a:prstDash val="solid"/>
+                    </a:lnT>
+                    <a:lnB w="12700" cap="flat" cmpd="sng" algn="ctr">
+                      <a:solidFill>
+                        <a:schemeClr val="tx1"/>
+                      </a:solidFill>
+                      <a:prstDash val="solid"/>
+                    </a:lnB>
+                    <a:noFill/>
+                  </a:tcPr>
+                </a:tc>
+                <a:extLst>
+                  <a:ext uri="{0D108BD9-81ED-4DB2-BD59-A6C34878D82A}">
+                    <a16:rowId xmlns:a16="http://schemas.microsoft.com/office/drawing/2014/main" val="3487446094"/>
+                  </a:ext>
+                </a:extLst>
+              </a:tr>
+              <a:tr h="400691">
+                <a:tc>
+                  <a:txBody>
+                    <a:bodyPr/>
+                    <a:lstStyle/>
+                    <a:p>
+                      <a:r>
+                        <a:rPr lang="en-US" sz="1400" cap="none" spc="0">
+                          <a:solidFill>
+                            <a:schemeClr val="tx1"/>
+                          </a:solidFill>
+                        </a:rPr>
+                        <a:t>Range 1</a:t>
+                      </a:r>
+                    </a:p>
+                  </a:txBody>
+                  <a:tcPr marL="76929" marR="54949" marT="40804" marB="109899">
+                    <a:lnL w="12700" cmpd="sng">
+                      <a:noFill/>
+                      <a:prstDash val="solid"/>
+                    </a:lnL>
+                    <a:lnR w="12700" cmpd="sng">
+                      <a:noFill/>
+                      <a:prstDash val="solid"/>
+                    </a:lnR>
+                    <a:lnT w="12700" cap="flat" cmpd="sng" algn="ctr">
+                      <a:solidFill>
+                        <a:schemeClr val="tx1"/>
+                      </a:solidFill>
+                      <a:prstDash val="solid"/>
+                    </a:lnT>
+                    <a:lnB w="12700" cmpd="sng">
+                      <a:noFill/>
+                      <a:prstDash val="solid"/>
+                    </a:lnB>
+                    <a:solidFill>
+                      <a:schemeClr val="bg1">
+                        <a:lumMod val="95000"/>
+                      </a:schemeClr>
+                    </a:solidFill>
+                  </a:tcPr>
+                </a:tc>
+                <a:tc>
+                  <a:txBody>
+                    <a:bodyPr/>
+                    <a:lstStyle/>
+                    <a:p>
+                      <a:pPr marL="0" marR="0">
+                        <a:spcBef>
+                          <a:spcPts val="0"/>
+                        </a:spcBef>
+                        <a:spcAft>
+                          <a:spcPts val="0"/>
+                        </a:spcAft>
+                      </a:pPr>
+                      <a:r>
+                        <a:rPr lang="en-US" sz="1400" cap="none" spc="0">
+                          <a:solidFill>
+                            <a:schemeClr val="tx1"/>
+                          </a:solidFill>
+                          <a:effectLst/>
+                          <a:latin typeface="Calibri" panose="020F0502020204030204" pitchFamily="34" charset="0"/>
+                        </a:rPr>
+                        <a:t>4375</a:t>
+                      </a:r>
+                      <a:endParaRPr lang="en-US" sz="1400" cap="none" spc="0">
+                        <a:solidFill>
+                          <a:schemeClr val="tx1"/>
+                        </a:solidFill>
+                        <a:effectLst/>
+                        <a:latin typeface="Times New Roman" panose="02020603050405020304" pitchFamily="18" charset="0"/>
+                      </a:endParaRPr>
+                    </a:p>
+                  </a:txBody>
+                  <a:tcPr marL="76929" marR="54949" marT="0" marB="109899">
+                    <a:lnL w="12700" cmpd="sng">
+                      <a:noFill/>
+                      <a:prstDash val="solid"/>
+                    </a:lnL>
+                    <a:lnR w="12700" cmpd="sng">
+                      <a:noFill/>
+                      <a:prstDash val="solid"/>
+                    </a:lnR>
+                    <a:lnT w="12700" cap="flat" cmpd="sng" algn="ctr">
+                      <a:solidFill>
+                        <a:schemeClr val="tx1"/>
+                      </a:solidFill>
+                      <a:prstDash val="solid"/>
+                    </a:lnT>
+                    <a:lnB w="12700" cmpd="sng">
+                      <a:noFill/>
+                      <a:prstDash val="solid"/>
+                    </a:lnB>
+                    <a:solidFill>
+                      <a:schemeClr val="bg1">
+                        <a:lumMod val="95000"/>
+                      </a:schemeClr>
+                    </a:solidFill>
+                  </a:tcPr>
+                </a:tc>
+                <a:tc>
+                  <a:txBody>
+                    <a:bodyPr/>
+                    <a:lstStyle/>
+                    <a:p>
+                      <a:pPr marL="0" marR="0">
+                        <a:spcBef>
+                          <a:spcPts val="0"/>
+                        </a:spcBef>
+                        <a:spcAft>
+                          <a:spcPts val="0"/>
+                        </a:spcAft>
+                      </a:pPr>
+                      <a:r>
+                        <a:rPr lang="en-US" sz="1400" cap="none" spc="0">
+                          <a:solidFill>
+                            <a:schemeClr val="tx1"/>
+                          </a:solidFill>
+                          <a:effectLst/>
+                          <a:latin typeface="Calibri" panose="020F0502020204030204" pitchFamily="34" charset="0"/>
+                        </a:rPr>
+                        <a:t>4752</a:t>
+                      </a:r>
+                      <a:endParaRPr lang="en-US" sz="1400" cap="none" spc="0">
+                        <a:solidFill>
+                          <a:schemeClr val="tx1"/>
+                        </a:solidFill>
+                        <a:effectLst/>
+                        <a:latin typeface="Times New Roman" panose="02020603050405020304" pitchFamily="18" charset="0"/>
+                      </a:endParaRPr>
+                    </a:p>
+                  </a:txBody>
+                  <a:tcPr marL="76929" marR="54949" marT="0" marB="109899">
+                    <a:lnL w="12700" cmpd="sng">
+                      <a:noFill/>
+                      <a:prstDash val="solid"/>
+                    </a:lnL>
+                    <a:lnR w="12700" cmpd="sng">
+                      <a:noFill/>
+                      <a:prstDash val="solid"/>
+                    </a:lnR>
+                    <a:lnT w="12700" cap="flat" cmpd="sng" algn="ctr">
+                      <a:solidFill>
+                        <a:schemeClr val="tx1"/>
+                      </a:solidFill>
+                      <a:prstDash val="solid"/>
+                    </a:lnT>
+                    <a:lnB w="12700" cmpd="sng">
+                      <a:noFill/>
+                      <a:prstDash val="solid"/>
+                    </a:lnB>
+                    <a:solidFill>
+                      <a:schemeClr val="bg1">
+                        <a:lumMod val="95000"/>
+                      </a:schemeClr>
+                    </a:solidFill>
+                  </a:tcPr>
+                </a:tc>
+                <a:tc>
+                  <a:txBody>
+                    <a:bodyPr/>
+                    <a:lstStyle/>
+                    <a:p>
+                      <a:pPr marL="0" marR="0">
+                        <a:spcBef>
+                          <a:spcPts val="0"/>
+                        </a:spcBef>
+                        <a:spcAft>
+                          <a:spcPts val="0"/>
+                        </a:spcAft>
+                      </a:pPr>
+                      <a:r>
+                        <a:rPr lang="en-US" sz="1400" cap="none" spc="0">
+                          <a:solidFill>
+                            <a:schemeClr val="tx1"/>
+                          </a:solidFill>
+                          <a:effectLst/>
+                          <a:latin typeface="Calibri" panose="020F0502020204030204" pitchFamily="34" charset="0"/>
+                        </a:rPr>
+                        <a:t>4540</a:t>
+                      </a:r>
+                      <a:endParaRPr lang="en-US" sz="1400" cap="none" spc="0">
+                        <a:solidFill>
+                          <a:schemeClr val="tx1"/>
+                        </a:solidFill>
+                        <a:effectLst/>
+                        <a:latin typeface="Times New Roman" panose="02020603050405020304" pitchFamily="18" charset="0"/>
+                      </a:endParaRPr>
+                    </a:p>
+                  </a:txBody>
+                  <a:tcPr marL="76929" marR="54949" marT="0" marB="109899">
+                    <a:lnL w="12700" cmpd="sng">
+                      <a:noFill/>
+                      <a:prstDash val="solid"/>
+                    </a:lnL>
+                    <a:lnR w="12700" cmpd="sng">
+                      <a:noFill/>
+                      <a:prstDash val="solid"/>
+                    </a:lnR>
+                    <a:lnT w="12700" cap="flat" cmpd="sng" algn="ctr">
+                      <a:solidFill>
+                        <a:schemeClr val="tx1"/>
+                      </a:solidFill>
+                      <a:prstDash val="solid"/>
+                    </a:lnT>
+                    <a:lnB w="12700" cmpd="sng">
+                      <a:noFill/>
+                      <a:prstDash val="solid"/>
+                    </a:lnB>
+                    <a:solidFill>
+                      <a:schemeClr val="bg1">
+                        <a:lumMod val="95000"/>
+                      </a:schemeClr>
+                    </a:solidFill>
+                  </a:tcPr>
+                </a:tc>
+                <a:tc>
+                  <a:txBody>
+                    <a:bodyPr/>
+                    <a:lstStyle/>
+                    <a:p>
+                      <a:pPr marL="0" marR="0">
+                        <a:spcBef>
+                          <a:spcPts val="0"/>
+                        </a:spcBef>
+                        <a:spcAft>
+                          <a:spcPts val="0"/>
+                        </a:spcAft>
+                      </a:pPr>
+                      <a:r>
+                        <a:rPr lang="en-US" sz="1400" cap="none" spc="0">
+                          <a:solidFill>
+                            <a:schemeClr val="tx1"/>
+                          </a:solidFill>
+                          <a:effectLst/>
+                          <a:latin typeface="Calibri" panose="020F0502020204030204" pitchFamily="34" charset="0"/>
+                        </a:rPr>
+                        <a:t>4580</a:t>
+                      </a:r>
+                      <a:endParaRPr lang="en-US" sz="1400" cap="none" spc="0">
+                        <a:solidFill>
+                          <a:schemeClr val="tx1"/>
+                        </a:solidFill>
+                        <a:effectLst/>
+                        <a:latin typeface="Times New Roman" panose="02020603050405020304" pitchFamily="18" charset="0"/>
+                      </a:endParaRPr>
+                    </a:p>
+                  </a:txBody>
+                  <a:tcPr marL="76929" marR="54949" marT="0" marB="109899">
+                    <a:lnL w="12700" cmpd="sng">
+                      <a:noFill/>
+                      <a:prstDash val="solid"/>
+                    </a:lnL>
+                    <a:lnR w="12700" cmpd="sng">
+                      <a:noFill/>
+                      <a:prstDash val="solid"/>
+                    </a:lnR>
+                    <a:lnT w="12700" cap="flat" cmpd="sng" algn="ctr">
+                      <a:solidFill>
+                        <a:schemeClr val="tx1"/>
+                      </a:solidFill>
+                      <a:prstDash val="solid"/>
+                    </a:lnT>
+                    <a:lnB w="12700" cmpd="sng">
+                      <a:noFill/>
+                      <a:prstDash val="solid"/>
+                    </a:lnB>
+                    <a:solidFill>
+                      <a:schemeClr val="bg1">
+                        <a:lumMod val="95000"/>
+                      </a:schemeClr>
+                    </a:solidFill>
+                  </a:tcPr>
+                </a:tc>
+                <a:extLst>
+                  <a:ext uri="{0D108BD9-81ED-4DB2-BD59-A6C34878D82A}">
+                    <a16:rowId xmlns:a16="http://schemas.microsoft.com/office/drawing/2014/main" val="3225079013"/>
+                  </a:ext>
+                </a:extLst>
+              </a:tr>
+              <a:tr h="400691">
+                <a:tc>
+                  <a:txBody>
+                    <a:bodyPr/>
+                    <a:lstStyle/>
+                    <a:p>
+                      <a:r>
+                        <a:rPr lang="en-US" sz="1400" cap="none" spc="0">
+                          <a:solidFill>
+                            <a:schemeClr val="tx1"/>
+                          </a:solidFill>
+                        </a:rPr>
+                        <a:t>Range 2</a:t>
+                      </a:r>
+                    </a:p>
+                  </a:txBody>
+                  <a:tcPr marL="76929" marR="54949" marT="40804" marB="109899">
+                    <a:lnL w="12700" cmpd="sng">
+                      <a:noFill/>
+                      <a:prstDash val="solid"/>
+                    </a:lnL>
+                    <a:lnR w="12700" cmpd="sng">
+                      <a:noFill/>
+                      <a:prstDash val="solid"/>
+                    </a:lnR>
+                    <a:lnT w="12700" cmpd="sng">
+                      <a:noFill/>
+                      <a:prstDash val="solid"/>
+                    </a:lnT>
+                    <a:lnB w="12700" cap="flat" cmpd="sng" algn="ctr">
+                      <a:solidFill>
+                        <a:schemeClr val="tx1"/>
+                      </a:solidFill>
+                      <a:prstDash val="solid"/>
+                    </a:lnB>
+                    <a:noFill/>
+                  </a:tcPr>
+                </a:tc>
+                <a:tc>
+                  <a:txBody>
+                    <a:bodyPr/>
+                    <a:lstStyle/>
+                    <a:p>
+                      <a:pPr marL="0" marR="0">
+                        <a:spcBef>
+                          <a:spcPts val="0"/>
+                        </a:spcBef>
+                        <a:spcAft>
+                          <a:spcPts val="0"/>
+                        </a:spcAft>
+                      </a:pPr>
+                      <a:r>
+                        <a:rPr lang="en-US" sz="1400" cap="none" spc="0">
+                          <a:solidFill>
+                            <a:schemeClr val="tx1"/>
+                          </a:solidFill>
+                          <a:effectLst/>
+                          <a:latin typeface="Calibri" panose="020F0502020204030204" pitchFamily="34" charset="0"/>
+                        </a:rPr>
+                        <a:t>4844</a:t>
+                      </a:r>
+                      <a:endParaRPr lang="en-US" sz="1400" cap="none" spc="0">
+                        <a:solidFill>
+                          <a:schemeClr val="tx1"/>
+                        </a:solidFill>
+                        <a:effectLst/>
+                        <a:latin typeface="Times New Roman" panose="02020603050405020304" pitchFamily="18" charset="0"/>
+                      </a:endParaRPr>
+                    </a:p>
+                  </a:txBody>
+                  <a:tcPr marL="76929" marR="54949" marT="0" marB="109899">
+                    <a:lnL w="12700" cmpd="sng">
+                      <a:noFill/>
+                      <a:prstDash val="solid"/>
+                    </a:lnL>
+                    <a:lnR w="12700" cmpd="sng">
+                      <a:noFill/>
+                      <a:prstDash val="solid"/>
+                    </a:lnR>
+                    <a:lnT w="12700" cmpd="sng">
+                      <a:noFill/>
+                      <a:prstDash val="solid"/>
+                    </a:lnT>
+                    <a:lnB w="12700" cap="flat" cmpd="sng" algn="ctr">
+                      <a:solidFill>
+                        <a:schemeClr val="tx1"/>
+                      </a:solidFill>
+                      <a:prstDash val="solid"/>
+                    </a:lnB>
+                    <a:noFill/>
+                  </a:tcPr>
+                </a:tc>
+                <a:tc>
+                  <a:txBody>
+                    <a:bodyPr/>
+                    <a:lstStyle/>
+                    <a:p>
+                      <a:pPr marL="0" marR="0">
+                        <a:spcBef>
+                          <a:spcPts val="0"/>
+                        </a:spcBef>
+                        <a:spcAft>
+                          <a:spcPts val="0"/>
+                        </a:spcAft>
+                      </a:pPr>
+                      <a:r>
+                        <a:rPr lang="en-US" sz="1400" cap="none" spc="0">
+                          <a:solidFill>
+                            <a:schemeClr val="tx1"/>
+                          </a:solidFill>
+                          <a:effectLst/>
+                          <a:latin typeface="Calibri" panose="020F0502020204030204" pitchFamily="34" charset="0"/>
+                        </a:rPr>
+                        <a:t>5304</a:t>
+                      </a:r>
+                      <a:endParaRPr lang="en-US" sz="1400" cap="none" spc="0">
+                        <a:solidFill>
+                          <a:schemeClr val="tx1"/>
+                        </a:solidFill>
+                        <a:effectLst/>
+                        <a:latin typeface="Times New Roman" panose="02020603050405020304" pitchFamily="18" charset="0"/>
+                      </a:endParaRPr>
+                    </a:p>
+                  </a:txBody>
+                  <a:tcPr marL="76929" marR="54949" marT="0" marB="109899">
+                    <a:lnL w="12700" cmpd="sng">
+                      <a:noFill/>
+                      <a:prstDash val="solid"/>
+                    </a:lnL>
+                    <a:lnR w="12700" cmpd="sng">
+                      <a:noFill/>
+                      <a:prstDash val="solid"/>
+                    </a:lnR>
+                    <a:lnT w="12700" cmpd="sng">
+                      <a:noFill/>
+                      <a:prstDash val="solid"/>
+                    </a:lnT>
+                    <a:lnB w="12700" cap="flat" cmpd="sng" algn="ctr">
+                      <a:solidFill>
+                        <a:schemeClr val="tx1"/>
+                      </a:solidFill>
+                      <a:prstDash val="solid"/>
+                    </a:lnB>
+                    <a:noFill/>
+                  </a:tcPr>
+                </a:tc>
+                <a:tc>
+                  <a:txBody>
+                    <a:bodyPr/>
+                    <a:lstStyle/>
+                    <a:p>
+                      <a:pPr marL="0" marR="0">
+                        <a:spcBef>
+                          <a:spcPts val="0"/>
+                        </a:spcBef>
+                        <a:spcAft>
+                          <a:spcPts val="0"/>
+                        </a:spcAft>
+                      </a:pPr>
+                      <a:r>
+                        <a:rPr lang="en-US" sz="1400" cap="none" spc="0">
+                          <a:solidFill>
+                            <a:schemeClr val="tx1"/>
+                          </a:solidFill>
+                          <a:effectLst/>
+                          <a:latin typeface="Calibri" panose="020F0502020204030204" pitchFamily="34" charset="0"/>
+                        </a:rPr>
+                        <a:t>5040</a:t>
+                      </a:r>
+                      <a:endParaRPr lang="en-US" sz="1400" cap="none" spc="0">
+                        <a:solidFill>
+                          <a:schemeClr val="tx1"/>
+                        </a:solidFill>
+                        <a:effectLst/>
+                        <a:latin typeface="Times New Roman" panose="02020603050405020304" pitchFamily="18" charset="0"/>
+                      </a:endParaRPr>
+                    </a:p>
+                  </a:txBody>
+                  <a:tcPr marL="76929" marR="54949" marT="0" marB="109899">
+                    <a:lnL w="12700" cmpd="sng">
+                      <a:noFill/>
+                      <a:prstDash val="solid"/>
+                    </a:lnL>
+                    <a:lnR w="12700" cmpd="sng">
+                      <a:noFill/>
+                      <a:prstDash val="solid"/>
+                    </a:lnR>
+                    <a:lnT w="12700" cmpd="sng">
+                      <a:noFill/>
+                      <a:prstDash val="solid"/>
+                    </a:lnT>
+                    <a:lnB w="12700" cap="flat" cmpd="sng" algn="ctr">
+                      <a:solidFill>
+                        <a:schemeClr val="tx1"/>
+                      </a:solidFill>
+                      <a:prstDash val="solid"/>
+                    </a:lnB>
+                    <a:noFill/>
+                  </a:tcPr>
+                </a:tc>
+                <a:tc>
+                  <a:txBody>
+                    <a:bodyPr/>
+                    <a:lstStyle/>
+                    <a:p>
+                      <a:pPr marL="0" marR="0">
+                        <a:spcBef>
+                          <a:spcPts val="0"/>
+                        </a:spcBef>
+                        <a:spcAft>
+                          <a:spcPts val="0"/>
+                        </a:spcAft>
+                      </a:pPr>
+                      <a:r>
+                        <a:rPr lang="en-US" sz="1400" cap="none" spc="0">
+                          <a:solidFill>
+                            <a:schemeClr val="tx1"/>
+                          </a:solidFill>
+                          <a:effectLst/>
+                          <a:latin typeface="Calibri" panose="020F0502020204030204" pitchFamily="34" charset="0"/>
+                        </a:rPr>
+                        <a:t>5090</a:t>
+                      </a:r>
+                      <a:endParaRPr lang="en-US" sz="1400" cap="none" spc="0">
+                        <a:solidFill>
+                          <a:schemeClr val="tx1"/>
+                        </a:solidFill>
+                        <a:effectLst/>
+                        <a:latin typeface="Times New Roman" panose="02020603050405020304" pitchFamily="18" charset="0"/>
+                      </a:endParaRPr>
+                    </a:p>
+                  </a:txBody>
+                  <a:tcPr marL="76929" marR="54949" marT="0" marB="109899">
+                    <a:lnL w="12700" cmpd="sng">
+                      <a:noFill/>
+                      <a:prstDash val="solid"/>
+                    </a:lnL>
+                    <a:lnR w="12700" cmpd="sng">
+                      <a:noFill/>
+                      <a:prstDash val="solid"/>
+                    </a:lnR>
+                    <a:lnT w="12700" cmpd="sng">
+                      <a:noFill/>
+                      <a:prstDash val="solid"/>
+                    </a:lnT>
+                    <a:lnB w="12700" cap="flat" cmpd="sng" algn="ctr">
+                      <a:solidFill>
+                        <a:schemeClr val="tx1"/>
+                      </a:solidFill>
+                      <a:prstDash val="solid"/>
+                    </a:lnB>
+                    <a:noFill/>
+                  </a:tcPr>
+                </a:tc>
+                <a:extLst>
+                  <a:ext uri="{0D108BD9-81ED-4DB2-BD59-A6C34878D82A}">
+                    <a16:rowId xmlns:a16="http://schemas.microsoft.com/office/drawing/2014/main" val="569265022"/>
+                  </a:ext>
+                </a:extLst>
+              </a:tr>
+              <a:tr h="400691">
+                <a:tc>
+                  <a:txBody>
+                    <a:bodyPr/>
+                    <a:lstStyle/>
+                    <a:p>
+                      <a:r>
+                        <a:rPr lang="en-US" sz="1400" cap="none" spc="0">
+                          <a:solidFill>
+                            <a:schemeClr val="tx1"/>
+                          </a:solidFill>
+                        </a:rPr>
+                        <a:t>Range 3</a:t>
+                      </a:r>
+                    </a:p>
+                  </a:txBody>
+                  <a:tcPr marL="76929" marR="54949" marT="40804" marB="109899">
+                    <a:lnL w="12700" cmpd="sng">
+                      <a:noFill/>
+                      <a:prstDash val="solid"/>
+                    </a:lnL>
+                    <a:lnR w="12700" cmpd="sng">
+                      <a:noFill/>
+                      <a:prstDash val="solid"/>
+                    </a:lnR>
+                    <a:lnT w="12700" cap="flat" cmpd="sng" algn="ctr">
+                      <a:solidFill>
+                        <a:schemeClr val="tx1"/>
+                      </a:solidFill>
+                      <a:prstDash val="solid"/>
+                    </a:lnT>
+                    <a:lnB w="12700" cmpd="sng">
+                      <a:noFill/>
+                      <a:prstDash val="solid"/>
+                    </a:lnB>
+                    <a:solidFill>
+                      <a:schemeClr val="bg1">
+                        <a:lumMod val="95000"/>
+                      </a:schemeClr>
+                    </a:solidFill>
+                  </a:tcPr>
+                </a:tc>
+                <a:tc>
+                  <a:txBody>
+                    <a:bodyPr/>
+                    <a:lstStyle/>
+                    <a:p>
+                      <a:pPr marL="0" marR="0">
+                        <a:spcBef>
+                          <a:spcPts val="0"/>
+                        </a:spcBef>
+                        <a:spcAft>
+                          <a:spcPts val="0"/>
+                        </a:spcAft>
+                      </a:pPr>
+                      <a:r>
+                        <a:rPr lang="en-US" sz="1400" cap="none" spc="0">
+                          <a:solidFill>
+                            <a:schemeClr val="tx1"/>
+                          </a:solidFill>
+                          <a:effectLst/>
+                          <a:latin typeface="Calibri" panose="020F0502020204030204" pitchFamily="34" charset="0"/>
+                        </a:rPr>
+                        <a:t>5419</a:t>
+                      </a:r>
+                      <a:endParaRPr lang="en-US" sz="1400" cap="none" spc="0">
+                        <a:solidFill>
+                          <a:schemeClr val="tx1"/>
+                        </a:solidFill>
+                        <a:effectLst/>
+                        <a:latin typeface="Times New Roman" panose="02020603050405020304" pitchFamily="18" charset="0"/>
+                      </a:endParaRPr>
+                    </a:p>
+                  </a:txBody>
+                  <a:tcPr marL="76929" marR="54949" marT="0" marB="109899">
+                    <a:lnL w="12700" cmpd="sng">
+                      <a:noFill/>
+                      <a:prstDash val="solid"/>
+                    </a:lnL>
+                    <a:lnR w="12700" cmpd="sng">
+                      <a:noFill/>
+                      <a:prstDash val="solid"/>
+                    </a:lnR>
+                    <a:lnT w="12700" cap="flat" cmpd="sng" algn="ctr">
+                      <a:solidFill>
+                        <a:schemeClr val="tx1"/>
+                      </a:solidFill>
+                      <a:prstDash val="solid"/>
+                    </a:lnT>
+                    <a:lnB w="12700" cmpd="sng">
+                      <a:noFill/>
+                      <a:prstDash val="solid"/>
+                    </a:lnB>
+                    <a:solidFill>
+                      <a:schemeClr val="bg1">
+                        <a:lumMod val="95000"/>
+                      </a:schemeClr>
+                    </a:solidFill>
+                  </a:tcPr>
+                </a:tc>
+                <a:tc>
+                  <a:txBody>
+                    <a:bodyPr/>
+                    <a:lstStyle/>
+                    <a:p>
+                      <a:pPr marL="0" marR="0">
+                        <a:spcBef>
+                          <a:spcPts val="0"/>
+                        </a:spcBef>
+                        <a:spcAft>
+                          <a:spcPts val="0"/>
+                        </a:spcAft>
+                      </a:pPr>
+                      <a:r>
+                        <a:rPr lang="en-US" sz="1400" cap="none" spc="0">
+                          <a:solidFill>
+                            <a:schemeClr val="tx1"/>
+                          </a:solidFill>
+                          <a:effectLst/>
+                          <a:latin typeface="Calibri" panose="020F0502020204030204" pitchFamily="34" charset="0"/>
+                        </a:rPr>
+                        <a:t>6012</a:t>
+                      </a:r>
+                      <a:endParaRPr lang="en-US" sz="1400" cap="none" spc="0">
+                        <a:solidFill>
+                          <a:schemeClr val="tx1"/>
+                        </a:solidFill>
+                        <a:effectLst/>
+                        <a:latin typeface="Times New Roman" panose="02020603050405020304" pitchFamily="18" charset="0"/>
+                      </a:endParaRPr>
+                    </a:p>
+                  </a:txBody>
+                  <a:tcPr marL="76929" marR="54949" marT="0" marB="109899">
+                    <a:lnL w="12700" cmpd="sng">
+                      <a:noFill/>
+                      <a:prstDash val="solid"/>
+                    </a:lnL>
+                    <a:lnR w="12700" cmpd="sng">
+                      <a:noFill/>
+                      <a:prstDash val="solid"/>
+                    </a:lnR>
+                    <a:lnT w="12700" cap="flat" cmpd="sng" algn="ctr">
+                      <a:solidFill>
+                        <a:schemeClr val="tx1"/>
+                      </a:solidFill>
+                      <a:prstDash val="solid"/>
+                    </a:lnT>
+                    <a:lnB w="12700" cmpd="sng">
+                      <a:noFill/>
+                      <a:prstDash val="solid"/>
+                    </a:lnB>
+                    <a:solidFill>
+                      <a:schemeClr val="bg1">
+                        <a:lumMod val="95000"/>
+                      </a:schemeClr>
+                    </a:solidFill>
+                  </a:tcPr>
+                </a:tc>
+                <a:tc>
+                  <a:txBody>
+                    <a:bodyPr/>
+                    <a:lstStyle/>
+                    <a:p>
+                      <a:pPr marL="0" marR="0">
+                        <a:spcBef>
+                          <a:spcPts val="0"/>
+                        </a:spcBef>
+                        <a:spcAft>
+                          <a:spcPts val="0"/>
+                        </a:spcAft>
+                      </a:pPr>
+                      <a:r>
+                        <a:rPr lang="en-US" sz="1400" cap="none" spc="0">
+                          <a:solidFill>
+                            <a:schemeClr val="tx1"/>
+                          </a:solidFill>
+                          <a:effectLst/>
+                          <a:latin typeface="Calibri" panose="020F0502020204030204" pitchFamily="34" charset="0"/>
+                        </a:rPr>
+                        <a:t>5670</a:t>
+                      </a:r>
+                      <a:endParaRPr lang="en-US" sz="1400" cap="none" spc="0">
+                        <a:solidFill>
+                          <a:schemeClr val="tx1"/>
+                        </a:solidFill>
+                        <a:effectLst/>
+                        <a:latin typeface="Times New Roman" panose="02020603050405020304" pitchFamily="18" charset="0"/>
+                      </a:endParaRPr>
+                    </a:p>
+                  </a:txBody>
+                  <a:tcPr marL="76929" marR="54949" marT="0" marB="109899">
+                    <a:lnL w="12700" cmpd="sng">
+                      <a:noFill/>
+                      <a:prstDash val="solid"/>
+                    </a:lnL>
+                    <a:lnR w="12700" cmpd="sng">
+                      <a:noFill/>
+                      <a:prstDash val="solid"/>
+                    </a:lnR>
+                    <a:lnT w="12700" cap="flat" cmpd="sng" algn="ctr">
+                      <a:solidFill>
+                        <a:schemeClr val="tx1"/>
+                      </a:solidFill>
+                      <a:prstDash val="solid"/>
+                    </a:lnT>
+                    <a:lnB w="12700" cmpd="sng">
+                      <a:noFill/>
+                      <a:prstDash val="solid"/>
+                    </a:lnB>
+                    <a:solidFill>
+                      <a:schemeClr val="bg1">
+                        <a:lumMod val="95000"/>
+                      </a:schemeClr>
+                    </a:solidFill>
+                  </a:tcPr>
+                </a:tc>
+                <a:tc>
+                  <a:txBody>
+                    <a:bodyPr/>
+                    <a:lstStyle/>
+                    <a:p>
+                      <a:pPr marL="0" marR="0">
+                        <a:spcBef>
+                          <a:spcPts val="0"/>
+                        </a:spcBef>
+                        <a:spcAft>
+                          <a:spcPts val="0"/>
+                        </a:spcAft>
+                      </a:pPr>
+                      <a:r>
+                        <a:rPr lang="en-US" sz="1400" cap="none" spc="0">
+                          <a:solidFill>
+                            <a:schemeClr val="tx1"/>
+                          </a:solidFill>
+                          <a:effectLst/>
+                          <a:latin typeface="Calibri" panose="020F0502020204030204" pitchFamily="34" charset="0"/>
+                        </a:rPr>
+                        <a:t>5730</a:t>
+                      </a:r>
+                      <a:endParaRPr lang="en-US" sz="1400" cap="none" spc="0">
+                        <a:solidFill>
+                          <a:schemeClr val="tx1"/>
+                        </a:solidFill>
+                        <a:effectLst/>
+                        <a:latin typeface="Times New Roman" panose="02020603050405020304" pitchFamily="18" charset="0"/>
+                      </a:endParaRPr>
+                    </a:p>
+                  </a:txBody>
+                  <a:tcPr marL="76929" marR="54949" marT="0" marB="109899">
+                    <a:lnL w="12700" cmpd="sng">
+                      <a:noFill/>
+                      <a:prstDash val="solid"/>
+                    </a:lnL>
+                    <a:lnR w="12700" cmpd="sng">
+                      <a:noFill/>
+                      <a:prstDash val="solid"/>
+                    </a:lnR>
+                    <a:lnT w="12700" cap="flat" cmpd="sng" algn="ctr">
+                      <a:solidFill>
+                        <a:schemeClr val="tx1"/>
+                      </a:solidFill>
+                      <a:prstDash val="solid"/>
+                    </a:lnT>
+                    <a:lnB w="12700" cmpd="sng">
+                      <a:noFill/>
+                      <a:prstDash val="solid"/>
+                    </a:lnB>
+                    <a:solidFill>
+                      <a:schemeClr val="bg1">
+                        <a:lumMod val="95000"/>
+                      </a:schemeClr>
+                    </a:solidFill>
+                  </a:tcPr>
+                </a:tc>
+                <a:extLst>
+                  <a:ext uri="{0D108BD9-81ED-4DB2-BD59-A6C34878D82A}">
+                    <a16:rowId xmlns:a16="http://schemas.microsoft.com/office/drawing/2014/main" val="1772742290"/>
+                  </a:ext>
+                </a:extLst>
+              </a:tr>
+              <a:tr h="400691">
+                <a:tc>
+                  <a:txBody>
+                    <a:bodyPr/>
+                    <a:lstStyle/>
+                    <a:p>
+                      <a:r>
+                        <a:rPr lang="en-US" sz="1400" cap="none" spc="0">
+                          <a:solidFill>
+                            <a:schemeClr val="tx1"/>
+                          </a:solidFill>
+                        </a:rPr>
+                        <a:t>Range 4</a:t>
+                      </a:r>
+                    </a:p>
+                  </a:txBody>
+                  <a:tcPr marL="76929" marR="54949" marT="40804" marB="109899">
+                    <a:lnL w="12700" cmpd="sng">
+                      <a:noFill/>
+                      <a:prstDash val="solid"/>
+                    </a:lnL>
+                    <a:lnR w="12700" cmpd="sng">
+                      <a:noFill/>
+                      <a:prstDash val="solid"/>
+                    </a:lnR>
+                    <a:lnT w="12700" cmpd="sng">
+                      <a:noFill/>
+                      <a:prstDash val="solid"/>
+                    </a:lnT>
+                    <a:lnB w="12700" cap="flat" cmpd="sng" algn="ctr">
+                      <a:solidFill>
+                        <a:schemeClr val="tx1"/>
+                      </a:solidFill>
+                      <a:prstDash val="solid"/>
+                    </a:lnB>
+                    <a:noFill/>
+                  </a:tcPr>
+                </a:tc>
+                <a:tc>
+                  <a:txBody>
+                    <a:bodyPr/>
+                    <a:lstStyle/>
+                    <a:p>
+                      <a:pPr marL="0" marR="0">
+                        <a:spcBef>
+                          <a:spcPts val="0"/>
+                        </a:spcBef>
+                        <a:spcAft>
+                          <a:spcPts val="0"/>
+                        </a:spcAft>
+                      </a:pPr>
+                      <a:r>
+                        <a:rPr lang="en-US" sz="1400" cap="none" spc="0">
+                          <a:solidFill>
+                            <a:schemeClr val="tx1"/>
+                          </a:solidFill>
+                          <a:effectLst/>
+                          <a:latin typeface="Calibri" panose="020F0502020204030204" pitchFamily="34" charset="0"/>
+                        </a:rPr>
+                        <a:t>6160</a:t>
+                      </a:r>
+                      <a:endParaRPr lang="en-US" sz="1400" cap="none" spc="0">
+                        <a:solidFill>
+                          <a:schemeClr val="tx1"/>
+                        </a:solidFill>
+                        <a:effectLst/>
+                        <a:latin typeface="Times New Roman" panose="02020603050405020304" pitchFamily="18" charset="0"/>
+                      </a:endParaRPr>
+                    </a:p>
+                  </a:txBody>
+                  <a:tcPr marL="76929" marR="54949" marT="0" marB="109899">
+                    <a:lnL w="12700" cmpd="sng">
+                      <a:noFill/>
+                      <a:prstDash val="solid"/>
+                    </a:lnL>
+                    <a:lnR w="12700" cmpd="sng">
+                      <a:noFill/>
+                      <a:prstDash val="solid"/>
+                    </a:lnR>
+                    <a:lnT w="12700" cmpd="sng">
+                      <a:noFill/>
+                      <a:prstDash val="solid"/>
+                    </a:lnT>
+                    <a:lnB w="12700" cap="flat" cmpd="sng" algn="ctr">
+                      <a:solidFill>
+                        <a:schemeClr val="tx1"/>
+                      </a:solidFill>
+                      <a:prstDash val="solid"/>
+                    </a:lnB>
+                    <a:noFill/>
+                  </a:tcPr>
+                </a:tc>
+                <a:tc>
+                  <a:txBody>
+                    <a:bodyPr/>
+                    <a:lstStyle/>
+                    <a:p>
+                      <a:pPr marL="0" marR="0">
+                        <a:spcBef>
+                          <a:spcPts val="0"/>
+                        </a:spcBef>
+                        <a:spcAft>
+                          <a:spcPts val="0"/>
+                        </a:spcAft>
+                      </a:pPr>
+                      <a:r>
+                        <a:rPr lang="en-US" sz="1400" cap="none" spc="0">
+                          <a:solidFill>
+                            <a:schemeClr val="tx1"/>
+                          </a:solidFill>
+                          <a:effectLst/>
+                          <a:latin typeface="Calibri" panose="020F0502020204030204" pitchFamily="34" charset="0"/>
+                        </a:rPr>
+                        <a:t>6988</a:t>
+                      </a:r>
+                      <a:endParaRPr lang="en-US" sz="1400" cap="none" spc="0">
+                        <a:solidFill>
+                          <a:schemeClr val="tx1"/>
+                        </a:solidFill>
+                        <a:effectLst/>
+                        <a:latin typeface="Times New Roman" panose="02020603050405020304" pitchFamily="18" charset="0"/>
+                      </a:endParaRPr>
+                    </a:p>
+                  </a:txBody>
+                  <a:tcPr marL="76929" marR="54949" marT="0" marB="109899">
+                    <a:lnL w="12700" cmpd="sng">
+                      <a:noFill/>
+                      <a:prstDash val="solid"/>
+                    </a:lnL>
+                    <a:lnR w="12700" cmpd="sng">
+                      <a:noFill/>
+                      <a:prstDash val="solid"/>
+                    </a:lnR>
+                    <a:lnT w="12700" cmpd="sng">
+                      <a:noFill/>
+                      <a:prstDash val="solid"/>
+                    </a:lnT>
+                    <a:lnB w="12700" cap="flat" cmpd="sng" algn="ctr">
+                      <a:solidFill>
+                        <a:schemeClr val="tx1"/>
+                      </a:solidFill>
+                      <a:prstDash val="solid"/>
+                    </a:lnB>
+                    <a:noFill/>
+                  </a:tcPr>
+                </a:tc>
+                <a:tc>
+                  <a:txBody>
+                    <a:bodyPr/>
+                    <a:lstStyle/>
+                    <a:p>
+                      <a:pPr marL="0" marR="0">
+                        <a:spcBef>
+                          <a:spcPts val="0"/>
+                        </a:spcBef>
+                        <a:spcAft>
+                          <a:spcPts val="0"/>
+                        </a:spcAft>
+                      </a:pPr>
+                      <a:r>
+                        <a:rPr lang="en-US" sz="1400" cap="none" spc="0">
+                          <a:solidFill>
+                            <a:schemeClr val="tx1"/>
+                          </a:solidFill>
+                          <a:effectLst/>
+                          <a:latin typeface="Calibri" panose="020F0502020204030204" pitchFamily="34" charset="0"/>
+                        </a:rPr>
+                        <a:t>6510</a:t>
+                      </a:r>
+                      <a:endParaRPr lang="en-US" sz="1400" cap="none" spc="0">
+                        <a:solidFill>
+                          <a:schemeClr val="tx1"/>
+                        </a:solidFill>
+                        <a:effectLst/>
+                        <a:latin typeface="Times New Roman" panose="02020603050405020304" pitchFamily="18" charset="0"/>
+                      </a:endParaRPr>
+                    </a:p>
+                  </a:txBody>
+                  <a:tcPr marL="76929" marR="54949" marT="0" marB="109899">
+                    <a:lnL w="12700" cmpd="sng">
+                      <a:noFill/>
+                      <a:prstDash val="solid"/>
+                    </a:lnL>
+                    <a:lnR w="12700" cmpd="sng">
+                      <a:noFill/>
+                      <a:prstDash val="solid"/>
+                    </a:lnR>
+                    <a:lnT w="12700" cmpd="sng">
+                      <a:noFill/>
+                      <a:prstDash val="solid"/>
+                    </a:lnT>
+                    <a:lnB w="12700" cap="flat" cmpd="sng" algn="ctr">
+                      <a:solidFill>
+                        <a:schemeClr val="tx1"/>
+                      </a:solidFill>
+                      <a:prstDash val="solid"/>
+                    </a:lnB>
+                    <a:noFill/>
+                  </a:tcPr>
+                </a:tc>
+                <a:tc>
+                  <a:txBody>
+                    <a:bodyPr/>
+                    <a:lstStyle/>
+                    <a:p>
+                      <a:pPr marL="0" marR="0">
+                        <a:spcBef>
+                          <a:spcPts val="0"/>
+                        </a:spcBef>
+                        <a:spcAft>
+                          <a:spcPts val="0"/>
+                        </a:spcAft>
+                      </a:pPr>
+                      <a:r>
+                        <a:rPr lang="en-US" sz="1400" cap="none" spc="0">
+                          <a:solidFill>
+                            <a:schemeClr val="tx1"/>
+                          </a:solidFill>
+                          <a:effectLst/>
+                          <a:latin typeface="Calibri" panose="020F0502020204030204" pitchFamily="34" charset="0"/>
+                        </a:rPr>
+                        <a:t>6600</a:t>
+                      </a:r>
+                      <a:endParaRPr lang="en-US" sz="1400" cap="none" spc="0">
+                        <a:solidFill>
+                          <a:schemeClr val="tx1"/>
+                        </a:solidFill>
+                        <a:effectLst/>
+                        <a:latin typeface="Times New Roman" panose="02020603050405020304" pitchFamily="18" charset="0"/>
+                      </a:endParaRPr>
+                    </a:p>
+                  </a:txBody>
+                  <a:tcPr marL="76929" marR="54949" marT="0" marB="109899">
+                    <a:lnL w="12700" cmpd="sng">
+                      <a:noFill/>
+                      <a:prstDash val="solid"/>
+                    </a:lnL>
+                    <a:lnR w="12700" cmpd="sng">
+                      <a:noFill/>
+                      <a:prstDash val="solid"/>
+                    </a:lnR>
+                    <a:lnT w="12700" cmpd="sng">
+                      <a:noFill/>
+                      <a:prstDash val="solid"/>
+                    </a:lnT>
+                    <a:lnB w="12700" cap="flat" cmpd="sng" algn="ctr">
+                      <a:solidFill>
+                        <a:schemeClr val="tx1"/>
+                      </a:solidFill>
+                      <a:prstDash val="solid"/>
+                    </a:lnB>
+                    <a:noFill/>
+                  </a:tcPr>
+                </a:tc>
+                <a:extLst>
+                  <a:ext uri="{0D108BD9-81ED-4DB2-BD59-A6C34878D82A}">
+                    <a16:rowId xmlns:a16="http://schemas.microsoft.com/office/drawing/2014/main" val="834706111"/>
+                  </a:ext>
+                </a:extLst>
+              </a:tr>
+              <a:tr h="400691">
+                <a:tc>
+                  <a:txBody>
+                    <a:bodyPr/>
+                    <a:lstStyle/>
+                    <a:p>
+                      <a:r>
+                        <a:rPr lang="en-US" sz="1400" cap="none" spc="0">
+                          <a:solidFill>
+                            <a:schemeClr val="tx1"/>
+                          </a:solidFill>
+                        </a:rPr>
+                        <a:t>Range 5</a:t>
+                      </a:r>
+                    </a:p>
+                  </a:txBody>
+                  <a:tcPr marL="76929" marR="54949" marT="40804" marB="109899">
+                    <a:lnL w="12700" cmpd="sng">
+                      <a:noFill/>
+                      <a:prstDash val="solid"/>
+                    </a:lnL>
+                    <a:lnR w="12700" cmpd="sng">
+                      <a:noFill/>
+                      <a:prstDash val="solid"/>
+                    </a:lnR>
+                    <a:lnT w="12700" cap="flat" cmpd="sng" algn="ctr">
+                      <a:solidFill>
+                        <a:schemeClr val="tx1"/>
+                      </a:solidFill>
+                      <a:prstDash val="solid"/>
+                    </a:lnT>
+                    <a:lnB w="12700" cmpd="sng">
+                      <a:noFill/>
+                      <a:prstDash val="solid"/>
+                    </a:lnB>
+                    <a:solidFill>
+                      <a:schemeClr val="bg1">
+                        <a:lumMod val="95000"/>
+                      </a:schemeClr>
+                    </a:solidFill>
+                  </a:tcPr>
+                </a:tc>
+                <a:tc>
+                  <a:txBody>
+                    <a:bodyPr/>
+                    <a:lstStyle/>
+                    <a:p>
+                      <a:pPr marL="0" marR="0">
+                        <a:spcBef>
+                          <a:spcPts val="0"/>
+                        </a:spcBef>
+                        <a:spcAft>
+                          <a:spcPts val="0"/>
+                        </a:spcAft>
+                      </a:pPr>
+                      <a:r>
+                        <a:rPr lang="en-US" sz="1400" cap="none" spc="0">
+                          <a:solidFill>
+                            <a:schemeClr val="tx1"/>
+                          </a:solidFill>
+                          <a:effectLst/>
+                          <a:latin typeface="Calibri" panose="020F0502020204030204" pitchFamily="34" charset="0"/>
+                        </a:rPr>
+                        <a:t>7189</a:t>
+                      </a:r>
+                      <a:endParaRPr lang="en-US" sz="1400" cap="none" spc="0">
+                        <a:solidFill>
+                          <a:schemeClr val="tx1"/>
+                        </a:solidFill>
+                        <a:effectLst/>
+                        <a:latin typeface="Times New Roman" panose="02020603050405020304" pitchFamily="18" charset="0"/>
+                      </a:endParaRPr>
+                    </a:p>
+                  </a:txBody>
+                  <a:tcPr marL="76929" marR="54949" marT="0" marB="109899">
+                    <a:lnL w="12700" cmpd="sng">
+                      <a:noFill/>
+                      <a:prstDash val="solid"/>
+                    </a:lnL>
+                    <a:lnR w="12700" cmpd="sng">
+                      <a:noFill/>
+                      <a:prstDash val="solid"/>
+                    </a:lnR>
+                    <a:lnT w="12700" cap="flat" cmpd="sng" algn="ctr">
+                      <a:solidFill>
+                        <a:schemeClr val="tx1"/>
+                      </a:solidFill>
+                      <a:prstDash val="solid"/>
+                    </a:lnT>
+                    <a:lnB w="12700" cmpd="sng">
+                      <a:noFill/>
+                      <a:prstDash val="solid"/>
+                    </a:lnB>
+                    <a:solidFill>
+                      <a:schemeClr val="bg1">
+                        <a:lumMod val="95000"/>
+                      </a:schemeClr>
+                    </a:solidFill>
+                  </a:tcPr>
+                </a:tc>
+                <a:tc>
+                  <a:txBody>
+                    <a:bodyPr/>
+                    <a:lstStyle/>
+                    <a:p>
+                      <a:pPr marL="0" marR="0">
+                        <a:spcBef>
+                          <a:spcPts val="0"/>
+                        </a:spcBef>
+                        <a:spcAft>
+                          <a:spcPts val="0"/>
+                        </a:spcAft>
+                      </a:pPr>
+                      <a:r>
+                        <a:rPr lang="en-US" sz="1400" cap="none" spc="0">
+                          <a:solidFill>
+                            <a:schemeClr val="tx1"/>
+                          </a:solidFill>
+                          <a:effectLst/>
+                          <a:latin typeface="Calibri" panose="020F0502020204030204" pitchFamily="34" charset="0"/>
+                        </a:rPr>
+                        <a:t>8900</a:t>
+                      </a:r>
+                      <a:endParaRPr lang="en-US" sz="1400" cap="none" spc="0">
+                        <a:solidFill>
+                          <a:schemeClr val="tx1"/>
+                        </a:solidFill>
+                        <a:effectLst/>
+                        <a:latin typeface="Times New Roman" panose="02020603050405020304" pitchFamily="18" charset="0"/>
+                      </a:endParaRPr>
+                    </a:p>
+                  </a:txBody>
+                  <a:tcPr marL="76929" marR="54949" marT="0" marB="109899">
+                    <a:lnL w="12700" cmpd="sng">
+                      <a:noFill/>
+                      <a:prstDash val="solid"/>
+                    </a:lnL>
+                    <a:lnR w="12700" cmpd="sng">
+                      <a:noFill/>
+                      <a:prstDash val="solid"/>
+                    </a:lnR>
+                    <a:lnT w="12700" cap="flat" cmpd="sng" algn="ctr">
+                      <a:solidFill>
+                        <a:schemeClr val="tx1"/>
+                      </a:solidFill>
+                      <a:prstDash val="solid"/>
+                    </a:lnT>
+                    <a:lnB w="12700" cmpd="sng">
+                      <a:noFill/>
+                      <a:prstDash val="solid"/>
+                    </a:lnB>
+                    <a:solidFill>
+                      <a:schemeClr val="bg1">
+                        <a:lumMod val="95000"/>
+                      </a:schemeClr>
+                    </a:solidFill>
+                  </a:tcPr>
+                </a:tc>
+                <a:tc>
+                  <a:txBody>
+                    <a:bodyPr/>
+                    <a:lstStyle/>
+                    <a:p>
+                      <a:pPr marL="0" marR="0">
+                        <a:spcBef>
+                          <a:spcPts val="0"/>
+                        </a:spcBef>
+                        <a:spcAft>
+                          <a:spcPts val="0"/>
+                        </a:spcAft>
+                      </a:pPr>
+                      <a:r>
+                        <a:rPr lang="en-US" sz="1400" cap="none" spc="0">
+                          <a:solidFill>
+                            <a:schemeClr val="tx1"/>
+                          </a:solidFill>
+                          <a:effectLst/>
+                          <a:latin typeface="Calibri" panose="020F0502020204030204" pitchFamily="34" charset="0"/>
+                        </a:rPr>
+                        <a:t>7710</a:t>
+                      </a:r>
+                      <a:endParaRPr lang="en-US" sz="1400" cap="none" spc="0">
+                        <a:solidFill>
+                          <a:schemeClr val="tx1"/>
+                        </a:solidFill>
+                        <a:effectLst/>
+                        <a:latin typeface="Times New Roman" panose="02020603050405020304" pitchFamily="18" charset="0"/>
+                      </a:endParaRPr>
+                    </a:p>
+                  </a:txBody>
+                  <a:tcPr marL="76929" marR="54949" marT="0" marB="109899">
+                    <a:lnL w="12700" cmpd="sng">
+                      <a:noFill/>
+                      <a:prstDash val="solid"/>
+                    </a:lnL>
+                    <a:lnR w="12700" cmpd="sng">
+                      <a:noFill/>
+                      <a:prstDash val="solid"/>
+                    </a:lnR>
+                    <a:lnT w="12700" cap="flat" cmpd="sng" algn="ctr">
+                      <a:solidFill>
+                        <a:schemeClr val="tx1"/>
+                      </a:solidFill>
+                      <a:prstDash val="solid"/>
+                    </a:lnT>
+                    <a:lnB w="12700" cmpd="sng">
+                      <a:noFill/>
+                      <a:prstDash val="solid"/>
+                    </a:lnB>
+                    <a:solidFill>
+                      <a:schemeClr val="bg1">
+                        <a:lumMod val="95000"/>
+                      </a:schemeClr>
+                    </a:solidFill>
+                  </a:tcPr>
+                </a:tc>
+                <a:tc>
+                  <a:txBody>
+                    <a:bodyPr/>
+                    <a:lstStyle/>
+                    <a:p>
+                      <a:pPr marL="0" marR="0">
+                        <a:spcBef>
+                          <a:spcPts val="0"/>
+                        </a:spcBef>
+                        <a:spcAft>
+                          <a:spcPts val="0"/>
+                        </a:spcAft>
+                      </a:pPr>
+                      <a:r>
+                        <a:rPr lang="en-US" sz="1400" cap="none" spc="0">
+                          <a:solidFill>
+                            <a:schemeClr val="tx1"/>
+                          </a:solidFill>
+                          <a:effectLst/>
+                          <a:latin typeface="Calibri" panose="020F0502020204030204" pitchFamily="34" charset="0"/>
+                        </a:rPr>
+                        <a:t>7870</a:t>
+                      </a:r>
+                      <a:endParaRPr lang="en-US" sz="1400" cap="none" spc="0">
+                        <a:solidFill>
+                          <a:schemeClr val="tx1"/>
+                        </a:solidFill>
+                        <a:effectLst/>
+                        <a:latin typeface="Times New Roman" panose="02020603050405020304" pitchFamily="18" charset="0"/>
+                      </a:endParaRPr>
+                    </a:p>
+                  </a:txBody>
+                  <a:tcPr marL="76929" marR="54949" marT="0" marB="109899">
+                    <a:lnL w="12700" cmpd="sng">
+                      <a:noFill/>
+                      <a:prstDash val="solid"/>
+                    </a:lnL>
+                    <a:lnR w="12700" cmpd="sng">
+                      <a:noFill/>
+                      <a:prstDash val="solid"/>
+                    </a:lnR>
+                    <a:lnT w="12700" cap="flat" cmpd="sng" algn="ctr">
+                      <a:solidFill>
+                        <a:schemeClr val="tx1"/>
+                      </a:solidFill>
+                      <a:prstDash val="solid"/>
+                    </a:lnT>
+                    <a:lnB w="12700" cmpd="sng">
+                      <a:noFill/>
+                      <a:prstDash val="solid"/>
+                    </a:lnB>
+                    <a:solidFill>
+                      <a:schemeClr val="bg1">
+                        <a:lumMod val="95000"/>
+                      </a:schemeClr>
+                    </a:solidFill>
+                  </a:tcPr>
+                </a:tc>
+                <a:extLst>
+                  <a:ext uri="{0D108BD9-81ED-4DB2-BD59-A6C34878D82A}">
+                    <a16:rowId xmlns:a16="http://schemas.microsoft.com/office/drawing/2014/main" val="2981180355"/>
+                  </a:ext>
+                </a:extLst>
+              </a:tr>
+              <a:tr h="400691">
+                <a:tc>
+                  <a:txBody>
+                    <a:bodyPr/>
+                    <a:lstStyle/>
+                    <a:p>
+                      <a:r>
+                        <a:rPr lang="en-US" sz="1400" cap="none" spc="0">
+                          <a:solidFill>
+                            <a:schemeClr val="tx1"/>
+                          </a:solidFill>
+                        </a:rPr>
+                        <a:t>Range 6</a:t>
+                      </a:r>
+                    </a:p>
+                  </a:txBody>
+                  <a:tcPr marL="76929" marR="54949" marT="40804" marB="109899">
+                    <a:lnL w="12700" cmpd="sng">
+                      <a:noFill/>
+                      <a:prstDash val="solid"/>
+                    </a:lnL>
+                    <a:lnR w="12700" cmpd="sng">
+                      <a:noFill/>
+                      <a:prstDash val="solid"/>
+                    </a:lnR>
+                    <a:lnT w="12700" cmpd="sng">
+                      <a:noFill/>
+                      <a:prstDash val="solid"/>
+                    </a:lnT>
+                    <a:lnB w="12700" cap="flat" cmpd="sng" algn="ctr">
+                      <a:solidFill>
+                        <a:schemeClr val="tx1"/>
+                      </a:solidFill>
+                      <a:prstDash val="solid"/>
+                    </a:lnB>
+                    <a:noFill/>
+                  </a:tcPr>
+                </a:tc>
+                <a:tc>
+                  <a:txBody>
+                    <a:bodyPr/>
+                    <a:lstStyle/>
+                    <a:p>
+                      <a:pPr marL="0" marR="0">
+                        <a:spcBef>
+                          <a:spcPts val="0"/>
+                        </a:spcBef>
+                        <a:spcAft>
+                          <a:spcPts val="0"/>
+                        </a:spcAft>
+                      </a:pPr>
+                      <a:r>
+                        <a:rPr lang="en-US" sz="1400" cap="none" spc="0">
+                          <a:solidFill>
+                            <a:schemeClr val="tx1"/>
+                          </a:solidFill>
+                          <a:effectLst/>
+                          <a:latin typeface="Calibri" panose="020F0502020204030204" pitchFamily="34" charset="0"/>
+                        </a:rPr>
+                        <a:t>9230</a:t>
+                      </a:r>
+                      <a:endParaRPr lang="en-US" sz="1400" cap="none" spc="0">
+                        <a:solidFill>
+                          <a:schemeClr val="tx1"/>
+                        </a:solidFill>
+                        <a:effectLst/>
+                        <a:latin typeface="Times New Roman" panose="02020603050405020304" pitchFamily="18" charset="0"/>
+                      </a:endParaRPr>
+                    </a:p>
+                  </a:txBody>
+                  <a:tcPr marL="76929" marR="54949" marT="0" marB="109899">
+                    <a:lnL w="12700" cmpd="sng">
+                      <a:noFill/>
+                      <a:prstDash val="solid"/>
+                    </a:lnL>
+                    <a:lnR w="12700" cmpd="sng">
+                      <a:noFill/>
+                      <a:prstDash val="solid"/>
+                    </a:lnR>
+                    <a:lnT w="12700" cmpd="sng">
+                      <a:noFill/>
+                      <a:prstDash val="solid"/>
+                    </a:lnT>
+                    <a:lnB w="12700" cap="flat" cmpd="sng" algn="ctr">
+                      <a:solidFill>
+                        <a:schemeClr val="tx1"/>
+                      </a:solidFill>
+                      <a:prstDash val="solid"/>
+                    </a:lnB>
+                    <a:noFill/>
+                  </a:tcPr>
+                </a:tc>
+                <a:tc>
+                  <a:txBody>
+                    <a:bodyPr/>
+                    <a:lstStyle/>
+                    <a:p>
+                      <a:pPr marL="0" marR="0">
+                        <a:spcBef>
+                          <a:spcPts val="0"/>
+                        </a:spcBef>
+                        <a:spcAft>
+                          <a:spcPts val="0"/>
+                        </a:spcAft>
+                      </a:pPr>
+                      <a:r>
+                        <a:rPr lang="en-US" sz="1400" cap="none" spc="0">
+                          <a:solidFill>
+                            <a:schemeClr val="tx1"/>
+                          </a:solidFill>
+                          <a:effectLst/>
+                          <a:latin typeface="Calibri" panose="020F0502020204030204" pitchFamily="34" charset="0"/>
+                        </a:rPr>
+                        <a:t>25000</a:t>
+                      </a:r>
+                      <a:endParaRPr lang="en-US" sz="1400" cap="none" spc="0">
+                        <a:solidFill>
+                          <a:schemeClr val="tx1"/>
+                        </a:solidFill>
+                        <a:effectLst/>
+                        <a:latin typeface="Times New Roman" panose="02020603050405020304" pitchFamily="18" charset="0"/>
+                      </a:endParaRPr>
+                    </a:p>
+                  </a:txBody>
+                  <a:tcPr marL="76929" marR="54949" marT="0" marB="109899">
+                    <a:lnL w="12700" cmpd="sng">
+                      <a:noFill/>
+                      <a:prstDash val="solid"/>
+                    </a:lnL>
+                    <a:lnR w="12700" cmpd="sng">
+                      <a:noFill/>
+                      <a:prstDash val="solid"/>
+                    </a:lnR>
+                    <a:lnT w="12700" cmpd="sng">
+                      <a:noFill/>
+                      <a:prstDash val="solid"/>
+                    </a:lnT>
+                    <a:lnB w="12700" cap="flat" cmpd="sng" algn="ctr">
+                      <a:solidFill>
+                        <a:schemeClr val="tx1"/>
+                      </a:solidFill>
+                      <a:prstDash val="solid"/>
+                    </a:lnB>
+                    <a:noFill/>
+                  </a:tcPr>
+                </a:tc>
+                <a:tc>
+                  <a:txBody>
+                    <a:bodyPr/>
+                    <a:lstStyle/>
+                    <a:p>
+                      <a:pPr marL="0" marR="0">
+                        <a:spcBef>
+                          <a:spcPts val="0"/>
+                        </a:spcBef>
+                        <a:spcAft>
+                          <a:spcPts val="0"/>
+                        </a:spcAft>
+                      </a:pPr>
+                      <a:r>
+                        <a:rPr lang="en-US" sz="1400" cap="none" spc="0">
+                          <a:solidFill>
+                            <a:schemeClr val="tx1"/>
+                          </a:solidFill>
+                          <a:effectLst/>
+                          <a:latin typeface="Calibri" panose="020F0502020204030204" pitchFamily="34" charset="0"/>
+                        </a:rPr>
+                        <a:t>11420</a:t>
+                      </a:r>
+                      <a:endParaRPr lang="en-US" sz="1400" cap="none" spc="0">
+                        <a:solidFill>
+                          <a:schemeClr val="tx1"/>
+                        </a:solidFill>
+                        <a:effectLst/>
+                        <a:latin typeface="Times New Roman" panose="02020603050405020304" pitchFamily="18" charset="0"/>
+                      </a:endParaRPr>
+                    </a:p>
+                  </a:txBody>
+                  <a:tcPr marL="76929" marR="54949" marT="0" marB="109899">
+                    <a:lnL w="12700" cmpd="sng">
+                      <a:noFill/>
+                      <a:prstDash val="solid"/>
+                    </a:lnL>
+                    <a:lnR w="12700" cmpd="sng">
+                      <a:noFill/>
+                      <a:prstDash val="solid"/>
+                    </a:lnR>
+                    <a:lnT w="12700" cmpd="sng">
+                      <a:noFill/>
+                      <a:prstDash val="solid"/>
+                    </a:lnT>
+                    <a:lnB w="12700" cap="flat" cmpd="sng" algn="ctr">
+                      <a:solidFill>
+                        <a:schemeClr val="tx1"/>
+                      </a:solidFill>
+                      <a:prstDash val="solid"/>
+                    </a:lnB>
+                    <a:noFill/>
+                  </a:tcPr>
+                </a:tc>
+                <a:tc>
+                  <a:txBody>
+                    <a:bodyPr/>
+                    <a:lstStyle/>
+                    <a:p>
+                      <a:pPr marL="0" marR="0">
+                        <a:spcBef>
+                          <a:spcPts val="0"/>
+                        </a:spcBef>
+                        <a:spcAft>
+                          <a:spcPts val="0"/>
+                        </a:spcAft>
+                      </a:pPr>
+                      <a:r>
+                        <a:rPr lang="en-US" sz="1400" cap="none" spc="0">
+                          <a:solidFill>
+                            <a:schemeClr val="tx1"/>
+                          </a:solidFill>
+                          <a:effectLst/>
+                          <a:latin typeface="Calibri" panose="020F0502020204030204" pitchFamily="34" charset="0"/>
+                        </a:rPr>
+                        <a:t>11930</a:t>
+                      </a:r>
+                      <a:endParaRPr lang="en-US" sz="1400" cap="none" spc="0">
+                        <a:solidFill>
+                          <a:schemeClr val="tx1"/>
+                        </a:solidFill>
+                        <a:effectLst/>
+                        <a:latin typeface="Times New Roman" panose="02020603050405020304" pitchFamily="18" charset="0"/>
+                      </a:endParaRPr>
+                    </a:p>
+                  </a:txBody>
+                  <a:tcPr marL="76929" marR="54949" marT="0" marB="109899">
+                    <a:lnL w="12700" cmpd="sng">
+                      <a:noFill/>
+                      <a:prstDash val="solid"/>
+                    </a:lnL>
+                    <a:lnR w="12700" cmpd="sng">
+                      <a:noFill/>
+                      <a:prstDash val="solid"/>
+                    </a:lnR>
+                    <a:lnT w="12700" cmpd="sng">
+                      <a:noFill/>
+                      <a:prstDash val="solid"/>
+                    </a:lnT>
+                    <a:lnB w="12700" cap="flat" cmpd="sng" algn="ctr">
+                      <a:solidFill>
+                        <a:schemeClr val="tx1"/>
+                      </a:solidFill>
+                      <a:prstDash val="solid"/>
+                    </a:lnB>
+                    <a:noFill/>
+                  </a:tcPr>
+                </a:tc>
+                <a:extLst>
+                  <a:ext uri="{0D108BD9-81ED-4DB2-BD59-A6C34878D82A}">
+                    <a16:rowId xmlns:a16="http://schemas.microsoft.com/office/drawing/2014/main" val="2753161582"/>
+                  </a:ext>
+                </a:extLst>
+              </a:tr>
+              <a:tr h="400691">
+                <a:tc>
+                  <a:txBody>
+                    <a:bodyPr/>
+                    <a:lstStyle/>
+                    <a:p>
+                      <a:r>
+                        <a:rPr lang="en-US" sz="1400" cap="none" spc="0">
+                          <a:solidFill>
+                            <a:schemeClr val="tx1"/>
+                          </a:solidFill>
+                        </a:rPr>
+                        <a:t>Range 7</a:t>
+                      </a:r>
+                    </a:p>
+                  </a:txBody>
+                  <a:tcPr marL="76929" marR="54949" marT="40804" marB="109899">
+                    <a:lnL w="12700" cmpd="sng">
+                      <a:noFill/>
+                      <a:prstDash val="solid"/>
+                    </a:lnL>
+                    <a:lnR w="12700" cmpd="sng">
+                      <a:noFill/>
+                      <a:prstDash val="solid"/>
+                    </a:lnR>
+                    <a:lnT w="12700" cap="flat" cmpd="sng" algn="ctr">
+                      <a:solidFill>
+                        <a:schemeClr val="tx1"/>
+                      </a:solidFill>
+                      <a:prstDash val="solid"/>
+                    </a:lnT>
+                    <a:lnB w="12700" cmpd="sng">
+                      <a:noFill/>
+                      <a:prstDash val="solid"/>
+                    </a:lnB>
+                    <a:solidFill>
+                      <a:schemeClr val="bg1">
+                        <a:lumMod val="95000"/>
+                      </a:schemeClr>
+                    </a:solidFill>
+                  </a:tcPr>
+                </a:tc>
+                <a:tc>
+                  <a:txBody>
+                    <a:bodyPr/>
+                    <a:lstStyle/>
+                    <a:p>
+                      <a:pPr marL="0" marR="0">
+                        <a:spcBef>
+                          <a:spcPts val="0"/>
+                        </a:spcBef>
+                        <a:spcAft>
+                          <a:spcPts val="0"/>
+                        </a:spcAft>
+                      </a:pPr>
+                      <a:r>
+                        <a:rPr lang="en-US" sz="1400" b="1" cap="none" spc="0">
+                          <a:solidFill>
+                            <a:schemeClr val="tx1"/>
+                          </a:solidFill>
+                          <a:effectLst/>
+                          <a:latin typeface="Calibri" panose="020F0502020204030204" pitchFamily="34" charset="0"/>
+                        </a:rPr>
+                        <a:t>35000</a:t>
+                      </a:r>
+                      <a:endParaRPr lang="en-US" sz="1400" cap="none" spc="0">
+                        <a:solidFill>
+                          <a:schemeClr val="tx1"/>
+                        </a:solidFill>
+                        <a:effectLst/>
+                        <a:latin typeface="Times New Roman" panose="02020603050405020304" pitchFamily="18" charset="0"/>
+                      </a:endParaRPr>
+                    </a:p>
+                  </a:txBody>
+                  <a:tcPr marL="76929" marR="54949" marT="0" marB="109899">
+                    <a:lnL w="12700" cmpd="sng">
+                      <a:noFill/>
+                      <a:prstDash val="solid"/>
+                    </a:lnL>
+                    <a:lnR w="12700" cmpd="sng">
+                      <a:noFill/>
+                      <a:prstDash val="solid"/>
+                    </a:lnR>
+                    <a:lnT w="12700" cap="flat" cmpd="sng" algn="ctr">
+                      <a:solidFill>
+                        <a:schemeClr val="tx1"/>
+                      </a:solidFill>
+                      <a:prstDash val="solid"/>
+                    </a:lnT>
+                    <a:lnB w="12700" cmpd="sng">
+                      <a:noFill/>
+                      <a:prstDash val="solid"/>
+                    </a:lnB>
+                    <a:solidFill>
+                      <a:schemeClr val="bg1">
+                        <a:lumMod val="95000"/>
+                      </a:schemeClr>
+                    </a:solidFill>
+                  </a:tcPr>
+                </a:tc>
+                <a:tc>
+                  <a:txBody>
+                    <a:bodyPr/>
+                    <a:lstStyle/>
+                    <a:p>
+                      <a:pPr marL="0" marR="0">
+                        <a:spcBef>
+                          <a:spcPts val="0"/>
+                        </a:spcBef>
+                        <a:spcAft>
+                          <a:spcPts val="0"/>
+                        </a:spcAft>
+                      </a:pPr>
+                      <a:r>
+                        <a:rPr lang="en-US" sz="1400" cap="none" spc="0">
+                          <a:solidFill>
+                            <a:schemeClr val="tx1"/>
+                          </a:solidFill>
+                          <a:effectLst/>
+                          <a:latin typeface="Calibri" panose="020F0502020204030204" pitchFamily="34" charset="0"/>
+                        </a:rPr>
+                        <a:t>N.A.</a:t>
+                      </a:r>
+                      <a:endParaRPr lang="en-US" sz="1400" cap="none" spc="0">
+                        <a:solidFill>
+                          <a:schemeClr val="tx1"/>
+                        </a:solidFill>
+                        <a:effectLst/>
+                        <a:latin typeface="Times New Roman" panose="02020603050405020304" pitchFamily="18" charset="0"/>
+                      </a:endParaRPr>
+                    </a:p>
+                  </a:txBody>
+                  <a:tcPr marL="76929" marR="54949" marT="0" marB="109899">
+                    <a:lnL w="12700" cmpd="sng">
+                      <a:noFill/>
+                      <a:prstDash val="solid"/>
+                    </a:lnL>
+                    <a:lnR w="12700" cmpd="sng">
+                      <a:noFill/>
+                      <a:prstDash val="solid"/>
+                    </a:lnR>
+                    <a:lnT w="12700" cap="flat" cmpd="sng" algn="ctr">
+                      <a:solidFill>
+                        <a:schemeClr val="tx1"/>
+                      </a:solidFill>
+                      <a:prstDash val="solid"/>
+                    </a:lnT>
+                    <a:lnB w="12700" cmpd="sng">
+                      <a:noFill/>
+                      <a:prstDash val="solid"/>
+                    </a:lnB>
+                    <a:solidFill>
+                      <a:schemeClr val="bg1">
+                        <a:lumMod val="95000"/>
+                      </a:schemeClr>
+                    </a:solidFill>
+                  </a:tcPr>
+                </a:tc>
+                <a:tc>
+                  <a:txBody>
+                    <a:bodyPr/>
+                    <a:lstStyle/>
+                    <a:p>
+                      <a:pPr marL="0" marR="0">
+                        <a:spcBef>
+                          <a:spcPts val="0"/>
+                        </a:spcBef>
+                        <a:spcAft>
+                          <a:spcPts val="0"/>
+                        </a:spcAft>
+                      </a:pPr>
+                      <a:r>
+                        <a:rPr lang="en-US" sz="1400" b="1" cap="none" spc="0">
+                          <a:solidFill>
+                            <a:schemeClr val="tx1"/>
+                          </a:solidFill>
+                          <a:effectLst/>
+                          <a:latin typeface="Calibri" panose="020F0502020204030204" pitchFamily="34" charset="0"/>
+                        </a:rPr>
+                        <a:t>80000</a:t>
+                      </a:r>
+                      <a:endParaRPr lang="en-US" sz="1400" cap="none" spc="0">
+                        <a:solidFill>
+                          <a:schemeClr val="tx1"/>
+                        </a:solidFill>
+                        <a:effectLst/>
+                        <a:latin typeface="Times New Roman" panose="02020603050405020304" pitchFamily="18" charset="0"/>
+                      </a:endParaRPr>
+                    </a:p>
+                  </a:txBody>
+                  <a:tcPr marL="76929" marR="54949" marT="0" marB="109899">
+                    <a:lnL w="12700" cmpd="sng">
+                      <a:noFill/>
+                      <a:prstDash val="solid"/>
+                    </a:lnL>
+                    <a:lnR w="12700" cmpd="sng">
+                      <a:noFill/>
+                      <a:prstDash val="solid"/>
+                    </a:lnR>
+                    <a:lnT w="12700" cap="flat" cmpd="sng" algn="ctr">
+                      <a:solidFill>
+                        <a:schemeClr val="tx1"/>
+                      </a:solidFill>
+                      <a:prstDash val="solid"/>
+                    </a:lnT>
+                    <a:lnB w="12700" cmpd="sng">
+                      <a:noFill/>
+                      <a:prstDash val="solid"/>
+                    </a:lnB>
+                    <a:solidFill>
+                      <a:schemeClr val="bg1">
+                        <a:lumMod val="95000"/>
+                      </a:schemeClr>
+                    </a:solidFill>
+                  </a:tcPr>
+                </a:tc>
+                <a:tc>
+                  <a:txBody>
+                    <a:bodyPr/>
+                    <a:lstStyle/>
+                    <a:p>
+                      <a:pPr marL="0" marR="0">
+                        <a:spcBef>
+                          <a:spcPts val="0"/>
+                        </a:spcBef>
+                        <a:spcAft>
+                          <a:spcPts val="0"/>
+                        </a:spcAft>
+                      </a:pPr>
+                      <a:r>
+                        <a:rPr lang="en-US" sz="1400" cap="none" spc="0" dirty="0">
+                          <a:solidFill>
+                            <a:schemeClr val="tx1"/>
+                          </a:solidFill>
+                          <a:effectLst/>
+                          <a:latin typeface="Calibri" panose="020F0502020204030204" pitchFamily="34" charset="0"/>
+                        </a:rPr>
+                        <a:t>N.A.</a:t>
+                      </a:r>
+                      <a:endParaRPr lang="en-US" sz="1400" cap="none" spc="0" dirty="0">
+                        <a:solidFill>
+                          <a:schemeClr val="tx1"/>
+                        </a:solidFill>
+                        <a:effectLst/>
+                        <a:latin typeface="Times New Roman" panose="02020603050405020304" pitchFamily="18" charset="0"/>
+                      </a:endParaRPr>
+                    </a:p>
+                  </a:txBody>
+                  <a:tcPr marL="76929" marR="54949" marT="0" marB="109899">
+                    <a:lnL w="12700" cmpd="sng">
+                      <a:noFill/>
+                      <a:prstDash val="solid"/>
+                    </a:lnL>
+                    <a:lnR w="12700" cmpd="sng">
+                      <a:noFill/>
+                      <a:prstDash val="solid"/>
+                    </a:lnR>
+                    <a:lnT w="12700" cap="flat" cmpd="sng" algn="ctr">
+                      <a:solidFill>
+                        <a:schemeClr val="tx1"/>
+                      </a:solidFill>
+                      <a:prstDash val="solid"/>
+                    </a:lnT>
+                    <a:lnB w="12700" cmpd="sng">
+                      <a:noFill/>
+                      <a:prstDash val="solid"/>
+                    </a:lnB>
+                    <a:solidFill>
+                      <a:schemeClr val="bg1">
+                        <a:lumMod val="95000"/>
+                      </a:schemeClr>
+                    </a:solidFill>
+                  </a:tcPr>
+                </a:tc>
+                <a:extLst>
+                  <a:ext uri="{0D108BD9-81ED-4DB2-BD59-A6C34878D82A}">
+                    <a16:rowId xmlns:a16="http://schemas.microsoft.com/office/drawing/2014/main" val="1613740538"/>
+                  </a:ext>
+                </a:extLst>
+              </a:tr>
+            </a:tbl>
+          </a:graphicData>
+        </a:graphic>
+      </p:graphicFrame>
+    </p:spTree>
+    <p:extLst>
+      <p:ext uri="{BB962C8B-B14F-4D97-AF65-F5344CB8AC3E}">
+        <p14:creationId xmlns:p14="http://schemas.microsoft.com/office/powerpoint/2010/main" val="1239001556"/>
+      </p:ext>
+    </p:extLst>
+  </p:cSld>
+  <p:clrMapOvr>
+    <a:masterClrMapping/>
+  </p:clrMapOvr>
+</p:sld>
+</file>
+
 <file path=ppt/slides/slide2.xml><?xml version="1.0" encoding="utf-8"?>
 <p:sld xmlns:a="http://schemas.openxmlformats.org/drawingml/2006/main" xmlns:r="http://schemas.openxmlformats.org/officeDocument/2006/relationships" xmlns:p="http://schemas.openxmlformats.org/presentationml/2006/main">
   <p:cSld>
@@ -12768,6 +15670,10 @@
           </a:bodyPr>
           <a:lstStyle/>
           <a:p>
+            <a:pPr>
+              <a:buFont typeface="Wingdings" pitchFamily="2" charset="2"/>
+              <a:buChar char="ü"/>
+            </a:pPr>
             <a:r>
               <a:rPr lang="en-US" sz="2400" dirty="0"/>
               <a:t>BL fine tuning seems to have been incorrect before</a:t>
@@ -12788,6 +15694,10 @@
             </a:r>
           </a:p>
           <a:p>
+            <a:pPr>
+              <a:buFont typeface="Wingdings" pitchFamily="2" charset="2"/>
+              <a:buChar char="ü"/>
+            </a:pPr>
             <a:r>
               <a:rPr lang="en-US" sz="2400" dirty="0"/>
               <a:t>Ideas to improve FPPV algorithm yield</a:t>
@@ -12853,12 +15763,12 @@
           <a:chExt cx="0" cy="0"/>
         </a:xfrm>
       </p:grpSpPr>
-      <p:sp>
+      <p:sp useBgFill="1">
         <p:nvSpPr>
-          <p:cNvPr id="78" name="Rectangle 75">
+          <p:cNvPr id="46" name="Rectangle 19">
             <a:extLst>
               <a:ext uri="{FF2B5EF4-FFF2-40B4-BE49-F238E27FC236}">
-                <a16:creationId xmlns:a16="http://schemas.microsoft.com/office/drawing/2014/main" id="{A4AC5506-6312-4701-8D3C-40187889A947}"/>
+                <a16:creationId xmlns:a16="http://schemas.microsoft.com/office/drawing/2014/main" id="{33CD251C-A887-4D2F-925B-FC097198538B}"/>
               </a:ext>
               <a:ext uri="{C183D7F6-B498-43B3-948B-1728B52AA6E4}">
                 <adec:decorative xmlns:adec="http://schemas.microsoft.com/office/drawing/2017/decorative" val="1"/>
@@ -12878,8 +15788,68 @@
         </p:nvSpPr>
         <p:spPr>
           <a:xfrm>
-            <a:off x="0" y="651752"/>
-            <a:ext cx="12192000" cy="736551"/>
+            <a:off x="0" y="0"/>
+            <a:ext cx="12192000" cy="6858000"/>
+          </a:xfrm>
+          <a:prstGeom prst="rect">
+            <a:avLst/>
+          </a:prstGeom>
+          <a:ln>
+            <a:noFill/>
+          </a:ln>
+        </p:spPr>
+        <p:style>
+          <a:lnRef idx="2">
+            <a:schemeClr val="accent1">
+              <a:shade val="50000"/>
+            </a:schemeClr>
+          </a:lnRef>
+          <a:fillRef idx="1">
+            <a:schemeClr val="accent1"/>
+          </a:fillRef>
+          <a:effectRef idx="0">
+            <a:schemeClr val="accent1"/>
+          </a:effectRef>
+          <a:fontRef idx="minor">
+            <a:schemeClr val="lt1"/>
+          </a:fontRef>
+        </p:style>
+        <p:txBody>
+          <a:bodyPr rtlCol="0" anchor="ctr"/>
+          <a:lstStyle/>
+          <a:p>
+            <a:pPr algn="ctr"/>
+            <a:endParaRPr lang="en-US"/>
+          </a:p>
+        </p:txBody>
+      </p:sp>
+      <p:sp>
+        <p:nvSpPr>
+          <p:cNvPr id="47" name="Rectangle 21">
+            <a:extLst>
+              <a:ext uri="{FF2B5EF4-FFF2-40B4-BE49-F238E27FC236}">
+                <a16:creationId xmlns:a16="http://schemas.microsoft.com/office/drawing/2014/main" id="{B19D093C-27FB-4032-B282-42C4563F257C}"/>
+              </a:ext>
+              <a:ext uri="{C183D7F6-B498-43B3-948B-1728B52AA6E4}">
+                <adec:decorative xmlns:adec="http://schemas.microsoft.com/office/drawing/2017/decorative" val="1"/>
+              </a:ext>
+            </a:extLst>
+          </p:cNvPr>
+          <p:cNvSpPr>
+            <a:spLocks noGrp="1" noRot="1" noChangeAspect="1" noMove="1" noResize="1" noEditPoints="1" noAdjustHandles="1" noChangeArrowheads="1" noChangeShapeType="1" noTextEdit="1"/>
+          </p:cNvSpPr>
+          <p:nvPr>
+            <p:extLst>
+              <p:ext uri="{386F3935-93C4-4BCD-93E2-E3B085C9AB24}">
+                <p16:designElem xmlns:p16="http://schemas.microsoft.com/office/powerpoint/2015/main" val="1"/>
+              </p:ext>
+            </p:extLst>
+          </p:nvPr>
+        </p:nvSpPr>
+        <p:spPr>
+          <a:xfrm>
+            <a:off x="0" y="0"/>
+            <a:ext cx="4694548" cy="6858000"/>
           </a:xfrm>
           <a:prstGeom prst="rect">
             <a:avLst/>
@@ -12916,12 +15886,418 @@
           </a:p>
         </p:txBody>
       </p:sp>
+      <p:grpSp>
+        <p:nvGrpSpPr>
+          <p:cNvPr id="48" name="Group 23">
+            <a:extLst>
+              <a:ext uri="{FF2B5EF4-FFF2-40B4-BE49-F238E27FC236}">
+                <a16:creationId xmlns:a16="http://schemas.microsoft.com/office/drawing/2014/main" id="{35EE815E-1BD3-4777-B652-6D98825BF66B}"/>
+              </a:ext>
+              <a:ext uri="{C183D7F6-B498-43B3-948B-1728B52AA6E4}">
+                <adec:decorative xmlns:adec="http://schemas.microsoft.com/office/drawing/2017/decorative" val="1"/>
+              </a:ext>
+            </a:extLst>
+          </p:cNvPr>
+          <p:cNvGrpSpPr>
+            <a:grpSpLocks noGrp="1" noUngrp="1" noRot="1" noChangeAspect="1" noMove="1" noResize="1"/>
+          </p:cNvGrpSpPr>
+          <p:nvPr>
+            <p:extLst>
+              <p:ext uri="{386F3935-93C4-4BCD-93E2-E3B085C9AB24}">
+                <p16:designElem xmlns:p16="http://schemas.microsoft.com/office/powerpoint/2015/main" val="1"/>
+              </p:ext>
+            </p:extLst>
+          </p:nvPr>
+        </p:nvGrpSpPr>
+        <p:grpSpPr>
+          <a:xfrm>
+            <a:off x="767290" y="681628"/>
+            <a:ext cx="1128382" cy="847206"/>
+            <a:chOff x="668003" y="1684057"/>
+            <a:chExt cx="1128382" cy="847206"/>
+          </a:xfrm>
+        </p:grpSpPr>
+        <p:sp>
+          <p:nvSpPr>
+            <p:cNvPr id="25" name="Freeform 5">
+              <a:extLst>
+                <a:ext uri="{FF2B5EF4-FFF2-40B4-BE49-F238E27FC236}">
+                  <a16:creationId xmlns:a16="http://schemas.microsoft.com/office/drawing/2014/main" id="{E6692982-4A7D-4392-87CD-F0CD4B027DDE}"/>
+                </a:ext>
+                <a:ext uri="{C183D7F6-B498-43B3-948B-1728B52AA6E4}">
+                  <adec:decorative xmlns:adec="http://schemas.microsoft.com/office/drawing/2017/decorative" val="1"/>
+                </a:ext>
+              </a:extLst>
+            </p:cNvPr>
+            <p:cNvSpPr>
+              <a:spLocks/>
+            </p:cNvSpPr>
+            <p:nvPr>
+              <p:extLst>
+                <p:ext uri="{386F3935-93C4-4BCD-93E2-E3B085C9AB24}">
+                  <p16:designElem xmlns:p16="http://schemas.microsoft.com/office/powerpoint/2015/main" val="1"/>
+                </p:ext>
+              </p:extLst>
+            </p:nvPr>
+          </p:nvSpPr>
+          <p:spPr bwMode="auto">
+            <a:xfrm>
+              <a:off x="668003" y="1935883"/>
+              <a:ext cx="675351" cy="595380"/>
+            </a:xfrm>
+            <a:custGeom>
+              <a:avLst/>
+              <a:gdLst>
+                <a:gd name="T0" fmla="*/ 225 w 785"/>
+                <a:gd name="T1" fmla="*/ 692 h 692"/>
+                <a:gd name="T2" fmla="*/ 177 w 785"/>
+                <a:gd name="T3" fmla="*/ 665 h 692"/>
+                <a:gd name="T4" fmla="*/ 9 w 785"/>
+                <a:gd name="T5" fmla="*/ 374 h 692"/>
+                <a:gd name="T6" fmla="*/ 9 w 785"/>
+                <a:gd name="T7" fmla="*/ 318 h 692"/>
+                <a:gd name="T8" fmla="*/ 177 w 785"/>
+                <a:gd name="T9" fmla="*/ 27 h 692"/>
+                <a:gd name="T10" fmla="*/ 225 w 785"/>
+                <a:gd name="T11" fmla="*/ 0 h 692"/>
+                <a:gd name="T12" fmla="*/ 561 w 785"/>
+                <a:gd name="T13" fmla="*/ 0 h 692"/>
+                <a:gd name="T14" fmla="*/ 609 w 785"/>
+                <a:gd name="T15" fmla="*/ 27 h 692"/>
+                <a:gd name="T16" fmla="*/ 777 w 785"/>
+                <a:gd name="T17" fmla="*/ 318 h 692"/>
+                <a:gd name="T18" fmla="*/ 777 w 785"/>
+                <a:gd name="T19" fmla="*/ 374 h 692"/>
+                <a:gd name="T20" fmla="*/ 609 w 785"/>
+                <a:gd name="T21" fmla="*/ 665 h 692"/>
+                <a:gd name="T22" fmla="*/ 561 w 785"/>
+                <a:gd name="T23" fmla="*/ 692 h 692"/>
+                <a:gd name="T24" fmla="*/ 225 w 785"/>
+                <a:gd name="T25" fmla="*/ 692 h 692"/>
+              </a:gdLst>
+              <a:ahLst/>
+              <a:cxnLst>
+                <a:cxn ang="0">
+                  <a:pos x="T0" y="T1"/>
+                </a:cxn>
+                <a:cxn ang="0">
+                  <a:pos x="T2" y="T3"/>
+                </a:cxn>
+                <a:cxn ang="0">
+                  <a:pos x="T4" y="T5"/>
+                </a:cxn>
+                <a:cxn ang="0">
+                  <a:pos x="T6" y="T7"/>
+                </a:cxn>
+                <a:cxn ang="0">
+                  <a:pos x="T8" y="T9"/>
+                </a:cxn>
+                <a:cxn ang="0">
+                  <a:pos x="T10" y="T11"/>
+                </a:cxn>
+                <a:cxn ang="0">
+                  <a:pos x="T12" y="T13"/>
+                </a:cxn>
+                <a:cxn ang="0">
+                  <a:pos x="T14" y="T15"/>
+                </a:cxn>
+                <a:cxn ang="0">
+                  <a:pos x="T16" y="T17"/>
+                </a:cxn>
+                <a:cxn ang="0">
+                  <a:pos x="T18" y="T19"/>
+                </a:cxn>
+                <a:cxn ang="0">
+                  <a:pos x="T20" y="T21"/>
+                </a:cxn>
+                <a:cxn ang="0">
+                  <a:pos x="T22" y="T23"/>
+                </a:cxn>
+                <a:cxn ang="0">
+                  <a:pos x="T24" y="T25"/>
+                </a:cxn>
+              </a:cxnLst>
+              <a:rect l="0" t="0" r="r" b="b"/>
+              <a:pathLst>
+                <a:path w="785" h="692">
+                  <a:moveTo>
+                    <a:pt x="225" y="692"/>
+                  </a:moveTo>
+                  <a:cubicBezTo>
+                    <a:pt x="207" y="692"/>
+                    <a:pt x="185" y="680"/>
+                    <a:pt x="177" y="665"/>
+                  </a:cubicBezTo>
+                  <a:cubicBezTo>
+                    <a:pt x="9" y="374"/>
+                    <a:pt x="9" y="374"/>
+                    <a:pt x="9" y="374"/>
+                  </a:cubicBezTo>
+                  <a:cubicBezTo>
+                    <a:pt x="0" y="358"/>
+                    <a:pt x="0" y="334"/>
+                    <a:pt x="9" y="318"/>
+                  </a:cubicBezTo>
+                  <a:cubicBezTo>
+                    <a:pt x="177" y="27"/>
+                    <a:pt x="177" y="27"/>
+                    <a:pt x="177" y="27"/>
+                  </a:cubicBezTo>
+                  <a:cubicBezTo>
+                    <a:pt x="185" y="12"/>
+                    <a:pt x="207" y="0"/>
+                    <a:pt x="225" y="0"/>
+                  </a:cubicBezTo>
+                  <a:cubicBezTo>
+                    <a:pt x="561" y="0"/>
+                    <a:pt x="561" y="0"/>
+                    <a:pt x="561" y="0"/>
+                  </a:cubicBezTo>
+                  <a:cubicBezTo>
+                    <a:pt x="578" y="0"/>
+                    <a:pt x="600" y="12"/>
+                    <a:pt x="609" y="27"/>
+                  </a:cubicBezTo>
+                  <a:cubicBezTo>
+                    <a:pt x="777" y="318"/>
+                    <a:pt x="777" y="318"/>
+                    <a:pt x="777" y="318"/>
+                  </a:cubicBezTo>
+                  <a:cubicBezTo>
+                    <a:pt x="785" y="334"/>
+                    <a:pt x="785" y="358"/>
+                    <a:pt x="777" y="374"/>
+                  </a:cubicBezTo>
+                  <a:cubicBezTo>
+                    <a:pt x="609" y="665"/>
+                    <a:pt x="609" y="665"/>
+                    <a:pt x="609" y="665"/>
+                  </a:cubicBezTo>
+                  <a:cubicBezTo>
+                    <a:pt x="600" y="680"/>
+                    <a:pt x="578" y="692"/>
+                    <a:pt x="561" y="692"/>
+                  </a:cubicBezTo>
+                  <a:lnTo>
+                    <a:pt x="225" y="692"/>
+                  </a:lnTo>
+                  <a:close/>
+                </a:path>
+              </a:pathLst>
+            </a:custGeom>
+            <a:noFill/>
+            <a:ln w="28575" cmpd="sng">
+              <a:solidFill>
+                <a:schemeClr val="bg1"/>
+              </a:solidFill>
+            </a:ln>
+          </p:spPr>
+          <p:txBody>
+            <a:bodyPr vert="horz" wrap="square" lIns="91440" tIns="45720" rIns="91440" bIns="45720" numCol="1" anchor="t" anchorCtr="0" compatLnSpc="1">
+              <a:prstTxWarp prst="textNoShape">
+                <a:avLst/>
+              </a:prstTxWarp>
+            </a:bodyPr>
+            <a:lstStyle/>
+            <a:p>
+              <a:endParaRPr lang="en-US"/>
+            </a:p>
+          </p:txBody>
+        </p:sp>
+        <p:sp>
+          <p:nvSpPr>
+            <p:cNvPr id="26" name="Freeform 5">
+              <a:extLst>
+                <a:ext uri="{FF2B5EF4-FFF2-40B4-BE49-F238E27FC236}">
+                  <a16:creationId xmlns:a16="http://schemas.microsoft.com/office/drawing/2014/main" id="{196485F7-F277-4123-AC53-98EA4C858774}"/>
+                </a:ext>
+                <a:ext uri="{C183D7F6-B498-43B3-948B-1728B52AA6E4}">
+                  <adec:decorative xmlns:adec="http://schemas.microsoft.com/office/drawing/2017/decorative" val="1"/>
+                </a:ext>
+              </a:extLst>
+            </p:cNvPr>
+            <p:cNvSpPr>
+              <a:spLocks/>
+            </p:cNvSpPr>
+            <p:nvPr>
+              <p:extLst>
+                <p:ext uri="{386F3935-93C4-4BCD-93E2-E3B085C9AB24}">
+                  <p16:designElem xmlns:p16="http://schemas.microsoft.com/office/powerpoint/2015/main" val="1"/>
+                </p:ext>
+              </p:extLst>
+            </p:nvPr>
+          </p:nvSpPr>
+          <p:spPr bwMode="auto">
+            <a:xfrm>
+              <a:off x="1245893" y="1684057"/>
+              <a:ext cx="550492" cy="485306"/>
+            </a:xfrm>
+            <a:custGeom>
+              <a:avLst/>
+              <a:gdLst>
+                <a:gd name="T0" fmla="*/ 225 w 785"/>
+                <a:gd name="T1" fmla="*/ 692 h 692"/>
+                <a:gd name="T2" fmla="*/ 177 w 785"/>
+                <a:gd name="T3" fmla="*/ 665 h 692"/>
+                <a:gd name="T4" fmla="*/ 9 w 785"/>
+                <a:gd name="T5" fmla="*/ 374 h 692"/>
+                <a:gd name="T6" fmla="*/ 9 w 785"/>
+                <a:gd name="T7" fmla="*/ 318 h 692"/>
+                <a:gd name="T8" fmla="*/ 177 w 785"/>
+                <a:gd name="T9" fmla="*/ 27 h 692"/>
+                <a:gd name="T10" fmla="*/ 225 w 785"/>
+                <a:gd name="T11" fmla="*/ 0 h 692"/>
+                <a:gd name="T12" fmla="*/ 561 w 785"/>
+                <a:gd name="T13" fmla="*/ 0 h 692"/>
+                <a:gd name="T14" fmla="*/ 609 w 785"/>
+                <a:gd name="T15" fmla="*/ 27 h 692"/>
+                <a:gd name="T16" fmla="*/ 777 w 785"/>
+                <a:gd name="T17" fmla="*/ 318 h 692"/>
+                <a:gd name="T18" fmla="*/ 777 w 785"/>
+                <a:gd name="T19" fmla="*/ 374 h 692"/>
+                <a:gd name="T20" fmla="*/ 609 w 785"/>
+                <a:gd name="T21" fmla="*/ 665 h 692"/>
+                <a:gd name="T22" fmla="*/ 561 w 785"/>
+                <a:gd name="T23" fmla="*/ 692 h 692"/>
+                <a:gd name="T24" fmla="*/ 225 w 785"/>
+                <a:gd name="T25" fmla="*/ 692 h 692"/>
+              </a:gdLst>
+              <a:ahLst/>
+              <a:cxnLst>
+                <a:cxn ang="0">
+                  <a:pos x="T0" y="T1"/>
+                </a:cxn>
+                <a:cxn ang="0">
+                  <a:pos x="T2" y="T3"/>
+                </a:cxn>
+                <a:cxn ang="0">
+                  <a:pos x="T4" y="T5"/>
+                </a:cxn>
+                <a:cxn ang="0">
+                  <a:pos x="T6" y="T7"/>
+                </a:cxn>
+                <a:cxn ang="0">
+                  <a:pos x="T8" y="T9"/>
+                </a:cxn>
+                <a:cxn ang="0">
+                  <a:pos x="T10" y="T11"/>
+                </a:cxn>
+                <a:cxn ang="0">
+                  <a:pos x="T12" y="T13"/>
+                </a:cxn>
+                <a:cxn ang="0">
+                  <a:pos x="T14" y="T15"/>
+                </a:cxn>
+                <a:cxn ang="0">
+                  <a:pos x="T16" y="T17"/>
+                </a:cxn>
+                <a:cxn ang="0">
+                  <a:pos x="T18" y="T19"/>
+                </a:cxn>
+                <a:cxn ang="0">
+                  <a:pos x="T20" y="T21"/>
+                </a:cxn>
+                <a:cxn ang="0">
+                  <a:pos x="T22" y="T23"/>
+                </a:cxn>
+                <a:cxn ang="0">
+                  <a:pos x="T24" y="T25"/>
+                </a:cxn>
+              </a:cxnLst>
+              <a:rect l="0" t="0" r="r" b="b"/>
+              <a:pathLst>
+                <a:path w="785" h="692">
+                  <a:moveTo>
+                    <a:pt x="225" y="692"/>
+                  </a:moveTo>
+                  <a:cubicBezTo>
+                    <a:pt x="207" y="692"/>
+                    <a:pt x="185" y="680"/>
+                    <a:pt x="177" y="665"/>
+                  </a:cubicBezTo>
+                  <a:cubicBezTo>
+                    <a:pt x="9" y="374"/>
+                    <a:pt x="9" y="374"/>
+                    <a:pt x="9" y="374"/>
+                  </a:cubicBezTo>
+                  <a:cubicBezTo>
+                    <a:pt x="0" y="358"/>
+                    <a:pt x="0" y="334"/>
+                    <a:pt x="9" y="318"/>
+                  </a:cubicBezTo>
+                  <a:cubicBezTo>
+                    <a:pt x="177" y="27"/>
+                    <a:pt x="177" y="27"/>
+                    <a:pt x="177" y="27"/>
+                  </a:cubicBezTo>
+                  <a:cubicBezTo>
+                    <a:pt x="185" y="12"/>
+                    <a:pt x="207" y="0"/>
+                    <a:pt x="225" y="0"/>
+                  </a:cubicBezTo>
+                  <a:cubicBezTo>
+                    <a:pt x="561" y="0"/>
+                    <a:pt x="561" y="0"/>
+                    <a:pt x="561" y="0"/>
+                  </a:cubicBezTo>
+                  <a:cubicBezTo>
+                    <a:pt x="578" y="0"/>
+                    <a:pt x="600" y="12"/>
+                    <a:pt x="609" y="27"/>
+                  </a:cubicBezTo>
+                  <a:cubicBezTo>
+                    <a:pt x="777" y="318"/>
+                    <a:pt x="777" y="318"/>
+                    <a:pt x="777" y="318"/>
+                  </a:cubicBezTo>
+                  <a:cubicBezTo>
+                    <a:pt x="785" y="334"/>
+                    <a:pt x="785" y="358"/>
+                    <a:pt x="777" y="374"/>
+                  </a:cubicBezTo>
+                  <a:cubicBezTo>
+                    <a:pt x="609" y="665"/>
+                    <a:pt x="609" y="665"/>
+                    <a:pt x="609" y="665"/>
+                  </a:cubicBezTo>
+                  <a:cubicBezTo>
+                    <a:pt x="600" y="680"/>
+                    <a:pt x="578" y="692"/>
+                    <a:pt x="561" y="692"/>
+                  </a:cubicBezTo>
+                  <a:lnTo>
+                    <a:pt x="225" y="692"/>
+                  </a:lnTo>
+                  <a:close/>
+                </a:path>
+              </a:pathLst>
+            </a:custGeom>
+            <a:noFill/>
+            <a:ln w="28575" cmpd="sng">
+              <a:solidFill>
+                <a:schemeClr val="bg1"/>
+              </a:solidFill>
+            </a:ln>
+          </p:spPr>
+          <p:txBody>
+            <a:bodyPr vert="horz" wrap="square" lIns="91440" tIns="45720" rIns="91440" bIns="45720" numCol="1" anchor="t" anchorCtr="0" compatLnSpc="1">
+              <a:prstTxWarp prst="textNoShape">
+                <a:avLst/>
+              </a:prstTxWarp>
+            </a:bodyPr>
+            <a:lstStyle/>
+            <a:p>
+              <a:endParaRPr lang="en-US"/>
+            </a:p>
+          </p:txBody>
+        </p:sp>
+      </p:grpSp>
       <p:sp>
         <p:nvSpPr>
           <p:cNvPr id="2" name="Title 1">
             <a:extLst>
               <a:ext uri="{FF2B5EF4-FFF2-40B4-BE49-F238E27FC236}">
-                <a16:creationId xmlns:a16="http://schemas.microsoft.com/office/drawing/2014/main" id="{7371CA6F-7FE7-044F-A074-CAE83482E73B}"/>
+                <a16:creationId xmlns:a16="http://schemas.microsoft.com/office/drawing/2014/main" id="{370C27F1-C35B-0641-A450-4533A639F3DF}"/>
               </a:ext>
             </a:extLst>
           </p:cNvPr>
@@ -12934,2570 +16310,124 @@
         </p:nvSpPr>
         <p:spPr>
           <a:xfrm>
-            <a:off x="556532" y="643467"/>
-            <a:ext cx="11210925" cy="744836"/>
+            <a:off x="767290" y="1166932"/>
+            <a:ext cx="3582073" cy="4279709"/>
           </a:xfrm>
-          <a:prstGeom prst="ellipse">
-            <a:avLst/>
-          </a:prstGeom>
         </p:spPr>
         <p:txBody>
-          <a:bodyPr vert="horz" lIns="91440" tIns="45720" rIns="91440" bIns="45720" rtlCol="0" anchor="ctr">
+          <a:bodyPr anchor="ctr">
             <a:normAutofit/>
           </a:bodyPr>
           <a:lstStyle/>
           <a:p>
-            <a:pPr algn="ctr"/>
             <a:r>
-              <a:rPr lang="en-US" sz="3000" kern="1200">
+              <a:rPr lang="en-US" sz="4800">
                 <a:solidFill>
                   <a:schemeClr val="bg1"/>
                 </a:solidFill>
-                <a:latin typeface="+mj-lt"/>
-                <a:ea typeface="+mj-ea"/>
-                <a:cs typeface="+mj-cs"/>
               </a:rPr>
-              <a:t>Appendix: Ranges</a:t>
+              <a:t>Summary of Discussion</a:t>
             </a:r>
           </a:p>
         </p:txBody>
       </p:sp>
-      <p:graphicFrame>
-        <p:nvGraphicFramePr>
-          <p:cNvPr id="7" name="Content Placeholder 3">
+      <p:sp>
+        <p:nvSpPr>
+          <p:cNvPr id="3" name="Content Placeholder 2">
             <a:extLst>
               <a:ext uri="{FF2B5EF4-FFF2-40B4-BE49-F238E27FC236}">
-                <a16:creationId xmlns:a16="http://schemas.microsoft.com/office/drawing/2014/main" id="{AB68DD5E-9FD8-AA48-BB20-1966E232AE6A}"/>
+                <a16:creationId xmlns:a16="http://schemas.microsoft.com/office/drawing/2014/main" id="{D69EBF4F-AC03-8248-A8A0-FD76060A7F96}"/>
               </a:ext>
             </a:extLst>
           </p:cNvPr>
-          <p:cNvGraphicFramePr>
-            <a:graphicFrameLocks/>
-          </p:cNvGraphicFramePr>
+          <p:cNvSpPr>
+            <a:spLocks noGrp="1"/>
+          </p:cNvSpPr>
           <p:nvPr>
-            <p:extLst>
-              <p:ext uri="{D42A27DB-BD31-4B8C-83A1-F6EECF244321}">
-                <p14:modId xmlns:p14="http://schemas.microsoft.com/office/powerpoint/2010/main" val="35976976"/>
-              </p:ext>
-            </p:extLst>
+            <p:ph idx="1"/>
           </p:nvPr>
-        </p:nvGraphicFramePr>
-        <p:xfrm>
-          <a:off x="643467" y="2011808"/>
-          <a:ext cx="10905068" cy="3721042"/>
-        </p:xfrm>
-        <a:graphic>
-          <a:graphicData uri="http://schemas.openxmlformats.org/drawingml/2006/table">
-            <a:tbl>
-              <a:tblPr firstRow="1" bandRow="1">
-                <a:noFill/>
-                <a:tableStyleId>{5C22544A-7EE6-4342-B048-85BDC9FD1C3A}</a:tableStyleId>
-              </a:tblPr>
-              <a:tblGrid>
-                <a:gridCol w="1550988">
-                  <a:extLst>
-                    <a:ext uri="{9D8B030D-6E8A-4147-A177-3AD203B41FA5}">
-                      <a16:colId xmlns:a16="http://schemas.microsoft.com/office/drawing/2014/main" val="2018652359"/>
-                    </a:ext>
-                  </a:extLst>
-                </a:gridCol>
-                <a:gridCol w="2184395">
-                  <a:extLst>
-                    <a:ext uri="{9D8B030D-6E8A-4147-A177-3AD203B41FA5}">
-                      <a16:colId xmlns:a16="http://schemas.microsoft.com/office/drawing/2014/main" val="3501286037"/>
-                    </a:ext>
-                  </a:extLst>
-                </a:gridCol>
-                <a:gridCol w="2238998">
-                  <a:extLst>
-                    <a:ext uri="{9D8B030D-6E8A-4147-A177-3AD203B41FA5}">
-                      <a16:colId xmlns:a16="http://schemas.microsoft.com/office/drawing/2014/main" val="665791582"/>
-                    </a:ext>
-                  </a:extLst>
-                </a:gridCol>
-                <a:gridCol w="2439165">
-                  <a:extLst>
-                    <a:ext uri="{9D8B030D-6E8A-4147-A177-3AD203B41FA5}">
-                      <a16:colId xmlns:a16="http://schemas.microsoft.com/office/drawing/2014/main" val="4026594214"/>
-                    </a:ext>
-                  </a:extLst>
-                </a:gridCol>
-                <a:gridCol w="2491522">
-                  <a:extLst>
-                    <a:ext uri="{9D8B030D-6E8A-4147-A177-3AD203B41FA5}">
-                      <a16:colId xmlns:a16="http://schemas.microsoft.com/office/drawing/2014/main" val="3603085480"/>
-                    </a:ext>
-                  </a:extLst>
-                </a:gridCol>
-              </a:tblGrid>
-              <a:tr h="515514">
-                <a:tc>
-                  <a:txBody>
-                    <a:bodyPr/>
-                    <a:lstStyle/>
-                    <a:p>
-                      <a:r>
-                        <a:rPr lang="en-US" sz="1700" b="1" cap="none" spc="0">
-                          <a:solidFill>
-                            <a:schemeClr val="bg1"/>
-                          </a:solidFill>
-                        </a:rPr>
-                        <a:t>Range #</a:t>
-                      </a:r>
-                    </a:p>
-                  </a:txBody>
-                  <a:tcPr marL="76929" marR="54949" marT="109899" marB="109899" anchor="ctr">
-                    <a:lnL w="12700" cmpd="sng">
-                      <a:noFill/>
-                      <a:prstDash val="solid"/>
-                    </a:lnL>
-                    <a:lnR w="12700" cmpd="sng">
-                      <a:noFill/>
-                      <a:prstDash val="solid"/>
-                    </a:lnR>
-                    <a:lnT w="19050" cap="flat" cmpd="sng" algn="ctr">
-                      <a:noFill/>
-                      <a:prstDash val="solid"/>
-                    </a:lnT>
-                    <a:lnB w="12700" cmpd="sng">
-                      <a:noFill/>
-                      <a:prstDash val="solid"/>
-                    </a:lnB>
-                    <a:solidFill>
-                      <a:schemeClr val="tx1"/>
-                    </a:solidFill>
-                  </a:tcPr>
-                </a:tc>
-                <a:tc>
-                  <a:txBody>
-                    <a:bodyPr/>
-                    <a:lstStyle/>
-                    <a:p>
-                      <a:pPr marL="0" marR="0">
-                        <a:spcBef>
-                          <a:spcPts val="0"/>
-                        </a:spcBef>
-                        <a:spcAft>
-                          <a:spcPts val="0"/>
-                        </a:spcAft>
-                      </a:pPr>
-                      <a:r>
-                        <a:rPr lang="en-US" sz="1700" b="1" cap="none" spc="0">
-                          <a:solidFill>
-                            <a:schemeClr val="bg1"/>
-                          </a:solidFill>
-                          <a:effectLst/>
-                          <a:latin typeface="Calibri" panose="020F0502020204030204" pitchFamily="34" charset="0"/>
-                        </a:rPr>
-                        <a:t>Rmin(n)  (</a:t>
-                      </a:r>
-                      <a:r>
-                        <a:rPr lang="el-GR" sz="1700" b="1" cap="none" spc="0">
-                          <a:solidFill>
-                            <a:schemeClr val="bg1"/>
-                          </a:solidFill>
-                          <a:effectLst/>
-                          <a:latin typeface="Calibri" panose="020F0502020204030204" pitchFamily="34" charset="0"/>
-                        </a:rPr>
-                        <a:t>Ω)</a:t>
-                      </a:r>
-                      <a:endParaRPr lang="el-GR" sz="1700" b="1" cap="none" spc="0">
-                        <a:solidFill>
-                          <a:schemeClr val="bg1"/>
-                        </a:solidFill>
-                        <a:effectLst/>
-                        <a:latin typeface="Times New Roman" panose="02020603050405020304" pitchFamily="18" charset="0"/>
-                      </a:endParaRPr>
-                    </a:p>
-                  </a:txBody>
-                  <a:tcPr marL="76929" marR="54949" marT="109899" marB="109899" anchor="ctr">
-                    <a:lnL w="12700" cmpd="sng">
-                      <a:noFill/>
-                      <a:prstDash val="solid"/>
-                    </a:lnL>
-                    <a:lnR w="12700" cmpd="sng">
-                      <a:noFill/>
-                      <a:prstDash val="solid"/>
-                    </a:lnR>
-                    <a:lnT w="19050" cap="flat" cmpd="sng" algn="ctr">
-                      <a:noFill/>
-                      <a:prstDash val="solid"/>
-                    </a:lnT>
-                    <a:lnB w="12700" cmpd="sng">
-                      <a:noFill/>
-                      <a:prstDash val="solid"/>
-                    </a:lnB>
-                    <a:solidFill>
-                      <a:schemeClr val="tx1"/>
-                    </a:solidFill>
-                  </a:tcPr>
-                </a:tc>
-                <a:tc>
-                  <a:txBody>
-                    <a:bodyPr/>
-                    <a:lstStyle/>
-                    <a:p>
-                      <a:pPr marL="0" marR="0">
-                        <a:spcBef>
-                          <a:spcPts val="0"/>
-                        </a:spcBef>
-                        <a:spcAft>
-                          <a:spcPts val="0"/>
-                        </a:spcAft>
-                      </a:pPr>
-                      <a:r>
-                        <a:rPr lang="en-US" sz="1700" b="1" cap="none" spc="0">
-                          <a:solidFill>
-                            <a:schemeClr val="bg1"/>
-                          </a:solidFill>
-                          <a:effectLst/>
-                          <a:latin typeface="Calibri" panose="020F0502020204030204" pitchFamily="34" charset="0"/>
-                        </a:rPr>
-                        <a:t>Rmax(n)  (</a:t>
-                      </a:r>
-                      <a:r>
-                        <a:rPr lang="el-GR" sz="1700" b="1" cap="none" spc="0">
-                          <a:solidFill>
-                            <a:schemeClr val="bg1"/>
-                          </a:solidFill>
-                          <a:effectLst/>
-                          <a:latin typeface="Calibri" panose="020F0502020204030204" pitchFamily="34" charset="0"/>
-                        </a:rPr>
-                        <a:t>Ω)</a:t>
-                      </a:r>
-                      <a:endParaRPr lang="el-GR" sz="1700" b="1" cap="none" spc="0">
-                        <a:solidFill>
-                          <a:schemeClr val="bg1"/>
-                        </a:solidFill>
-                        <a:effectLst/>
-                        <a:latin typeface="Times New Roman" panose="02020603050405020304" pitchFamily="18" charset="0"/>
-                      </a:endParaRPr>
-                    </a:p>
-                  </a:txBody>
-                  <a:tcPr marL="76929" marR="54949" marT="109899" marB="109899" anchor="ctr">
-                    <a:lnL w="12700" cmpd="sng">
-                      <a:noFill/>
-                      <a:prstDash val="solid"/>
-                    </a:lnL>
-                    <a:lnR w="12700" cmpd="sng">
-                      <a:noFill/>
-                      <a:prstDash val="solid"/>
-                    </a:lnR>
-                    <a:lnT w="19050" cap="flat" cmpd="sng" algn="ctr">
-                      <a:noFill/>
-                      <a:prstDash val="solid"/>
-                    </a:lnT>
-                    <a:lnB w="12700" cmpd="sng">
-                      <a:noFill/>
-                      <a:prstDash val="solid"/>
-                    </a:lnB>
-                    <a:solidFill>
-                      <a:schemeClr val="tx1"/>
-                    </a:solidFill>
-                  </a:tcPr>
-                </a:tc>
-                <a:tc>
-                  <a:txBody>
-                    <a:bodyPr/>
-                    <a:lstStyle/>
-                    <a:p>
-                      <a:pPr marL="0" marR="0">
-                        <a:spcBef>
-                          <a:spcPts val="0"/>
-                        </a:spcBef>
-                        <a:spcAft>
-                          <a:spcPts val="0"/>
-                        </a:spcAft>
-                      </a:pPr>
-                      <a:r>
-                        <a:rPr lang="en-US" sz="1700" b="1" cap="none" spc="0">
-                          <a:solidFill>
-                            <a:schemeClr val="bg1"/>
-                          </a:solidFill>
-                          <a:effectLst/>
-                          <a:latin typeface="Calibri" panose="020F0502020204030204" pitchFamily="34" charset="0"/>
-                        </a:rPr>
-                        <a:t>Rwmin(n)  (</a:t>
-                      </a:r>
-                      <a:r>
-                        <a:rPr lang="el-GR" sz="1700" b="1" cap="none" spc="0">
-                          <a:solidFill>
-                            <a:schemeClr val="bg1"/>
-                          </a:solidFill>
-                          <a:effectLst/>
-                          <a:latin typeface="Calibri" panose="020F0502020204030204" pitchFamily="34" charset="0"/>
-                        </a:rPr>
-                        <a:t>Ω)</a:t>
-                      </a:r>
-                      <a:endParaRPr lang="el-GR" sz="1700" b="1" cap="none" spc="0">
-                        <a:solidFill>
-                          <a:schemeClr val="bg1"/>
-                        </a:solidFill>
-                        <a:effectLst/>
-                        <a:latin typeface="Times New Roman" panose="02020603050405020304" pitchFamily="18" charset="0"/>
-                      </a:endParaRPr>
-                    </a:p>
-                  </a:txBody>
-                  <a:tcPr marL="76929" marR="54949" marT="109899" marB="109899" anchor="ctr">
-                    <a:lnL w="12700" cmpd="sng">
-                      <a:noFill/>
-                      <a:prstDash val="solid"/>
-                    </a:lnL>
-                    <a:lnR w="12700" cmpd="sng">
-                      <a:noFill/>
-                      <a:prstDash val="solid"/>
-                    </a:lnR>
-                    <a:lnT w="19050" cap="flat" cmpd="sng" algn="ctr">
-                      <a:noFill/>
-                      <a:prstDash val="solid"/>
-                    </a:lnT>
-                    <a:lnB w="12700" cmpd="sng">
-                      <a:noFill/>
-                      <a:prstDash val="solid"/>
-                    </a:lnB>
-                    <a:solidFill>
-                      <a:schemeClr val="tx1"/>
-                    </a:solidFill>
-                  </a:tcPr>
-                </a:tc>
-                <a:tc>
-                  <a:txBody>
-                    <a:bodyPr/>
-                    <a:lstStyle/>
-                    <a:p>
-                      <a:pPr marL="0" marR="0">
-                        <a:spcBef>
-                          <a:spcPts val="0"/>
-                        </a:spcBef>
-                        <a:spcAft>
-                          <a:spcPts val="0"/>
-                        </a:spcAft>
-                      </a:pPr>
-                      <a:r>
-                        <a:rPr lang="en-US" sz="1700" b="1" cap="none" spc="0">
-                          <a:solidFill>
-                            <a:schemeClr val="bg1"/>
-                          </a:solidFill>
-                          <a:effectLst/>
-                          <a:latin typeface="Calibri" panose="020F0502020204030204" pitchFamily="34" charset="0"/>
-                        </a:rPr>
-                        <a:t>Rwmax(n)  (</a:t>
-                      </a:r>
-                      <a:r>
-                        <a:rPr lang="el-GR" sz="1700" b="1" cap="none" spc="0">
-                          <a:solidFill>
-                            <a:schemeClr val="bg1"/>
-                          </a:solidFill>
-                          <a:effectLst/>
-                          <a:latin typeface="Calibri" panose="020F0502020204030204" pitchFamily="34" charset="0"/>
-                        </a:rPr>
-                        <a:t>Ω)</a:t>
-                      </a:r>
-                      <a:endParaRPr lang="el-GR" sz="1700" b="1" cap="none" spc="0">
-                        <a:solidFill>
-                          <a:schemeClr val="bg1"/>
-                        </a:solidFill>
-                        <a:effectLst/>
-                        <a:latin typeface="Times New Roman" panose="02020603050405020304" pitchFamily="18" charset="0"/>
-                      </a:endParaRPr>
-                    </a:p>
-                  </a:txBody>
-                  <a:tcPr marL="76929" marR="54949" marT="109899" marB="109899" anchor="ctr">
-                    <a:lnL w="12700" cmpd="sng">
-                      <a:noFill/>
-                      <a:prstDash val="solid"/>
-                    </a:lnL>
-                    <a:lnR w="12700" cmpd="sng">
-                      <a:noFill/>
-                      <a:prstDash val="solid"/>
-                    </a:lnR>
-                    <a:lnT w="19050" cap="flat" cmpd="sng" algn="ctr">
-                      <a:noFill/>
-                      <a:prstDash val="solid"/>
-                    </a:lnT>
-                    <a:lnB w="12700" cmpd="sng">
-                      <a:noFill/>
-                      <a:prstDash val="solid"/>
-                    </a:lnB>
-                    <a:solidFill>
-                      <a:schemeClr val="tx1"/>
-                    </a:solidFill>
-                  </a:tcPr>
-                </a:tc>
-                <a:extLst>
-                  <a:ext uri="{0D108BD9-81ED-4DB2-BD59-A6C34878D82A}">
-                    <a16:rowId xmlns:a16="http://schemas.microsoft.com/office/drawing/2014/main" val="4077770029"/>
-                  </a:ext>
-                </a:extLst>
-              </a:tr>
-              <a:tr h="400691">
-                <a:tc>
-                  <a:txBody>
-                    <a:bodyPr/>
-                    <a:lstStyle/>
-                    <a:p>
-                      <a:r>
-                        <a:rPr lang="en-US" sz="1400" cap="none" spc="0">
-                          <a:solidFill>
-                            <a:schemeClr val="tx1"/>
-                          </a:solidFill>
-                        </a:rPr>
-                        <a:t>Range 0</a:t>
-                      </a:r>
-                    </a:p>
-                  </a:txBody>
-                  <a:tcPr marL="76929" marR="54949" marT="40804" marB="109899">
-                    <a:lnL w="12700" cmpd="sng">
-                      <a:noFill/>
-                      <a:prstDash val="solid"/>
-                    </a:lnL>
-                    <a:lnR w="12700" cmpd="sng">
-                      <a:noFill/>
-                      <a:prstDash val="solid"/>
-                    </a:lnR>
-                    <a:lnT w="12700" cmpd="sng">
-                      <a:noFill/>
-                      <a:prstDash val="solid"/>
-                    </a:lnT>
-                    <a:lnB w="12700" cap="flat" cmpd="sng" algn="ctr">
-                      <a:solidFill>
-                        <a:schemeClr val="tx1"/>
-                      </a:solidFill>
-                      <a:prstDash val="solid"/>
-                    </a:lnB>
-                    <a:noFill/>
-                  </a:tcPr>
-                </a:tc>
-                <a:tc>
-                  <a:txBody>
-                    <a:bodyPr/>
-                    <a:lstStyle/>
-                    <a:p>
-                      <a:pPr marL="0" marR="0">
-                        <a:spcBef>
-                          <a:spcPts val="0"/>
-                        </a:spcBef>
-                        <a:spcAft>
-                          <a:spcPts val="0"/>
-                        </a:spcAft>
-                      </a:pPr>
-                      <a:r>
-                        <a:rPr lang="en-US" sz="1400" cap="none" spc="0">
-                          <a:solidFill>
-                            <a:schemeClr val="tx1"/>
-                          </a:solidFill>
-                          <a:effectLst/>
-                          <a:latin typeface="Calibri" panose="020F0502020204030204" pitchFamily="34" charset="0"/>
-                        </a:rPr>
-                        <a:t>N.A.</a:t>
-                      </a:r>
-                      <a:endParaRPr lang="en-US" sz="1400" cap="none" spc="0">
-                        <a:solidFill>
-                          <a:schemeClr val="tx1"/>
-                        </a:solidFill>
-                        <a:effectLst/>
-                        <a:latin typeface="Times New Roman" panose="02020603050405020304" pitchFamily="18" charset="0"/>
-                      </a:endParaRPr>
-                    </a:p>
-                  </a:txBody>
-                  <a:tcPr marL="76929" marR="54949" marT="0" marB="109899">
-                    <a:lnL w="12700" cmpd="sng">
-                      <a:noFill/>
-                      <a:prstDash val="solid"/>
-                    </a:lnL>
-                    <a:lnR w="12700" cmpd="sng">
-                      <a:noFill/>
-                      <a:prstDash val="solid"/>
-                    </a:lnR>
-                    <a:lnT w="12700" cmpd="sng">
-                      <a:noFill/>
-                      <a:prstDash val="solid"/>
-                    </a:lnT>
-                    <a:lnB w="12700" cap="flat" cmpd="sng" algn="ctr">
-                      <a:solidFill>
-                        <a:schemeClr val="tx1"/>
-                      </a:solidFill>
-                      <a:prstDash val="solid"/>
-                    </a:lnB>
-                    <a:noFill/>
-                  </a:tcPr>
-                </a:tc>
-                <a:tc>
-                  <a:txBody>
-                    <a:bodyPr/>
-                    <a:lstStyle/>
-                    <a:p>
-                      <a:pPr marL="0" marR="0">
-                        <a:spcBef>
-                          <a:spcPts val="0"/>
-                        </a:spcBef>
-                        <a:spcAft>
-                          <a:spcPts val="0"/>
-                        </a:spcAft>
-                      </a:pPr>
-                      <a:r>
-                        <a:rPr lang="en-US" sz="1400" b="1" cap="none" spc="0">
-                          <a:solidFill>
-                            <a:schemeClr val="tx1"/>
-                          </a:solidFill>
-                          <a:effectLst/>
-                          <a:latin typeface="Calibri" panose="020F0502020204030204" pitchFamily="34" charset="0"/>
-                        </a:rPr>
-                        <a:t>4300</a:t>
-                      </a:r>
-                      <a:endParaRPr lang="en-US" sz="1400" cap="none" spc="0">
-                        <a:solidFill>
-                          <a:schemeClr val="tx1"/>
-                        </a:solidFill>
-                        <a:effectLst/>
-                        <a:latin typeface="Times New Roman" panose="02020603050405020304" pitchFamily="18" charset="0"/>
-                      </a:endParaRPr>
-                    </a:p>
-                  </a:txBody>
-                  <a:tcPr marL="76929" marR="54949" marT="0" marB="109899">
-                    <a:lnL w="12700" cmpd="sng">
-                      <a:noFill/>
-                      <a:prstDash val="solid"/>
-                    </a:lnL>
-                    <a:lnR w="12700" cmpd="sng">
-                      <a:noFill/>
-                      <a:prstDash val="solid"/>
-                    </a:lnR>
-                    <a:lnT w="12700" cmpd="sng">
-                      <a:noFill/>
-                      <a:prstDash val="solid"/>
-                    </a:lnT>
-                    <a:lnB w="12700" cap="flat" cmpd="sng" algn="ctr">
-                      <a:solidFill>
-                        <a:schemeClr val="tx1"/>
-                      </a:solidFill>
-                      <a:prstDash val="solid"/>
-                    </a:lnB>
-                    <a:noFill/>
-                  </a:tcPr>
-                </a:tc>
-                <a:tc>
-                  <a:txBody>
-                    <a:bodyPr/>
-                    <a:lstStyle/>
-                    <a:p>
-                      <a:pPr marL="0" marR="0">
-                        <a:spcBef>
-                          <a:spcPts val="0"/>
-                        </a:spcBef>
-                        <a:spcAft>
-                          <a:spcPts val="0"/>
-                        </a:spcAft>
-                      </a:pPr>
-                      <a:r>
-                        <a:rPr lang="en-US" sz="1400" cap="none" spc="0">
-                          <a:solidFill>
-                            <a:schemeClr val="tx1"/>
-                          </a:solidFill>
-                          <a:effectLst/>
-                          <a:latin typeface="Calibri" panose="020F0502020204030204" pitchFamily="34" charset="0"/>
-                        </a:rPr>
-                        <a:t>N.A.</a:t>
-                      </a:r>
-                      <a:endParaRPr lang="en-US" sz="1400" cap="none" spc="0">
-                        <a:solidFill>
-                          <a:schemeClr val="tx1"/>
-                        </a:solidFill>
-                        <a:effectLst/>
-                        <a:latin typeface="Times New Roman" panose="02020603050405020304" pitchFamily="18" charset="0"/>
-                      </a:endParaRPr>
-                    </a:p>
-                  </a:txBody>
-                  <a:tcPr marL="76929" marR="54949" marT="0" marB="109899">
-                    <a:lnL w="12700" cmpd="sng">
-                      <a:noFill/>
-                      <a:prstDash val="solid"/>
-                    </a:lnL>
-                    <a:lnR w="12700" cmpd="sng">
-                      <a:noFill/>
-                      <a:prstDash val="solid"/>
-                    </a:lnR>
-                    <a:lnT w="12700" cmpd="sng">
-                      <a:noFill/>
-                      <a:prstDash val="solid"/>
-                    </a:lnT>
-                    <a:lnB w="12700" cap="flat" cmpd="sng" algn="ctr">
-                      <a:solidFill>
-                        <a:schemeClr val="tx1"/>
-                      </a:solidFill>
-                      <a:prstDash val="solid"/>
-                    </a:lnB>
-                    <a:noFill/>
-                  </a:tcPr>
-                </a:tc>
-                <a:tc>
-                  <a:txBody>
-                    <a:bodyPr/>
-                    <a:lstStyle/>
-                    <a:p>
-                      <a:pPr marL="0" marR="0">
-                        <a:spcBef>
-                          <a:spcPts val="0"/>
-                        </a:spcBef>
-                        <a:spcAft>
-                          <a:spcPts val="0"/>
-                        </a:spcAft>
-                      </a:pPr>
-                      <a:r>
-                        <a:rPr lang="en-US" sz="1400" b="1" cap="none" spc="0">
-                          <a:solidFill>
-                            <a:schemeClr val="tx1"/>
-                          </a:solidFill>
-                          <a:effectLst/>
-                          <a:latin typeface="Calibri" panose="020F0502020204030204" pitchFamily="34" charset="0"/>
-                        </a:rPr>
-                        <a:t>4200</a:t>
-                      </a:r>
-                      <a:endParaRPr lang="en-US" sz="1400" cap="none" spc="0">
-                        <a:solidFill>
-                          <a:schemeClr val="tx1"/>
-                        </a:solidFill>
-                        <a:effectLst/>
-                        <a:latin typeface="Times New Roman" panose="02020603050405020304" pitchFamily="18" charset="0"/>
-                      </a:endParaRPr>
-                    </a:p>
-                  </a:txBody>
-                  <a:tcPr marL="76929" marR="54949" marT="0" marB="109899">
-                    <a:lnL w="12700" cmpd="sng">
-                      <a:noFill/>
-                      <a:prstDash val="solid"/>
-                    </a:lnL>
-                    <a:lnR w="12700" cmpd="sng">
-                      <a:noFill/>
-                      <a:prstDash val="solid"/>
-                    </a:lnR>
-                    <a:lnT w="12700" cmpd="sng">
-                      <a:noFill/>
-                      <a:prstDash val="solid"/>
-                    </a:lnT>
-                    <a:lnB w="12700" cap="flat" cmpd="sng" algn="ctr">
-                      <a:solidFill>
-                        <a:schemeClr val="tx1"/>
-                      </a:solidFill>
-                      <a:prstDash val="solid"/>
-                    </a:lnB>
-                    <a:noFill/>
-                  </a:tcPr>
-                </a:tc>
-                <a:extLst>
-                  <a:ext uri="{0D108BD9-81ED-4DB2-BD59-A6C34878D82A}">
-                    <a16:rowId xmlns:a16="http://schemas.microsoft.com/office/drawing/2014/main" val="3487446094"/>
-                  </a:ext>
-                </a:extLst>
-              </a:tr>
-              <a:tr h="400691">
-                <a:tc>
-                  <a:txBody>
-                    <a:bodyPr/>
-                    <a:lstStyle/>
-                    <a:p>
-                      <a:r>
-                        <a:rPr lang="en-US" sz="1400" cap="none" spc="0">
-                          <a:solidFill>
-                            <a:schemeClr val="tx1"/>
-                          </a:solidFill>
-                        </a:rPr>
-                        <a:t>Range 1</a:t>
-                      </a:r>
-                    </a:p>
-                  </a:txBody>
-                  <a:tcPr marL="76929" marR="54949" marT="40804" marB="109899">
-                    <a:lnL w="12700" cmpd="sng">
-                      <a:noFill/>
-                      <a:prstDash val="solid"/>
-                    </a:lnL>
-                    <a:lnR w="12700" cmpd="sng">
-                      <a:noFill/>
-                      <a:prstDash val="solid"/>
-                    </a:lnR>
-                    <a:lnT w="12700" cap="flat" cmpd="sng" algn="ctr">
-                      <a:solidFill>
-                        <a:schemeClr val="tx1"/>
-                      </a:solidFill>
-                      <a:prstDash val="solid"/>
-                    </a:lnT>
-                    <a:lnB w="12700" cmpd="sng">
-                      <a:noFill/>
-                      <a:prstDash val="solid"/>
-                    </a:lnB>
-                    <a:solidFill>
-                      <a:schemeClr val="bg1">
-                        <a:lumMod val="95000"/>
-                      </a:schemeClr>
-                    </a:solidFill>
-                  </a:tcPr>
-                </a:tc>
-                <a:tc>
-                  <a:txBody>
-                    <a:bodyPr/>
-                    <a:lstStyle/>
-                    <a:p>
-                      <a:pPr marL="0" marR="0">
-                        <a:spcBef>
-                          <a:spcPts val="0"/>
-                        </a:spcBef>
-                        <a:spcAft>
-                          <a:spcPts val="0"/>
-                        </a:spcAft>
-                      </a:pPr>
-                      <a:r>
-                        <a:rPr lang="en-US" sz="1400" cap="none" spc="0">
-                          <a:solidFill>
-                            <a:schemeClr val="tx1"/>
-                          </a:solidFill>
-                          <a:effectLst/>
-                          <a:latin typeface="Calibri" panose="020F0502020204030204" pitchFamily="34" charset="0"/>
-                        </a:rPr>
-                        <a:t>4375</a:t>
-                      </a:r>
-                      <a:endParaRPr lang="en-US" sz="1400" cap="none" spc="0">
-                        <a:solidFill>
-                          <a:schemeClr val="tx1"/>
-                        </a:solidFill>
-                        <a:effectLst/>
-                        <a:latin typeface="Times New Roman" panose="02020603050405020304" pitchFamily="18" charset="0"/>
-                      </a:endParaRPr>
-                    </a:p>
-                  </a:txBody>
-                  <a:tcPr marL="76929" marR="54949" marT="0" marB="109899">
-                    <a:lnL w="12700" cmpd="sng">
-                      <a:noFill/>
-                      <a:prstDash val="solid"/>
-                    </a:lnL>
-                    <a:lnR w="12700" cmpd="sng">
-                      <a:noFill/>
-                      <a:prstDash val="solid"/>
-                    </a:lnR>
-                    <a:lnT w="12700" cap="flat" cmpd="sng" algn="ctr">
-                      <a:solidFill>
-                        <a:schemeClr val="tx1"/>
-                      </a:solidFill>
-                      <a:prstDash val="solid"/>
-                    </a:lnT>
-                    <a:lnB w="12700" cmpd="sng">
-                      <a:noFill/>
-                      <a:prstDash val="solid"/>
-                    </a:lnB>
-                    <a:solidFill>
-                      <a:schemeClr val="bg1">
-                        <a:lumMod val="95000"/>
-                      </a:schemeClr>
-                    </a:solidFill>
-                  </a:tcPr>
-                </a:tc>
-                <a:tc>
-                  <a:txBody>
-                    <a:bodyPr/>
-                    <a:lstStyle/>
-                    <a:p>
-                      <a:pPr marL="0" marR="0">
-                        <a:spcBef>
-                          <a:spcPts val="0"/>
-                        </a:spcBef>
-                        <a:spcAft>
-                          <a:spcPts val="0"/>
-                        </a:spcAft>
-                      </a:pPr>
-                      <a:r>
-                        <a:rPr lang="en-US" sz="1400" cap="none" spc="0">
-                          <a:solidFill>
-                            <a:schemeClr val="tx1"/>
-                          </a:solidFill>
-                          <a:effectLst/>
-                          <a:latin typeface="Calibri" panose="020F0502020204030204" pitchFamily="34" charset="0"/>
-                        </a:rPr>
-                        <a:t>4752</a:t>
-                      </a:r>
-                      <a:endParaRPr lang="en-US" sz="1400" cap="none" spc="0">
-                        <a:solidFill>
-                          <a:schemeClr val="tx1"/>
-                        </a:solidFill>
-                        <a:effectLst/>
-                        <a:latin typeface="Times New Roman" panose="02020603050405020304" pitchFamily="18" charset="0"/>
-                      </a:endParaRPr>
-                    </a:p>
-                  </a:txBody>
-                  <a:tcPr marL="76929" marR="54949" marT="0" marB="109899">
-                    <a:lnL w="12700" cmpd="sng">
-                      <a:noFill/>
-                      <a:prstDash val="solid"/>
-                    </a:lnL>
-                    <a:lnR w="12700" cmpd="sng">
-                      <a:noFill/>
-                      <a:prstDash val="solid"/>
-                    </a:lnR>
-                    <a:lnT w="12700" cap="flat" cmpd="sng" algn="ctr">
-                      <a:solidFill>
-                        <a:schemeClr val="tx1"/>
-                      </a:solidFill>
-                      <a:prstDash val="solid"/>
-                    </a:lnT>
-                    <a:lnB w="12700" cmpd="sng">
-                      <a:noFill/>
-                      <a:prstDash val="solid"/>
-                    </a:lnB>
-                    <a:solidFill>
-                      <a:schemeClr val="bg1">
-                        <a:lumMod val="95000"/>
-                      </a:schemeClr>
-                    </a:solidFill>
-                  </a:tcPr>
-                </a:tc>
-                <a:tc>
-                  <a:txBody>
-                    <a:bodyPr/>
-                    <a:lstStyle/>
-                    <a:p>
-                      <a:pPr marL="0" marR="0">
-                        <a:spcBef>
-                          <a:spcPts val="0"/>
-                        </a:spcBef>
-                        <a:spcAft>
-                          <a:spcPts val="0"/>
-                        </a:spcAft>
-                      </a:pPr>
-                      <a:r>
-                        <a:rPr lang="en-US" sz="1400" cap="none" spc="0">
-                          <a:solidFill>
-                            <a:schemeClr val="tx1"/>
-                          </a:solidFill>
-                          <a:effectLst/>
-                          <a:latin typeface="Calibri" panose="020F0502020204030204" pitchFamily="34" charset="0"/>
-                        </a:rPr>
-                        <a:t>4540</a:t>
-                      </a:r>
-                      <a:endParaRPr lang="en-US" sz="1400" cap="none" spc="0">
-                        <a:solidFill>
-                          <a:schemeClr val="tx1"/>
-                        </a:solidFill>
-                        <a:effectLst/>
-                        <a:latin typeface="Times New Roman" panose="02020603050405020304" pitchFamily="18" charset="0"/>
-                      </a:endParaRPr>
-                    </a:p>
-                  </a:txBody>
-                  <a:tcPr marL="76929" marR="54949" marT="0" marB="109899">
-                    <a:lnL w="12700" cmpd="sng">
-                      <a:noFill/>
-                      <a:prstDash val="solid"/>
-                    </a:lnL>
-                    <a:lnR w="12700" cmpd="sng">
-                      <a:noFill/>
-                      <a:prstDash val="solid"/>
-                    </a:lnR>
-                    <a:lnT w="12700" cap="flat" cmpd="sng" algn="ctr">
-                      <a:solidFill>
-                        <a:schemeClr val="tx1"/>
-                      </a:solidFill>
-                      <a:prstDash val="solid"/>
-                    </a:lnT>
-                    <a:lnB w="12700" cmpd="sng">
-                      <a:noFill/>
-                      <a:prstDash val="solid"/>
-                    </a:lnB>
-                    <a:solidFill>
-                      <a:schemeClr val="bg1">
-                        <a:lumMod val="95000"/>
-                      </a:schemeClr>
-                    </a:solidFill>
-                  </a:tcPr>
-                </a:tc>
-                <a:tc>
-                  <a:txBody>
-                    <a:bodyPr/>
-                    <a:lstStyle/>
-                    <a:p>
-                      <a:pPr marL="0" marR="0">
-                        <a:spcBef>
-                          <a:spcPts val="0"/>
-                        </a:spcBef>
-                        <a:spcAft>
-                          <a:spcPts val="0"/>
-                        </a:spcAft>
-                      </a:pPr>
-                      <a:r>
-                        <a:rPr lang="en-US" sz="1400" cap="none" spc="0">
-                          <a:solidFill>
-                            <a:schemeClr val="tx1"/>
-                          </a:solidFill>
-                          <a:effectLst/>
-                          <a:latin typeface="Calibri" panose="020F0502020204030204" pitchFamily="34" charset="0"/>
-                        </a:rPr>
-                        <a:t>4580</a:t>
-                      </a:r>
-                      <a:endParaRPr lang="en-US" sz="1400" cap="none" spc="0">
-                        <a:solidFill>
-                          <a:schemeClr val="tx1"/>
-                        </a:solidFill>
-                        <a:effectLst/>
-                        <a:latin typeface="Times New Roman" panose="02020603050405020304" pitchFamily="18" charset="0"/>
-                      </a:endParaRPr>
-                    </a:p>
-                  </a:txBody>
-                  <a:tcPr marL="76929" marR="54949" marT="0" marB="109899">
-                    <a:lnL w="12700" cmpd="sng">
-                      <a:noFill/>
-                      <a:prstDash val="solid"/>
-                    </a:lnL>
-                    <a:lnR w="12700" cmpd="sng">
-                      <a:noFill/>
-                      <a:prstDash val="solid"/>
-                    </a:lnR>
-                    <a:lnT w="12700" cap="flat" cmpd="sng" algn="ctr">
-                      <a:solidFill>
-                        <a:schemeClr val="tx1"/>
-                      </a:solidFill>
-                      <a:prstDash val="solid"/>
-                    </a:lnT>
-                    <a:lnB w="12700" cmpd="sng">
-                      <a:noFill/>
-                      <a:prstDash val="solid"/>
-                    </a:lnB>
-                    <a:solidFill>
-                      <a:schemeClr val="bg1">
-                        <a:lumMod val="95000"/>
-                      </a:schemeClr>
-                    </a:solidFill>
-                  </a:tcPr>
-                </a:tc>
-                <a:extLst>
-                  <a:ext uri="{0D108BD9-81ED-4DB2-BD59-A6C34878D82A}">
-                    <a16:rowId xmlns:a16="http://schemas.microsoft.com/office/drawing/2014/main" val="3225079013"/>
-                  </a:ext>
-                </a:extLst>
-              </a:tr>
-              <a:tr h="400691">
-                <a:tc>
-                  <a:txBody>
-                    <a:bodyPr/>
-                    <a:lstStyle/>
-                    <a:p>
-                      <a:r>
-                        <a:rPr lang="en-US" sz="1400" cap="none" spc="0">
-                          <a:solidFill>
-                            <a:schemeClr val="tx1"/>
-                          </a:solidFill>
-                        </a:rPr>
-                        <a:t>Range 2</a:t>
-                      </a:r>
-                    </a:p>
-                  </a:txBody>
-                  <a:tcPr marL="76929" marR="54949" marT="40804" marB="109899">
-                    <a:lnL w="12700" cmpd="sng">
-                      <a:noFill/>
-                      <a:prstDash val="solid"/>
-                    </a:lnL>
-                    <a:lnR w="12700" cmpd="sng">
-                      <a:noFill/>
-                      <a:prstDash val="solid"/>
-                    </a:lnR>
-                    <a:lnT w="12700" cmpd="sng">
-                      <a:noFill/>
-                      <a:prstDash val="solid"/>
-                    </a:lnT>
-                    <a:lnB w="12700" cap="flat" cmpd="sng" algn="ctr">
-                      <a:solidFill>
-                        <a:schemeClr val="tx1"/>
-                      </a:solidFill>
-                      <a:prstDash val="solid"/>
-                    </a:lnB>
-                    <a:noFill/>
-                  </a:tcPr>
-                </a:tc>
-                <a:tc>
-                  <a:txBody>
-                    <a:bodyPr/>
-                    <a:lstStyle/>
-                    <a:p>
-                      <a:pPr marL="0" marR="0">
-                        <a:spcBef>
-                          <a:spcPts val="0"/>
-                        </a:spcBef>
-                        <a:spcAft>
-                          <a:spcPts val="0"/>
-                        </a:spcAft>
-                      </a:pPr>
-                      <a:r>
-                        <a:rPr lang="en-US" sz="1400" cap="none" spc="0">
-                          <a:solidFill>
-                            <a:schemeClr val="tx1"/>
-                          </a:solidFill>
-                          <a:effectLst/>
-                          <a:latin typeface="Calibri" panose="020F0502020204030204" pitchFamily="34" charset="0"/>
-                        </a:rPr>
-                        <a:t>4844</a:t>
-                      </a:r>
-                      <a:endParaRPr lang="en-US" sz="1400" cap="none" spc="0">
-                        <a:solidFill>
-                          <a:schemeClr val="tx1"/>
-                        </a:solidFill>
-                        <a:effectLst/>
-                        <a:latin typeface="Times New Roman" panose="02020603050405020304" pitchFamily="18" charset="0"/>
-                      </a:endParaRPr>
-                    </a:p>
-                  </a:txBody>
-                  <a:tcPr marL="76929" marR="54949" marT="0" marB="109899">
-                    <a:lnL w="12700" cmpd="sng">
-                      <a:noFill/>
-                      <a:prstDash val="solid"/>
-                    </a:lnL>
-                    <a:lnR w="12700" cmpd="sng">
-                      <a:noFill/>
-                      <a:prstDash val="solid"/>
-                    </a:lnR>
-                    <a:lnT w="12700" cmpd="sng">
-                      <a:noFill/>
-                      <a:prstDash val="solid"/>
-                    </a:lnT>
-                    <a:lnB w="12700" cap="flat" cmpd="sng" algn="ctr">
-                      <a:solidFill>
-                        <a:schemeClr val="tx1"/>
-                      </a:solidFill>
-                      <a:prstDash val="solid"/>
-                    </a:lnB>
-                    <a:noFill/>
-                  </a:tcPr>
-                </a:tc>
-                <a:tc>
-                  <a:txBody>
-                    <a:bodyPr/>
-                    <a:lstStyle/>
-                    <a:p>
-                      <a:pPr marL="0" marR="0">
-                        <a:spcBef>
-                          <a:spcPts val="0"/>
-                        </a:spcBef>
-                        <a:spcAft>
-                          <a:spcPts val="0"/>
-                        </a:spcAft>
-                      </a:pPr>
-                      <a:r>
-                        <a:rPr lang="en-US" sz="1400" cap="none" spc="0">
-                          <a:solidFill>
-                            <a:schemeClr val="tx1"/>
-                          </a:solidFill>
-                          <a:effectLst/>
-                          <a:latin typeface="Calibri" panose="020F0502020204030204" pitchFamily="34" charset="0"/>
-                        </a:rPr>
-                        <a:t>5304</a:t>
-                      </a:r>
-                      <a:endParaRPr lang="en-US" sz="1400" cap="none" spc="0">
-                        <a:solidFill>
-                          <a:schemeClr val="tx1"/>
-                        </a:solidFill>
-                        <a:effectLst/>
-                        <a:latin typeface="Times New Roman" panose="02020603050405020304" pitchFamily="18" charset="0"/>
-                      </a:endParaRPr>
-                    </a:p>
-                  </a:txBody>
-                  <a:tcPr marL="76929" marR="54949" marT="0" marB="109899">
-                    <a:lnL w="12700" cmpd="sng">
-                      <a:noFill/>
-                      <a:prstDash val="solid"/>
-                    </a:lnL>
-                    <a:lnR w="12700" cmpd="sng">
-                      <a:noFill/>
-                      <a:prstDash val="solid"/>
-                    </a:lnR>
-                    <a:lnT w="12700" cmpd="sng">
-                      <a:noFill/>
-                      <a:prstDash val="solid"/>
-                    </a:lnT>
-                    <a:lnB w="12700" cap="flat" cmpd="sng" algn="ctr">
-                      <a:solidFill>
-                        <a:schemeClr val="tx1"/>
-                      </a:solidFill>
-                      <a:prstDash val="solid"/>
-                    </a:lnB>
-                    <a:noFill/>
-                  </a:tcPr>
-                </a:tc>
-                <a:tc>
-                  <a:txBody>
-                    <a:bodyPr/>
-                    <a:lstStyle/>
-                    <a:p>
-                      <a:pPr marL="0" marR="0">
-                        <a:spcBef>
-                          <a:spcPts val="0"/>
-                        </a:spcBef>
-                        <a:spcAft>
-                          <a:spcPts val="0"/>
-                        </a:spcAft>
-                      </a:pPr>
-                      <a:r>
-                        <a:rPr lang="en-US" sz="1400" cap="none" spc="0">
-                          <a:solidFill>
-                            <a:schemeClr val="tx1"/>
-                          </a:solidFill>
-                          <a:effectLst/>
-                          <a:latin typeface="Calibri" panose="020F0502020204030204" pitchFamily="34" charset="0"/>
-                        </a:rPr>
-                        <a:t>5040</a:t>
-                      </a:r>
-                      <a:endParaRPr lang="en-US" sz="1400" cap="none" spc="0">
-                        <a:solidFill>
-                          <a:schemeClr val="tx1"/>
-                        </a:solidFill>
-                        <a:effectLst/>
-                        <a:latin typeface="Times New Roman" panose="02020603050405020304" pitchFamily="18" charset="0"/>
-                      </a:endParaRPr>
-                    </a:p>
-                  </a:txBody>
-                  <a:tcPr marL="76929" marR="54949" marT="0" marB="109899">
-                    <a:lnL w="12700" cmpd="sng">
-                      <a:noFill/>
-                      <a:prstDash val="solid"/>
-                    </a:lnL>
-                    <a:lnR w="12700" cmpd="sng">
-                      <a:noFill/>
-                      <a:prstDash val="solid"/>
-                    </a:lnR>
-                    <a:lnT w="12700" cmpd="sng">
-                      <a:noFill/>
-                      <a:prstDash val="solid"/>
-                    </a:lnT>
-                    <a:lnB w="12700" cap="flat" cmpd="sng" algn="ctr">
-                      <a:solidFill>
-                        <a:schemeClr val="tx1"/>
-                      </a:solidFill>
-                      <a:prstDash val="solid"/>
-                    </a:lnB>
-                    <a:noFill/>
-                  </a:tcPr>
-                </a:tc>
-                <a:tc>
-                  <a:txBody>
-                    <a:bodyPr/>
-                    <a:lstStyle/>
-                    <a:p>
-                      <a:pPr marL="0" marR="0">
-                        <a:spcBef>
-                          <a:spcPts val="0"/>
-                        </a:spcBef>
-                        <a:spcAft>
-                          <a:spcPts val="0"/>
-                        </a:spcAft>
-                      </a:pPr>
-                      <a:r>
-                        <a:rPr lang="en-US" sz="1400" cap="none" spc="0">
-                          <a:solidFill>
-                            <a:schemeClr val="tx1"/>
-                          </a:solidFill>
-                          <a:effectLst/>
-                          <a:latin typeface="Calibri" panose="020F0502020204030204" pitchFamily="34" charset="0"/>
-                        </a:rPr>
-                        <a:t>5090</a:t>
-                      </a:r>
-                      <a:endParaRPr lang="en-US" sz="1400" cap="none" spc="0">
-                        <a:solidFill>
-                          <a:schemeClr val="tx1"/>
-                        </a:solidFill>
-                        <a:effectLst/>
-                        <a:latin typeface="Times New Roman" panose="02020603050405020304" pitchFamily="18" charset="0"/>
-                      </a:endParaRPr>
-                    </a:p>
-                  </a:txBody>
-                  <a:tcPr marL="76929" marR="54949" marT="0" marB="109899">
-                    <a:lnL w="12700" cmpd="sng">
-                      <a:noFill/>
-                      <a:prstDash val="solid"/>
-                    </a:lnL>
-                    <a:lnR w="12700" cmpd="sng">
-                      <a:noFill/>
-                      <a:prstDash val="solid"/>
-                    </a:lnR>
-                    <a:lnT w="12700" cmpd="sng">
-                      <a:noFill/>
-                      <a:prstDash val="solid"/>
-                    </a:lnT>
-                    <a:lnB w="12700" cap="flat" cmpd="sng" algn="ctr">
-                      <a:solidFill>
-                        <a:schemeClr val="tx1"/>
-                      </a:solidFill>
-                      <a:prstDash val="solid"/>
-                    </a:lnB>
-                    <a:noFill/>
-                  </a:tcPr>
-                </a:tc>
-                <a:extLst>
-                  <a:ext uri="{0D108BD9-81ED-4DB2-BD59-A6C34878D82A}">
-                    <a16:rowId xmlns:a16="http://schemas.microsoft.com/office/drawing/2014/main" val="569265022"/>
-                  </a:ext>
-                </a:extLst>
-              </a:tr>
-              <a:tr h="400691">
-                <a:tc>
-                  <a:txBody>
-                    <a:bodyPr/>
-                    <a:lstStyle/>
-                    <a:p>
-                      <a:r>
-                        <a:rPr lang="en-US" sz="1400" cap="none" spc="0">
-                          <a:solidFill>
-                            <a:schemeClr val="tx1"/>
-                          </a:solidFill>
-                        </a:rPr>
-                        <a:t>Range 3</a:t>
-                      </a:r>
-                    </a:p>
-                  </a:txBody>
-                  <a:tcPr marL="76929" marR="54949" marT="40804" marB="109899">
-                    <a:lnL w="12700" cmpd="sng">
-                      <a:noFill/>
-                      <a:prstDash val="solid"/>
-                    </a:lnL>
-                    <a:lnR w="12700" cmpd="sng">
-                      <a:noFill/>
-                      <a:prstDash val="solid"/>
-                    </a:lnR>
-                    <a:lnT w="12700" cap="flat" cmpd="sng" algn="ctr">
-                      <a:solidFill>
-                        <a:schemeClr val="tx1"/>
-                      </a:solidFill>
-                      <a:prstDash val="solid"/>
-                    </a:lnT>
-                    <a:lnB w="12700" cmpd="sng">
-                      <a:noFill/>
-                      <a:prstDash val="solid"/>
-                    </a:lnB>
-                    <a:solidFill>
-                      <a:schemeClr val="bg1">
-                        <a:lumMod val="95000"/>
-                      </a:schemeClr>
-                    </a:solidFill>
-                  </a:tcPr>
-                </a:tc>
-                <a:tc>
-                  <a:txBody>
-                    <a:bodyPr/>
-                    <a:lstStyle/>
-                    <a:p>
-                      <a:pPr marL="0" marR="0">
-                        <a:spcBef>
-                          <a:spcPts val="0"/>
-                        </a:spcBef>
-                        <a:spcAft>
-                          <a:spcPts val="0"/>
-                        </a:spcAft>
-                      </a:pPr>
-                      <a:r>
-                        <a:rPr lang="en-US" sz="1400" cap="none" spc="0">
-                          <a:solidFill>
-                            <a:schemeClr val="tx1"/>
-                          </a:solidFill>
-                          <a:effectLst/>
-                          <a:latin typeface="Calibri" panose="020F0502020204030204" pitchFamily="34" charset="0"/>
-                        </a:rPr>
-                        <a:t>5419</a:t>
-                      </a:r>
-                      <a:endParaRPr lang="en-US" sz="1400" cap="none" spc="0">
-                        <a:solidFill>
-                          <a:schemeClr val="tx1"/>
-                        </a:solidFill>
-                        <a:effectLst/>
-                        <a:latin typeface="Times New Roman" panose="02020603050405020304" pitchFamily="18" charset="0"/>
-                      </a:endParaRPr>
-                    </a:p>
-                  </a:txBody>
-                  <a:tcPr marL="76929" marR="54949" marT="0" marB="109899">
-                    <a:lnL w="12700" cmpd="sng">
-                      <a:noFill/>
-                      <a:prstDash val="solid"/>
-                    </a:lnL>
-                    <a:lnR w="12700" cmpd="sng">
-                      <a:noFill/>
-                      <a:prstDash val="solid"/>
-                    </a:lnR>
-                    <a:lnT w="12700" cap="flat" cmpd="sng" algn="ctr">
-                      <a:solidFill>
-                        <a:schemeClr val="tx1"/>
-                      </a:solidFill>
-                      <a:prstDash val="solid"/>
-                    </a:lnT>
-                    <a:lnB w="12700" cmpd="sng">
-                      <a:noFill/>
-                      <a:prstDash val="solid"/>
-                    </a:lnB>
-                    <a:solidFill>
-                      <a:schemeClr val="bg1">
-                        <a:lumMod val="95000"/>
-                      </a:schemeClr>
-                    </a:solidFill>
-                  </a:tcPr>
-                </a:tc>
-                <a:tc>
-                  <a:txBody>
-                    <a:bodyPr/>
-                    <a:lstStyle/>
-                    <a:p>
-                      <a:pPr marL="0" marR="0">
-                        <a:spcBef>
-                          <a:spcPts val="0"/>
-                        </a:spcBef>
-                        <a:spcAft>
-                          <a:spcPts val="0"/>
-                        </a:spcAft>
-                      </a:pPr>
-                      <a:r>
-                        <a:rPr lang="en-US" sz="1400" cap="none" spc="0">
-                          <a:solidFill>
-                            <a:schemeClr val="tx1"/>
-                          </a:solidFill>
-                          <a:effectLst/>
-                          <a:latin typeface="Calibri" panose="020F0502020204030204" pitchFamily="34" charset="0"/>
-                        </a:rPr>
-                        <a:t>6012</a:t>
-                      </a:r>
-                      <a:endParaRPr lang="en-US" sz="1400" cap="none" spc="0">
-                        <a:solidFill>
-                          <a:schemeClr val="tx1"/>
-                        </a:solidFill>
-                        <a:effectLst/>
-                        <a:latin typeface="Times New Roman" panose="02020603050405020304" pitchFamily="18" charset="0"/>
-                      </a:endParaRPr>
-                    </a:p>
-                  </a:txBody>
-                  <a:tcPr marL="76929" marR="54949" marT="0" marB="109899">
-                    <a:lnL w="12700" cmpd="sng">
-                      <a:noFill/>
-                      <a:prstDash val="solid"/>
-                    </a:lnL>
-                    <a:lnR w="12700" cmpd="sng">
-                      <a:noFill/>
-                      <a:prstDash val="solid"/>
-                    </a:lnR>
-                    <a:lnT w="12700" cap="flat" cmpd="sng" algn="ctr">
-                      <a:solidFill>
-                        <a:schemeClr val="tx1"/>
-                      </a:solidFill>
-                      <a:prstDash val="solid"/>
-                    </a:lnT>
-                    <a:lnB w="12700" cmpd="sng">
-                      <a:noFill/>
-                      <a:prstDash val="solid"/>
-                    </a:lnB>
-                    <a:solidFill>
-                      <a:schemeClr val="bg1">
-                        <a:lumMod val="95000"/>
-                      </a:schemeClr>
-                    </a:solidFill>
-                  </a:tcPr>
-                </a:tc>
-                <a:tc>
-                  <a:txBody>
-                    <a:bodyPr/>
-                    <a:lstStyle/>
-                    <a:p>
-                      <a:pPr marL="0" marR="0">
-                        <a:spcBef>
-                          <a:spcPts val="0"/>
-                        </a:spcBef>
-                        <a:spcAft>
-                          <a:spcPts val="0"/>
-                        </a:spcAft>
-                      </a:pPr>
-                      <a:r>
-                        <a:rPr lang="en-US" sz="1400" cap="none" spc="0">
-                          <a:solidFill>
-                            <a:schemeClr val="tx1"/>
-                          </a:solidFill>
-                          <a:effectLst/>
-                          <a:latin typeface="Calibri" panose="020F0502020204030204" pitchFamily="34" charset="0"/>
-                        </a:rPr>
-                        <a:t>5670</a:t>
-                      </a:r>
-                      <a:endParaRPr lang="en-US" sz="1400" cap="none" spc="0">
-                        <a:solidFill>
-                          <a:schemeClr val="tx1"/>
-                        </a:solidFill>
-                        <a:effectLst/>
-                        <a:latin typeface="Times New Roman" panose="02020603050405020304" pitchFamily="18" charset="0"/>
-                      </a:endParaRPr>
-                    </a:p>
-                  </a:txBody>
-                  <a:tcPr marL="76929" marR="54949" marT="0" marB="109899">
-                    <a:lnL w="12700" cmpd="sng">
-                      <a:noFill/>
-                      <a:prstDash val="solid"/>
-                    </a:lnL>
-                    <a:lnR w="12700" cmpd="sng">
-                      <a:noFill/>
-                      <a:prstDash val="solid"/>
-                    </a:lnR>
-                    <a:lnT w="12700" cap="flat" cmpd="sng" algn="ctr">
-                      <a:solidFill>
-                        <a:schemeClr val="tx1"/>
-                      </a:solidFill>
-                      <a:prstDash val="solid"/>
-                    </a:lnT>
-                    <a:lnB w="12700" cmpd="sng">
-                      <a:noFill/>
-                      <a:prstDash val="solid"/>
-                    </a:lnB>
-                    <a:solidFill>
-                      <a:schemeClr val="bg1">
-                        <a:lumMod val="95000"/>
-                      </a:schemeClr>
-                    </a:solidFill>
-                  </a:tcPr>
-                </a:tc>
-                <a:tc>
-                  <a:txBody>
-                    <a:bodyPr/>
-                    <a:lstStyle/>
-                    <a:p>
-                      <a:pPr marL="0" marR="0">
-                        <a:spcBef>
-                          <a:spcPts val="0"/>
-                        </a:spcBef>
-                        <a:spcAft>
-                          <a:spcPts val="0"/>
-                        </a:spcAft>
-                      </a:pPr>
-                      <a:r>
-                        <a:rPr lang="en-US" sz="1400" cap="none" spc="0">
-                          <a:solidFill>
-                            <a:schemeClr val="tx1"/>
-                          </a:solidFill>
-                          <a:effectLst/>
-                          <a:latin typeface="Calibri" panose="020F0502020204030204" pitchFamily="34" charset="0"/>
-                        </a:rPr>
-                        <a:t>5730</a:t>
-                      </a:r>
-                      <a:endParaRPr lang="en-US" sz="1400" cap="none" spc="0">
-                        <a:solidFill>
-                          <a:schemeClr val="tx1"/>
-                        </a:solidFill>
-                        <a:effectLst/>
-                        <a:latin typeface="Times New Roman" panose="02020603050405020304" pitchFamily="18" charset="0"/>
-                      </a:endParaRPr>
-                    </a:p>
-                  </a:txBody>
-                  <a:tcPr marL="76929" marR="54949" marT="0" marB="109899">
-                    <a:lnL w="12700" cmpd="sng">
-                      <a:noFill/>
-                      <a:prstDash val="solid"/>
-                    </a:lnL>
-                    <a:lnR w="12700" cmpd="sng">
-                      <a:noFill/>
-                      <a:prstDash val="solid"/>
-                    </a:lnR>
-                    <a:lnT w="12700" cap="flat" cmpd="sng" algn="ctr">
-                      <a:solidFill>
-                        <a:schemeClr val="tx1"/>
-                      </a:solidFill>
-                      <a:prstDash val="solid"/>
-                    </a:lnT>
-                    <a:lnB w="12700" cmpd="sng">
-                      <a:noFill/>
-                      <a:prstDash val="solid"/>
-                    </a:lnB>
-                    <a:solidFill>
-                      <a:schemeClr val="bg1">
-                        <a:lumMod val="95000"/>
-                      </a:schemeClr>
-                    </a:solidFill>
-                  </a:tcPr>
-                </a:tc>
-                <a:extLst>
-                  <a:ext uri="{0D108BD9-81ED-4DB2-BD59-A6C34878D82A}">
-                    <a16:rowId xmlns:a16="http://schemas.microsoft.com/office/drawing/2014/main" val="1772742290"/>
-                  </a:ext>
-                </a:extLst>
-              </a:tr>
-              <a:tr h="400691">
-                <a:tc>
-                  <a:txBody>
-                    <a:bodyPr/>
-                    <a:lstStyle/>
-                    <a:p>
-                      <a:r>
-                        <a:rPr lang="en-US" sz="1400" cap="none" spc="0">
-                          <a:solidFill>
-                            <a:schemeClr val="tx1"/>
-                          </a:solidFill>
-                        </a:rPr>
-                        <a:t>Range 4</a:t>
-                      </a:r>
-                    </a:p>
-                  </a:txBody>
-                  <a:tcPr marL="76929" marR="54949" marT="40804" marB="109899">
-                    <a:lnL w="12700" cmpd="sng">
-                      <a:noFill/>
-                      <a:prstDash val="solid"/>
-                    </a:lnL>
-                    <a:lnR w="12700" cmpd="sng">
-                      <a:noFill/>
-                      <a:prstDash val="solid"/>
-                    </a:lnR>
-                    <a:lnT w="12700" cmpd="sng">
-                      <a:noFill/>
-                      <a:prstDash val="solid"/>
-                    </a:lnT>
-                    <a:lnB w="12700" cap="flat" cmpd="sng" algn="ctr">
-                      <a:solidFill>
-                        <a:schemeClr val="tx1"/>
-                      </a:solidFill>
-                      <a:prstDash val="solid"/>
-                    </a:lnB>
-                    <a:noFill/>
-                  </a:tcPr>
-                </a:tc>
-                <a:tc>
-                  <a:txBody>
-                    <a:bodyPr/>
-                    <a:lstStyle/>
-                    <a:p>
-                      <a:pPr marL="0" marR="0">
-                        <a:spcBef>
-                          <a:spcPts val="0"/>
-                        </a:spcBef>
-                        <a:spcAft>
-                          <a:spcPts val="0"/>
-                        </a:spcAft>
-                      </a:pPr>
-                      <a:r>
-                        <a:rPr lang="en-US" sz="1400" cap="none" spc="0">
-                          <a:solidFill>
-                            <a:schemeClr val="tx1"/>
-                          </a:solidFill>
-                          <a:effectLst/>
-                          <a:latin typeface="Calibri" panose="020F0502020204030204" pitchFamily="34" charset="0"/>
-                        </a:rPr>
-                        <a:t>6160</a:t>
-                      </a:r>
-                      <a:endParaRPr lang="en-US" sz="1400" cap="none" spc="0">
-                        <a:solidFill>
-                          <a:schemeClr val="tx1"/>
-                        </a:solidFill>
-                        <a:effectLst/>
-                        <a:latin typeface="Times New Roman" panose="02020603050405020304" pitchFamily="18" charset="0"/>
-                      </a:endParaRPr>
-                    </a:p>
-                  </a:txBody>
-                  <a:tcPr marL="76929" marR="54949" marT="0" marB="109899">
-                    <a:lnL w="12700" cmpd="sng">
-                      <a:noFill/>
-                      <a:prstDash val="solid"/>
-                    </a:lnL>
-                    <a:lnR w="12700" cmpd="sng">
-                      <a:noFill/>
-                      <a:prstDash val="solid"/>
-                    </a:lnR>
-                    <a:lnT w="12700" cmpd="sng">
-                      <a:noFill/>
-                      <a:prstDash val="solid"/>
-                    </a:lnT>
-                    <a:lnB w="12700" cap="flat" cmpd="sng" algn="ctr">
-                      <a:solidFill>
-                        <a:schemeClr val="tx1"/>
-                      </a:solidFill>
-                      <a:prstDash val="solid"/>
-                    </a:lnB>
-                    <a:noFill/>
-                  </a:tcPr>
-                </a:tc>
-                <a:tc>
-                  <a:txBody>
-                    <a:bodyPr/>
-                    <a:lstStyle/>
-                    <a:p>
-                      <a:pPr marL="0" marR="0">
-                        <a:spcBef>
-                          <a:spcPts val="0"/>
-                        </a:spcBef>
-                        <a:spcAft>
-                          <a:spcPts val="0"/>
-                        </a:spcAft>
-                      </a:pPr>
-                      <a:r>
-                        <a:rPr lang="en-US" sz="1400" cap="none" spc="0">
-                          <a:solidFill>
-                            <a:schemeClr val="tx1"/>
-                          </a:solidFill>
-                          <a:effectLst/>
-                          <a:latin typeface="Calibri" panose="020F0502020204030204" pitchFamily="34" charset="0"/>
-                        </a:rPr>
-                        <a:t>6988</a:t>
-                      </a:r>
-                      <a:endParaRPr lang="en-US" sz="1400" cap="none" spc="0">
-                        <a:solidFill>
-                          <a:schemeClr val="tx1"/>
-                        </a:solidFill>
-                        <a:effectLst/>
-                        <a:latin typeface="Times New Roman" panose="02020603050405020304" pitchFamily="18" charset="0"/>
-                      </a:endParaRPr>
-                    </a:p>
-                  </a:txBody>
-                  <a:tcPr marL="76929" marR="54949" marT="0" marB="109899">
-                    <a:lnL w="12700" cmpd="sng">
-                      <a:noFill/>
-                      <a:prstDash val="solid"/>
-                    </a:lnL>
-                    <a:lnR w="12700" cmpd="sng">
-                      <a:noFill/>
-                      <a:prstDash val="solid"/>
-                    </a:lnR>
-                    <a:lnT w="12700" cmpd="sng">
-                      <a:noFill/>
-                      <a:prstDash val="solid"/>
-                    </a:lnT>
-                    <a:lnB w="12700" cap="flat" cmpd="sng" algn="ctr">
-                      <a:solidFill>
-                        <a:schemeClr val="tx1"/>
-                      </a:solidFill>
-                      <a:prstDash val="solid"/>
-                    </a:lnB>
-                    <a:noFill/>
-                  </a:tcPr>
-                </a:tc>
-                <a:tc>
-                  <a:txBody>
-                    <a:bodyPr/>
-                    <a:lstStyle/>
-                    <a:p>
-                      <a:pPr marL="0" marR="0">
-                        <a:spcBef>
-                          <a:spcPts val="0"/>
-                        </a:spcBef>
-                        <a:spcAft>
-                          <a:spcPts val="0"/>
-                        </a:spcAft>
-                      </a:pPr>
-                      <a:r>
-                        <a:rPr lang="en-US" sz="1400" cap="none" spc="0">
-                          <a:solidFill>
-                            <a:schemeClr val="tx1"/>
-                          </a:solidFill>
-                          <a:effectLst/>
-                          <a:latin typeface="Calibri" panose="020F0502020204030204" pitchFamily="34" charset="0"/>
-                        </a:rPr>
-                        <a:t>6510</a:t>
-                      </a:r>
-                      <a:endParaRPr lang="en-US" sz="1400" cap="none" spc="0">
-                        <a:solidFill>
-                          <a:schemeClr val="tx1"/>
-                        </a:solidFill>
-                        <a:effectLst/>
-                        <a:latin typeface="Times New Roman" panose="02020603050405020304" pitchFamily="18" charset="0"/>
-                      </a:endParaRPr>
-                    </a:p>
-                  </a:txBody>
-                  <a:tcPr marL="76929" marR="54949" marT="0" marB="109899">
-                    <a:lnL w="12700" cmpd="sng">
-                      <a:noFill/>
-                      <a:prstDash val="solid"/>
-                    </a:lnL>
-                    <a:lnR w="12700" cmpd="sng">
-                      <a:noFill/>
-                      <a:prstDash val="solid"/>
-                    </a:lnR>
-                    <a:lnT w="12700" cmpd="sng">
-                      <a:noFill/>
-                      <a:prstDash val="solid"/>
-                    </a:lnT>
-                    <a:lnB w="12700" cap="flat" cmpd="sng" algn="ctr">
-                      <a:solidFill>
-                        <a:schemeClr val="tx1"/>
-                      </a:solidFill>
-                      <a:prstDash val="solid"/>
-                    </a:lnB>
-                    <a:noFill/>
-                  </a:tcPr>
-                </a:tc>
-                <a:tc>
-                  <a:txBody>
-                    <a:bodyPr/>
-                    <a:lstStyle/>
-                    <a:p>
-                      <a:pPr marL="0" marR="0">
-                        <a:spcBef>
-                          <a:spcPts val="0"/>
-                        </a:spcBef>
-                        <a:spcAft>
-                          <a:spcPts val="0"/>
-                        </a:spcAft>
-                      </a:pPr>
-                      <a:r>
-                        <a:rPr lang="en-US" sz="1400" cap="none" spc="0">
-                          <a:solidFill>
-                            <a:schemeClr val="tx1"/>
-                          </a:solidFill>
-                          <a:effectLst/>
-                          <a:latin typeface="Calibri" panose="020F0502020204030204" pitchFamily="34" charset="0"/>
-                        </a:rPr>
-                        <a:t>6600</a:t>
-                      </a:r>
-                      <a:endParaRPr lang="en-US" sz="1400" cap="none" spc="0">
-                        <a:solidFill>
-                          <a:schemeClr val="tx1"/>
-                        </a:solidFill>
-                        <a:effectLst/>
-                        <a:latin typeface="Times New Roman" panose="02020603050405020304" pitchFamily="18" charset="0"/>
-                      </a:endParaRPr>
-                    </a:p>
-                  </a:txBody>
-                  <a:tcPr marL="76929" marR="54949" marT="0" marB="109899">
-                    <a:lnL w="12700" cmpd="sng">
-                      <a:noFill/>
-                      <a:prstDash val="solid"/>
-                    </a:lnL>
-                    <a:lnR w="12700" cmpd="sng">
-                      <a:noFill/>
-                      <a:prstDash val="solid"/>
-                    </a:lnR>
-                    <a:lnT w="12700" cmpd="sng">
-                      <a:noFill/>
-                      <a:prstDash val="solid"/>
-                    </a:lnT>
-                    <a:lnB w="12700" cap="flat" cmpd="sng" algn="ctr">
-                      <a:solidFill>
-                        <a:schemeClr val="tx1"/>
-                      </a:solidFill>
-                      <a:prstDash val="solid"/>
-                    </a:lnB>
-                    <a:noFill/>
-                  </a:tcPr>
-                </a:tc>
-                <a:extLst>
-                  <a:ext uri="{0D108BD9-81ED-4DB2-BD59-A6C34878D82A}">
-                    <a16:rowId xmlns:a16="http://schemas.microsoft.com/office/drawing/2014/main" val="834706111"/>
-                  </a:ext>
-                </a:extLst>
-              </a:tr>
-              <a:tr h="400691">
-                <a:tc>
-                  <a:txBody>
-                    <a:bodyPr/>
-                    <a:lstStyle/>
-                    <a:p>
-                      <a:r>
-                        <a:rPr lang="en-US" sz="1400" cap="none" spc="0">
-                          <a:solidFill>
-                            <a:schemeClr val="tx1"/>
-                          </a:solidFill>
-                        </a:rPr>
-                        <a:t>Range 5</a:t>
-                      </a:r>
-                    </a:p>
-                  </a:txBody>
-                  <a:tcPr marL="76929" marR="54949" marT="40804" marB="109899">
-                    <a:lnL w="12700" cmpd="sng">
-                      <a:noFill/>
-                      <a:prstDash val="solid"/>
-                    </a:lnL>
-                    <a:lnR w="12700" cmpd="sng">
-                      <a:noFill/>
-                      <a:prstDash val="solid"/>
-                    </a:lnR>
-                    <a:lnT w="12700" cap="flat" cmpd="sng" algn="ctr">
-                      <a:solidFill>
-                        <a:schemeClr val="tx1"/>
-                      </a:solidFill>
-                      <a:prstDash val="solid"/>
-                    </a:lnT>
-                    <a:lnB w="12700" cmpd="sng">
-                      <a:noFill/>
-                      <a:prstDash val="solid"/>
-                    </a:lnB>
-                    <a:solidFill>
-                      <a:schemeClr val="bg1">
-                        <a:lumMod val="95000"/>
-                      </a:schemeClr>
-                    </a:solidFill>
-                  </a:tcPr>
-                </a:tc>
-                <a:tc>
-                  <a:txBody>
-                    <a:bodyPr/>
-                    <a:lstStyle/>
-                    <a:p>
-                      <a:pPr marL="0" marR="0">
-                        <a:spcBef>
-                          <a:spcPts val="0"/>
-                        </a:spcBef>
-                        <a:spcAft>
-                          <a:spcPts val="0"/>
-                        </a:spcAft>
-                      </a:pPr>
-                      <a:r>
-                        <a:rPr lang="en-US" sz="1400" cap="none" spc="0">
-                          <a:solidFill>
-                            <a:schemeClr val="tx1"/>
-                          </a:solidFill>
-                          <a:effectLst/>
-                          <a:latin typeface="Calibri" panose="020F0502020204030204" pitchFamily="34" charset="0"/>
-                        </a:rPr>
-                        <a:t>7189</a:t>
-                      </a:r>
-                      <a:endParaRPr lang="en-US" sz="1400" cap="none" spc="0">
-                        <a:solidFill>
-                          <a:schemeClr val="tx1"/>
-                        </a:solidFill>
-                        <a:effectLst/>
-                        <a:latin typeface="Times New Roman" panose="02020603050405020304" pitchFamily="18" charset="0"/>
-                      </a:endParaRPr>
-                    </a:p>
-                  </a:txBody>
-                  <a:tcPr marL="76929" marR="54949" marT="0" marB="109899">
-                    <a:lnL w="12700" cmpd="sng">
-                      <a:noFill/>
-                      <a:prstDash val="solid"/>
-                    </a:lnL>
-                    <a:lnR w="12700" cmpd="sng">
-                      <a:noFill/>
-                      <a:prstDash val="solid"/>
-                    </a:lnR>
-                    <a:lnT w="12700" cap="flat" cmpd="sng" algn="ctr">
-                      <a:solidFill>
-                        <a:schemeClr val="tx1"/>
-                      </a:solidFill>
-                      <a:prstDash val="solid"/>
-                    </a:lnT>
-                    <a:lnB w="12700" cmpd="sng">
-                      <a:noFill/>
-                      <a:prstDash val="solid"/>
-                    </a:lnB>
-                    <a:solidFill>
-                      <a:schemeClr val="bg1">
-                        <a:lumMod val="95000"/>
-                      </a:schemeClr>
-                    </a:solidFill>
-                  </a:tcPr>
-                </a:tc>
-                <a:tc>
-                  <a:txBody>
-                    <a:bodyPr/>
-                    <a:lstStyle/>
-                    <a:p>
-                      <a:pPr marL="0" marR="0">
-                        <a:spcBef>
-                          <a:spcPts val="0"/>
-                        </a:spcBef>
-                        <a:spcAft>
-                          <a:spcPts val="0"/>
-                        </a:spcAft>
-                      </a:pPr>
-                      <a:r>
-                        <a:rPr lang="en-US" sz="1400" cap="none" spc="0">
-                          <a:solidFill>
-                            <a:schemeClr val="tx1"/>
-                          </a:solidFill>
-                          <a:effectLst/>
-                          <a:latin typeface="Calibri" panose="020F0502020204030204" pitchFamily="34" charset="0"/>
-                        </a:rPr>
-                        <a:t>8900</a:t>
-                      </a:r>
-                      <a:endParaRPr lang="en-US" sz="1400" cap="none" spc="0">
-                        <a:solidFill>
-                          <a:schemeClr val="tx1"/>
-                        </a:solidFill>
-                        <a:effectLst/>
-                        <a:latin typeface="Times New Roman" panose="02020603050405020304" pitchFamily="18" charset="0"/>
-                      </a:endParaRPr>
-                    </a:p>
-                  </a:txBody>
-                  <a:tcPr marL="76929" marR="54949" marT="0" marB="109899">
-                    <a:lnL w="12700" cmpd="sng">
-                      <a:noFill/>
-                      <a:prstDash val="solid"/>
-                    </a:lnL>
-                    <a:lnR w="12700" cmpd="sng">
-                      <a:noFill/>
-                      <a:prstDash val="solid"/>
-                    </a:lnR>
-                    <a:lnT w="12700" cap="flat" cmpd="sng" algn="ctr">
-                      <a:solidFill>
-                        <a:schemeClr val="tx1"/>
-                      </a:solidFill>
-                      <a:prstDash val="solid"/>
-                    </a:lnT>
-                    <a:lnB w="12700" cmpd="sng">
-                      <a:noFill/>
-                      <a:prstDash val="solid"/>
-                    </a:lnB>
-                    <a:solidFill>
-                      <a:schemeClr val="bg1">
-                        <a:lumMod val="95000"/>
-                      </a:schemeClr>
-                    </a:solidFill>
-                  </a:tcPr>
-                </a:tc>
-                <a:tc>
-                  <a:txBody>
-                    <a:bodyPr/>
-                    <a:lstStyle/>
-                    <a:p>
-                      <a:pPr marL="0" marR="0">
-                        <a:spcBef>
-                          <a:spcPts val="0"/>
-                        </a:spcBef>
-                        <a:spcAft>
-                          <a:spcPts val="0"/>
-                        </a:spcAft>
-                      </a:pPr>
-                      <a:r>
-                        <a:rPr lang="en-US" sz="1400" cap="none" spc="0">
-                          <a:solidFill>
-                            <a:schemeClr val="tx1"/>
-                          </a:solidFill>
-                          <a:effectLst/>
-                          <a:latin typeface="Calibri" panose="020F0502020204030204" pitchFamily="34" charset="0"/>
-                        </a:rPr>
-                        <a:t>7710</a:t>
-                      </a:r>
-                      <a:endParaRPr lang="en-US" sz="1400" cap="none" spc="0">
-                        <a:solidFill>
-                          <a:schemeClr val="tx1"/>
-                        </a:solidFill>
-                        <a:effectLst/>
-                        <a:latin typeface="Times New Roman" panose="02020603050405020304" pitchFamily="18" charset="0"/>
-                      </a:endParaRPr>
-                    </a:p>
-                  </a:txBody>
-                  <a:tcPr marL="76929" marR="54949" marT="0" marB="109899">
-                    <a:lnL w="12700" cmpd="sng">
-                      <a:noFill/>
-                      <a:prstDash val="solid"/>
-                    </a:lnL>
-                    <a:lnR w="12700" cmpd="sng">
-                      <a:noFill/>
-                      <a:prstDash val="solid"/>
-                    </a:lnR>
-                    <a:lnT w="12700" cap="flat" cmpd="sng" algn="ctr">
-                      <a:solidFill>
-                        <a:schemeClr val="tx1"/>
-                      </a:solidFill>
-                      <a:prstDash val="solid"/>
-                    </a:lnT>
-                    <a:lnB w="12700" cmpd="sng">
-                      <a:noFill/>
-                      <a:prstDash val="solid"/>
-                    </a:lnB>
-                    <a:solidFill>
-                      <a:schemeClr val="bg1">
-                        <a:lumMod val="95000"/>
-                      </a:schemeClr>
-                    </a:solidFill>
-                  </a:tcPr>
-                </a:tc>
-                <a:tc>
-                  <a:txBody>
-                    <a:bodyPr/>
-                    <a:lstStyle/>
-                    <a:p>
-                      <a:pPr marL="0" marR="0">
-                        <a:spcBef>
-                          <a:spcPts val="0"/>
-                        </a:spcBef>
-                        <a:spcAft>
-                          <a:spcPts val="0"/>
-                        </a:spcAft>
-                      </a:pPr>
-                      <a:r>
-                        <a:rPr lang="en-US" sz="1400" cap="none" spc="0">
-                          <a:solidFill>
-                            <a:schemeClr val="tx1"/>
-                          </a:solidFill>
-                          <a:effectLst/>
-                          <a:latin typeface="Calibri" panose="020F0502020204030204" pitchFamily="34" charset="0"/>
-                        </a:rPr>
-                        <a:t>7870</a:t>
-                      </a:r>
-                      <a:endParaRPr lang="en-US" sz="1400" cap="none" spc="0">
-                        <a:solidFill>
-                          <a:schemeClr val="tx1"/>
-                        </a:solidFill>
-                        <a:effectLst/>
-                        <a:latin typeface="Times New Roman" panose="02020603050405020304" pitchFamily="18" charset="0"/>
-                      </a:endParaRPr>
-                    </a:p>
-                  </a:txBody>
-                  <a:tcPr marL="76929" marR="54949" marT="0" marB="109899">
-                    <a:lnL w="12700" cmpd="sng">
-                      <a:noFill/>
-                      <a:prstDash val="solid"/>
-                    </a:lnL>
-                    <a:lnR w="12700" cmpd="sng">
-                      <a:noFill/>
-                      <a:prstDash val="solid"/>
-                    </a:lnR>
-                    <a:lnT w="12700" cap="flat" cmpd="sng" algn="ctr">
-                      <a:solidFill>
-                        <a:schemeClr val="tx1"/>
-                      </a:solidFill>
-                      <a:prstDash val="solid"/>
-                    </a:lnT>
-                    <a:lnB w="12700" cmpd="sng">
-                      <a:noFill/>
-                      <a:prstDash val="solid"/>
-                    </a:lnB>
-                    <a:solidFill>
-                      <a:schemeClr val="bg1">
-                        <a:lumMod val="95000"/>
-                      </a:schemeClr>
-                    </a:solidFill>
-                  </a:tcPr>
-                </a:tc>
-                <a:extLst>
-                  <a:ext uri="{0D108BD9-81ED-4DB2-BD59-A6C34878D82A}">
-                    <a16:rowId xmlns:a16="http://schemas.microsoft.com/office/drawing/2014/main" val="2981180355"/>
-                  </a:ext>
-                </a:extLst>
-              </a:tr>
-              <a:tr h="400691">
-                <a:tc>
-                  <a:txBody>
-                    <a:bodyPr/>
-                    <a:lstStyle/>
-                    <a:p>
-                      <a:r>
-                        <a:rPr lang="en-US" sz="1400" cap="none" spc="0">
-                          <a:solidFill>
-                            <a:schemeClr val="tx1"/>
-                          </a:solidFill>
-                        </a:rPr>
-                        <a:t>Range 6</a:t>
-                      </a:r>
-                    </a:p>
-                  </a:txBody>
-                  <a:tcPr marL="76929" marR="54949" marT="40804" marB="109899">
-                    <a:lnL w="12700" cmpd="sng">
-                      <a:noFill/>
-                      <a:prstDash val="solid"/>
-                    </a:lnL>
-                    <a:lnR w="12700" cmpd="sng">
-                      <a:noFill/>
-                      <a:prstDash val="solid"/>
-                    </a:lnR>
-                    <a:lnT w="12700" cmpd="sng">
-                      <a:noFill/>
-                      <a:prstDash val="solid"/>
-                    </a:lnT>
-                    <a:lnB w="12700" cap="flat" cmpd="sng" algn="ctr">
-                      <a:solidFill>
-                        <a:schemeClr val="tx1"/>
-                      </a:solidFill>
-                      <a:prstDash val="solid"/>
-                    </a:lnB>
-                    <a:noFill/>
-                  </a:tcPr>
-                </a:tc>
-                <a:tc>
-                  <a:txBody>
-                    <a:bodyPr/>
-                    <a:lstStyle/>
-                    <a:p>
-                      <a:pPr marL="0" marR="0">
-                        <a:spcBef>
-                          <a:spcPts val="0"/>
-                        </a:spcBef>
-                        <a:spcAft>
-                          <a:spcPts val="0"/>
-                        </a:spcAft>
-                      </a:pPr>
-                      <a:r>
-                        <a:rPr lang="en-US" sz="1400" cap="none" spc="0">
-                          <a:solidFill>
-                            <a:schemeClr val="tx1"/>
-                          </a:solidFill>
-                          <a:effectLst/>
-                          <a:latin typeface="Calibri" panose="020F0502020204030204" pitchFamily="34" charset="0"/>
-                        </a:rPr>
-                        <a:t>9230</a:t>
-                      </a:r>
-                      <a:endParaRPr lang="en-US" sz="1400" cap="none" spc="0">
-                        <a:solidFill>
-                          <a:schemeClr val="tx1"/>
-                        </a:solidFill>
-                        <a:effectLst/>
-                        <a:latin typeface="Times New Roman" panose="02020603050405020304" pitchFamily="18" charset="0"/>
-                      </a:endParaRPr>
-                    </a:p>
-                  </a:txBody>
-                  <a:tcPr marL="76929" marR="54949" marT="0" marB="109899">
-                    <a:lnL w="12700" cmpd="sng">
-                      <a:noFill/>
-                      <a:prstDash val="solid"/>
-                    </a:lnL>
-                    <a:lnR w="12700" cmpd="sng">
-                      <a:noFill/>
-                      <a:prstDash val="solid"/>
-                    </a:lnR>
-                    <a:lnT w="12700" cmpd="sng">
-                      <a:noFill/>
-                      <a:prstDash val="solid"/>
-                    </a:lnT>
-                    <a:lnB w="12700" cap="flat" cmpd="sng" algn="ctr">
-                      <a:solidFill>
-                        <a:schemeClr val="tx1"/>
-                      </a:solidFill>
-                      <a:prstDash val="solid"/>
-                    </a:lnB>
-                    <a:noFill/>
-                  </a:tcPr>
-                </a:tc>
-                <a:tc>
-                  <a:txBody>
-                    <a:bodyPr/>
-                    <a:lstStyle/>
-                    <a:p>
-                      <a:pPr marL="0" marR="0">
-                        <a:spcBef>
-                          <a:spcPts val="0"/>
-                        </a:spcBef>
-                        <a:spcAft>
-                          <a:spcPts val="0"/>
-                        </a:spcAft>
-                      </a:pPr>
-                      <a:r>
-                        <a:rPr lang="en-US" sz="1400" cap="none" spc="0">
-                          <a:solidFill>
-                            <a:schemeClr val="tx1"/>
-                          </a:solidFill>
-                          <a:effectLst/>
-                          <a:latin typeface="Calibri" panose="020F0502020204030204" pitchFamily="34" charset="0"/>
-                        </a:rPr>
-                        <a:t>25000</a:t>
-                      </a:r>
-                      <a:endParaRPr lang="en-US" sz="1400" cap="none" spc="0">
-                        <a:solidFill>
-                          <a:schemeClr val="tx1"/>
-                        </a:solidFill>
-                        <a:effectLst/>
-                        <a:latin typeface="Times New Roman" panose="02020603050405020304" pitchFamily="18" charset="0"/>
-                      </a:endParaRPr>
-                    </a:p>
-                  </a:txBody>
-                  <a:tcPr marL="76929" marR="54949" marT="0" marB="109899">
-                    <a:lnL w="12700" cmpd="sng">
-                      <a:noFill/>
-                      <a:prstDash val="solid"/>
-                    </a:lnL>
-                    <a:lnR w="12700" cmpd="sng">
-                      <a:noFill/>
-                      <a:prstDash val="solid"/>
-                    </a:lnR>
-                    <a:lnT w="12700" cmpd="sng">
-                      <a:noFill/>
-                      <a:prstDash val="solid"/>
-                    </a:lnT>
-                    <a:lnB w="12700" cap="flat" cmpd="sng" algn="ctr">
-                      <a:solidFill>
-                        <a:schemeClr val="tx1"/>
-                      </a:solidFill>
-                      <a:prstDash val="solid"/>
-                    </a:lnB>
-                    <a:noFill/>
-                  </a:tcPr>
-                </a:tc>
-                <a:tc>
-                  <a:txBody>
-                    <a:bodyPr/>
-                    <a:lstStyle/>
-                    <a:p>
-                      <a:pPr marL="0" marR="0">
-                        <a:spcBef>
-                          <a:spcPts val="0"/>
-                        </a:spcBef>
-                        <a:spcAft>
-                          <a:spcPts val="0"/>
-                        </a:spcAft>
-                      </a:pPr>
-                      <a:r>
-                        <a:rPr lang="en-US" sz="1400" cap="none" spc="0">
-                          <a:solidFill>
-                            <a:schemeClr val="tx1"/>
-                          </a:solidFill>
-                          <a:effectLst/>
-                          <a:latin typeface="Calibri" panose="020F0502020204030204" pitchFamily="34" charset="0"/>
-                        </a:rPr>
-                        <a:t>11420</a:t>
-                      </a:r>
-                      <a:endParaRPr lang="en-US" sz="1400" cap="none" spc="0">
-                        <a:solidFill>
-                          <a:schemeClr val="tx1"/>
-                        </a:solidFill>
-                        <a:effectLst/>
-                        <a:latin typeface="Times New Roman" panose="02020603050405020304" pitchFamily="18" charset="0"/>
-                      </a:endParaRPr>
-                    </a:p>
-                  </a:txBody>
-                  <a:tcPr marL="76929" marR="54949" marT="0" marB="109899">
-                    <a:lnL w="12700" cmpd="sng">
-                      <a:noFill/>
-                      <a:prstDash val="solid"/>
-                    </a:lnL>
-                    <a:lnR w="12700" cmpd="sng">
-                      <a:noFill/>
-                      <a:prstDash val="solid"/>
-                    </a:lnR>
-                    <a:lnT w="12700" cmpd="sng">
-                      <a:noFill/>
-                      <a:prstDash val="solid"/>
-                    </a:lnT>
-                    <a:lnB w="12700" cap="flat" cmpd="sng" algn="ctr">
-                      <a:solidFill>
-                        <a:schemeClr val="tx1"/>
-                      </a:solidFill>
-                      <a:prstDash val="solid"/>
-                    </a:lnB>
-                    <a:noFill/>
-                  </a:tcPr>
-                </a:tc>
-                <a:tc>
-                  <a:txBody>
-                    <a:bodyPr/>
-                    <a:lstStyle/>
-                    <a:p>
-                      <a:pPr marL="0" marR="0">
-                        <a:spcBef>
-                          <a:spcPts val="0"/>
-                        </a:spcBef>
-                        <a:spcAft>
-                          <a:spcPts val="0"/>
-                        </a:spcAft>
-                      </a:pPr>
-                      <a:r>
-                        <a:rPr lang="en-US" sz="1400" cap="none" spc="0">
-                          <a:solidFill>
-                            <a:schemeClr val="tx1"/>
-                          </a:solidFill>
-                          <a:effectLst/>
-                          <a:latin typeface="Calibri" panose="020F0502020204030204" pitchFamily="34" charset="0"/>
-                        </a:rPr>
-                        <a:t>11930</a:t>
-                      </a:r>
-                      <a:endParaRPr lang="en-US" sz="1400" cap="none" spc="0">
-                        <a:solidFill>
-                          <a:schemeClr val="tx1"/>
-                        </a:solidFill>
-                        <a:effectLst/>
-                        <a:latin typeface="Times New Roman" panose="02020603050405020304" pitchFamily="18" charset="0"/>
-                      </a:endParaRPr>
-                    </a:p>
-                  </a:txBody>
-                  <a:tcPr marL="76929" marR="54949" marT="0" marB="109899">
-                    <a:lnL w="12700" cmpd="sng">
-                      <a:noFill/>
-                      <a:prstDash val="solid"/>
-                    </a:lnL>
-                    <a:lnR w="12700" cmpd="sng">
-                      <a:noFill/>
-                      <a:prstDash val="solid"/>
-                    </a:lnR>
-                    <a:lnT w="12700" cmpd="sng">
-                      <a:noFill/>
-                      <a:prstDash val="solid"/>
-                    </a:lnT>
-                    <a:lnB w="12700" cap="flat" cmpd="sng" algn="ctr">
-                      <a:solidFill>
-                        <a:schemeClr val="tx1"/>
-                      </a:solidFill>
-                      <a:prstDash val="solid"/>
-                    </a:lnB>
-                    <a:noFill/>
-                  </a:tcPr>
-                </a:tc>
-                <a:extLst>
-                  <a:ext uri="{0D108BD9-81ED-4DB2-BD59-A6C34878D82A}">
-                    <a16:rowId xmlns:a16="http://schemas.microsoft.com/office/drawing/2014/main" val="2753161582"/>
-                  </a:ext>
-                </a:extLst>
-              </a:tr>
-              <a:tr h="400691">
-                <a:tc>
-                  <a:txBody>
-                    <a:bodyPr/>
-                    <a:lstStyle/>
-                    <a:p>
-                      <a:r>
-                        <a:rPr lang="en-US" sz="1400" cap="none" spc="0">
-                          <a:solidFill>
-                            <a:schemeClr val="tx1"/>
-                          </a:solidFill>
-                        </a:rPr>
-                        <a:t>Range 7</a:t>
-                      </a:r>
-                    </a:p>
-                  </a:txBody>
-                  <a:tcPr marL="76929" marR="54949" marT="40804" marB="109899">
-                    <a:lnL w="12700" cmpd="sng">
-                      <a:noFill/>
-                      <a:prstDash val="solid"/>
-                    </a:lnL>
-                    <a:lnR w="12700" cmpd="sng">
-                      <a:noFill/>
-                      <a:prstDash val="solid"/>
-                    </a:lnR>
-                    <a:lnT w="12700" cap="flat" cmpd="sng" algn="ctr">
-                      <a:solidFill>
-                        <a:schemeClr val="tx1"/>
-                      </a:solidFill>
-                      <a:prstDash val="solid"/>
-                    </a:lnT>
-                    <a:lnB w="12700" cmpd="sng">
-                      <a:noFill/>
-                      <a:prstDash val="solid"/>
-                    </a:lnB>
-                    <a:solidFill>
-                      <a:schemeClr val="bg1">
-                        <a:lumMod val="95000"/>
-                      </a:schemeClr>
-                    </a:solidFill>
-                  </a:tcPr>
-                </a:tc>
-                <a:tc>
-                  <a:txBody>
-                    <a:bodyPr/>
-                    <a:lstStyle/>
-                    <a:p>
-                      <a:pPr marL="0" marR="0">
-                        <a:spcBef>
-                          <a:spcPts val="0"/>
-                        </a:spcBef>
-                        <a:spcAft>
-                          <a:spcPts val="0"/>
-                        </a:spcAft>
-                      </a:pPr>
-                      <a:r>
-                        <a:rPr lang="en-US" sz="1400" b="1" cap="none" spc="0">
-                          <a:solidFill>
-                            <a:schemeClr val="tx1"/>
-                          </a:solidFill>
-                          <a:effectLst/>
-                          <a:latin typeface="Calibri" panose="020F0502020204030204" pitchFamily="34" charset="0"/>
-                        </a:rPr>
-                        <a:t>35000</a:t>
-                      </a:r>
-                      <a:endParaRPr lang="en-US" sz="1400" cap="none" spc="0">
-                        <a:solidFill>
-                          <a:schemeClr val="tx1"/>
-                        </a:solidFill>
-                        <a:effectLst/>
-                        <a:latin typeface="Times New Roman" panose="02020603050405020304" pitchFamily="18" charset="0"/>
-                      </a:endParaRPr>
-                    </a:p>
-                  </a:txBody>
-                  <a:tcPr marL="76929" marR="54949" marT="0" marB="109899">
-                    <a:lnL w="12700" cmpd="sng">
-                      <a:noFill/>
-                      <a:prstDash val="solid"/>
-                    </a:lnL>
-                    <a:lnR w="12700" cmpd="sng">
-                      <a:noFill/>
-                      <a:prstDash val="solid"/>
-                    </a:lnR>
-                    <a:lnT w="12700" cap="flat" cmpd="sng" algn="ctr">
-                      <a:solidFill>
-                        <a:schemeClr val="tx1"/>
-                      </a:solidFill>
-                      <a:prstDash val="solid"/>
-                    </a:lnT>
-                    <a:lnB w="12700" cmpd="sng">
-                      <a:noFill/>
-                      <a:prstDash val="solid"/>
-                    </a:lnB>
-                    <a:solidFill>
-                      <a:schemeClr val="bg1">
-                        <a:lumMod val="95000"/>
-                      </a:schemeClr>
-                    </a:solidFill>
-                  </a:tcPr>
-                </a:tc>
-                <a:tc>
-                  <a:txBody>
-                    <a:bodyPr/>
-                    <a:lstStyle/>
-                    <a:p>
-                      <a:pPr marL="0" marR="0">
-                        <a:spcBef>
-                          <a:spcPts val="0"/>
-                        </a:spcBef>
-                        <a:spcAft>
-                          <a:spcPts val="0"/>
-                        </a:spcAft>
-                      </a:pPr>
-                      <a:r>
-                        <a:rPr lang="en-US" sz="1400" cap="none" spc="0">
-                          <a:solidFill>
-                            <a:schemeClr val="tx1"/>
-                          </a:solidFill>
-                          <a:effectLst/>
-                          <a:latin typeface="Calibri" panose="020F0502020204030204" pitchFamily="34" charset="0"/>
-                        </a:rPr>
-                        <a:t>N.A.</a:t>
-                      </a:r>
-                      <a:endParaRPr lang="en-US" sz="1400" cap="none" spc="0">
-                        <a:solidFill>
-                          <a:schemeClr val="tx1"/>
-                        </a:solidFill>
-                        <a:effectLst/>
-                        <a:latin typeface="Times New Roman" panose="02020603050405020304" pitchFamily="18" charset="0"/>
-                      </a:endParaRPr>
-                    </a:p>
-                  </a:txBody>
-                  <a:tcPr marL="76929" marR="54949" marT="0" marB="109899">
-                    <a:lnL w="12700" cmpd="sng">
-                      <a:noFill/>
-                      <a:prstDash val="solid"/>
-                    </a:lnL>
-                    <a:lnR w="12700" cmpd="sng">
-                      <a:noFill/>
-                      <a:prstDash val="solid"/>
-                    </a:lnR>
-                    <a:lnT w="12700" cap="flat" cmpd="sng" algn="ctr">
-                      <a:solidFill>
-                        <a:schemeClr val="tx1"/>
-                      </a:solidFill>
-                      <a:prstDash val="solid"/>
-                    </a:lnT>
-                    <a:lnB w="12700" cmpd="sng">
-                      <a:noFill/>
-                      <a:prstDash val="solid"/>
-                    </a:lnB>
-                    <a:solidFill>
-                      <a:schemeClr val="bg1">
-                        <a:lumMod val="95000"/>
-                      </a:schemeClr>
-                    </a:solidFill>
-                  </a:tcPr>
-                </a:tc>
-                <a:tc>
-                  <a:txBody>
-                    <a:bodyPr/>
-                    <a:lstStyle/>
-                    <a:p>
-                      <a:pPr marL="0" marR="0">
-                        <a:spcBef>
-                          <a:spcPts val="0"/>
-                        </a:spcBef>
-                        <a:spcAft>
-                          <a:spcPts val="0"/>
-                        </a:spcAft>
-                      </a:pPr>
-                      <a:r>
-                        <a:rPr lang="en-US" sz="1400" b="1" cap="none" spc="0">
-                          <a:solidFill>
-                            <a:schemeClr val="tx1"/>
-                          </a:solidFill>
-                          <a:effectLst/>
-                          <a:latin typeface="Calibri" panose="020F0502020204030204" pitchFamily="34" charset="0"/>
-                        </a:rPr>
-                        <a:t>80000</a:t>
-                      </a:r>
-                      <a:endParaRPr lang="en-US" sz="1400" cap="none" spc="0">
-                        <a:solidFill>
-                          <a:schemeClr val="tx1"/>
-                        </a:solidFill>
-                        <a:effectLst/>
-                        <a:latin typeface="Times New Roman" panose="02020603050405020304" pitchFamily="18" charset="0"/>
-                      </a:endParaRPr>
-                    </a:p>
-                  </a:txBody>
-                  <a:tcPr marL="76929" marR="54949" marT="0" marB="109899">
-                    <a:lnL w="12700" cmpd="sng">
-                      <a:noFill/>
-                      <a:prstDash val="solid"/>
-                    </a:lnL>
-                    <a:lnR w="12700" cmpd="sng">
-                      <a:noFill/>
-                      <a:prstDash val="solid"/>
-                    </a:lnR>
-                    <a:lnT w="12700" cap="flat" cmpd="sng" algn="ctr">
-                      <a:solidFill>
-                        <a:schemeClr val="tx1"/>
-                      </a:solidFill>
-                      <a:prstDash val="solid"/>
-                    </a:lnT>
-                    <a:lnB w="12700" cmpd="sng">
-                      <a:noFill/>
-                      <a:prstDash val="solid"/>
-                    </a:lnB>
-                    <a:solidFill>
-                      <a:schemeClr val="bg1">
-                        <a:lumMod val="95000"/>
-                      </a:schemeClr>
-                    </a:solidFill>
-                  </a:tcPr>
-                </a:tc>
-                <a:tc>
-                  <a:txBody>
-                    <a:bodyPr/>
-                    <a:lstStyle/>
-                    <a:p>
-                      <a:pPr marL="0" marR="0">
-                        <a:spcBef>
-                          <a:spcPts val="0"/>
-                        </a:spcBef>
-                        <a:spcAft>
-                          <a:spcPts val="0"/>
-                        </a:spcAft>
-                      </a:pPr>
-                      <a:r>
-                        <a:rPr lang="en-US" sz="1400" cap="none" spc="0" dirty="0">
-                          <a:solidFill>
-                            <a:schemeClr val="tx1"/>
-                          </a:solidFill>
-                          <a:effectLst/>
-                          <a:latin typeface="Calibri" panose="020F0502020204030204" pitchFamily="34" charset="0"/>
-                        </a:rPr>
-                        <a:t>N.A.</a:t>
-                      </a:r>
-                      <a:endParaRPr lang="en-US" sz="1400" cap="none" spc="0" dirty="0">
-                        <a:solidFill>
-                          <a:schemeClr val="tx1"/>
-                        </a:solidFill>
-                        <a:effectLst/>
-                        <a:latin typeface="Times New Roman" panose="02020603050405020304" pitchFamily="18" charset="0"/>
-                      </a:endParaRPr>
-                    </a:p>
-                  </a:txBody>
-                  <a:tcPr marL="76929" marR="54949" marT="0" marB="109899">
-                    <a:lnL w="12700" cmpd="sng">
-                      <a:noFill/>
-                      <a:prstDash val="solid"/>
-                    </a:lnL>
-                    <a:lnR w="12700" cmpd="sng">
-                      <a:noFill/>
-                      <a:prstDash val="solid"/>
-                    </a:lnR>
-                    <a:lnT w="12700" cap="flat" cmpd="sng" algn="ctr">
-                      <a:solidFill>
-                        <a:schemeClr val="tx1"/>
-                      </a:solidFill>
-                      <a:prstDash val="solid"/>
-                    </a:lnT>
-                    <a:lnB w="12700" cmpd="sng">
-                      <a:noFill/>
-                      <a:prstDash val="solid"/>
-                    </a:lnB>
-                    <a:solidFill>
-                      <a:schemeClr val="bg1">
-                        <a:lumMod val="95000"/>
-                      </a:schemeClr>
-                    </a:solidFill>
-                  </a:tcPr>
-                </a:tc>
-                <a:extLst>
-                  <a:ext uri="{0D108BD9-81ED-4DB2-BD59-A6C34878D82A}">
-                    <a16:rowId xmlns:a16="http://schemas.microsoft.com/office/drawing/2014/main" val="1613740538"/>
-                  </a:ext>
-                </a:extLst>
-              </a:tr>
-            </a:tbl>
-          </a:graphicData>
-        </a:graphic>
-      </p:graphicFrame>
+        </p:nvSpPr>
+        <p:spPr>
+          <a:xfrm>
+            <a:off x="5573864" y="1166933"/>
+            <a:ext cx="5716988" cy="4279709"/>
+          </a:xfrm>
+        </p:spPr>
+        <p:txBody>
+          <a:bodyPr anchor="ctr">
+            <a:normAutofit/>
+          </a:bodyPr>
+          <a:lstStyle/>
+          <a:p>
+            <a:r>
+              <a:rPr lang="en-US" sz="1500"/>
+              <a:t>For Binh: please allocate 2bpc preliminary ranges (inner and outer)</a:t>
+            </a:r>
+          </a:p>
+          <a:p>
+            <a:pPr lvl="1"/>
+            <a:r>
+              <a:rPr lang="en-US" sz="1500"/>
+              <a:t>5kOhm – 12 kOhm allocate 3 ranges</a:t>
+            </a:r>
+          </a:p>
+          <a:p>
+            <a:pPr lvl="1"/>
+            <a:r>
+              <a:rPr lang="en-US" sz="1500"/>
+              <a:t>1 range will be HRS</a:t>
+            </a:r>
+          </a:p>
+          <a:p>
+            <a:r>
+              <a:rPr lang="en-US" sz="1500"/>
+              <a:t>We will measure on 2 chips only to save time</a:t>
+            </a:r>
+          </a:p>
+          <a:p>
+            <a:r>
+              <a:rPr lang="en-US" sz="1500"/>
+              <a:t>Akash: will work on Gaussian fitting and spread modeling</a:t>
+            </a:r>
+          </a:p>
+          <a:p>
+            <a:r>
+              <a:rPr lang="en-US" sz="1500"/>
+              <a:t>Plot for paper: BER (y-axis) as a function of time (x-axis) at different target temperatures (different lines)</a:t>
+            </a:r>
+          </a:p>
+          <a:p>
+            <a:r>
+              <a:rPr lang="en-US" sz="1500"/>
+              <a:t>Akash: will make model for quickly computing time vs. temperature and generating plot</a:t>
+            </a:r>
+          </a:p>
+          <a:p>
+            <a:r>
+              <a:rPr lang="en-US" sz="1500"/>
+              <a:t>Akash: recompute everything with properly calculated activation energy (2.2eV)</a:t>
+            </a:r>
+          </a:p>
+          <a:p>
+            <a:r>
+              <a:rPr lang="en-US" sz="1500"/>
+              <a:t>In fine phase, if WL needs to be stepped, it is stepped by 10 mV</a:t>
+            </a:r>
+          </a:p>
+          <a:p>
+            <a:pPr lvl="1"/>
+            <a:r>
+              <a:rPr lang="en-US" sz="1500"/>
+              <a:t>Usually takes 3-4 increases on avg. before it goes (not exact number yet!)</a:t>
+            </a:r>
+            <a:endParaRPr lang="en-US" sz="1500" dirty="0"/>
+          </a:p>
+        </p:txBody>
+      </p:sp>
     </p:spTree>
     <p:extLst>
       <p:ext uri="{BB962C8B-B14F-4D97-AF65-F5344CB8AC3E}">
-        <p14:creationId xmlns:p14="http://schemas.microsoft.com/office/powerpoint/2010/main" val="1239001556"/>
+        <p14:creationId xmlns:p14="http://schemas.microsoft.com/office/powerpoint/2010/main" val="2293411437"/>
       </p:ext>
     </p:extLst>
   </p:cSld>
